--- a/presentation_v3.pptx
+++ b/presentation_v3.pptx
@@ -5,7 +5,7 @@
     <p:sldMasterId id="2147483648" r:id="rId1"/>
   </p:sldMasterIdLst>
   <p:notesMasterIdLst>
-    <p:notesMasterId r:id="rId16"/>
+    <p:notesMasterId r:id="rId17"/>
   </p:notesMasterIdLst>
   <p:sldIdLst>
     <p:sldId id="256" r:id="rId2"/>
@@ -19,9 +19,10 @@
     <p:sldId id="271" r:id="rId10"/>
     <p:sldId id="278" r:id="rId11"/>
     <p:sldId id="264" r:id="rId12"/>
-    <p:sldId id="274" r:id="rId13"/>
-    <p:sldId id="275" r:id="rId14"/>
-    <p:sldId id="265" r:id="rId15"/>
+    <p:sldId id="279" r:id="rId13"/>
+    <p:sldId id="274" r:id="rId14"/>
+    <p:sldId id="275" r:id="rId15"/>
+    <p:sldId id="265" r:id="rId16"/>
   </p:sldIdLst>
   <p:sldSz cx="12192000" cy="6858000"/>
   <p:notesSz cx="6858000" cy="9144000"/>
@@ -210,7 +211,7 @@
           <a:p>
             <a:fld id="{8D80F073-C889-4F11-9408-744CDA7946D2}" type="datetimeFigureOut">
               <a:rPr lang="en-GB" smtClean="0"/>
-              <a:t>17/01/2022</a:t>
+              <a:t>18/01/2022</a:t>
             </a:fld>
             <a:endParaRPr lang="en-GB"/>
           </a:p>
@@ -658,6 +659,391 @@
 </p:notes>
 </file>
 
+<file path=ppt/notesSlides/notesSlide10.xml><?xml version="1.0" encoding="utf-8"?>
+<p:notes xmlns:a="http://schemas.openxmlformats.org/drawingml/2006/main" xmlns:r="http://schemas.openxmlformats.org/officeDocument/2006/relationships" xmlns:p="http://schemas.openxmlformats.org/presentationml/2006/main">
+  <p:cSld>
+    <p:spTree>
+      <p:nvGrpSpPr>
+        <p:cNvPr id="1" name=""/>
+        <p:cNvGrpSpPr/>
+        <p:nvPr/>
+      </p:nvGrpSpPr>
+      <p:grpSpPr>
+        <a:xfrm>
+          <a:off x="0" y="0"/>
+          <a:ext cx="0" cy="0"/>
+          <a:chOff x="0" y="0"/>
+          <a:chExt cx="0" cy="0"/>
+        </a:xfrm>
+      </p:grpSpPr>
+      <p:sp>
+        <p:nvSpPr>
+          <p:cNvPr id="2" name="Slide Image Placeholder 1"/>
+          <p:cNvSpPr>
+            <a:spLocks noGrp="1" noRot="1" noChangeAspect="1"/>
+          </p:cNvSpPr>
+          <p:nvPr>
+            <p:ph type="sldImg"/>
+          </p:nvPr>
+        </p:nvSpPr>
+        <p:spPr/>
+      </p:sp>
+      <p:sp>
+        <p:nvSpPr>
+          <p:cNvPr id="3" name="Notes Placeholder 2"/>
+          <p:cNvSpPr>
+            <a:spLocks noGrp="1"/>
+          </p:cNvSpPr>
+          <p:nvPr>
+            <p:ph type="body" idx="1"/>
+          </p:nvPr>
+        </p:nvSpPr>
+        <p:spPr/>
+        <p:txBody>
+          <a:bodyPr/>
+          <a:lstStyle/>
+          <a:p>
+            <a:pPr marL="171450" marR="0" lvl="0" indent="-171450" algn="l" defTabSz="914400" rtl="0" eaLnBrk="1" fontAlgn="auto" latinLnBrk="0" hangingPunct="1">
+              <a:lnSpc>
+                <a:spcPct val="100000"/>
+              </a:lnSpc>
+              <a:spcBef>
+                <a:spcPts val="0"/>
+              </a:spcBef>
+              <a:spcAft>
+                <a:spcPts val="0"/>
+              </a:spcAft>
+              <a:buClrTx/>
+              <a:buSzTx/>
+              <a:buFont typeface="Symbol" panose="05050102010706020507" pitchFamily="18" charset="2"/>
+              <a:buChar char="Þ"/>
+              <a:tabLst/>
+              <a:defRPr/>
+            </a:pPr>
+            <a:r>
+              <a:rPr lang="fr-FR" dirty="0"/>
+              <a:t>SSA </a:t>
+            </a:r>
+            <a:r>
+              <a:rPr lang="fr-FR" dirty="0" err="1"/>
+              <a:t>conlude</a:t>
+            </a:r>
+            <a:r>
+              <a:rPr lang="fr-FR" dirty="0"/>
+              <a:t> </a:t>
+            </a:r>
+            <a:r>
+              <a:rPr lang="fr-FR" dirty="0" err="1"/>
+              <a:t>movement</a:t>
+            </a:r>
+            <a:r>
+              <a:rPr lang="fr-FR" dirty="0"/>
+              <a:t> </a:t>
+            </a:r>
+            <a:r>
+              <a:rPr lang="fr-FR" dirty="0" err="1"/>
+              <a:t>is</a:t>
+            </a:r>
+            <a:r>
+              <a:rPr lang="fr-FR" dirty="0"/>
+              <a:t> </a:t>
+            </a:r>
+            <a:r>
+              <a:rPr lang="fr-FR" dirty="0" err="1"/>
+              <a:t>independent</a:t>
+            </a:r>
+            <a:r>
+              <a:rPr lang="fr-FR" dirty="0"/>
+              <a:t> </a:t>
+            </a:r>
+            <a:r>
+              <a:rPr lang="fr-FR" dirty="0" err="1"/>
+              <a:t>from</a:t>
+            </a:r>
+            <a:r>
+              <a:rPr lang="fr-FR" dirty="0"/>
+              <a:t> habitat. </a:t>
+            </a:r>
+          </a:p>
+          <a:p>
+            <a:pPr marL="171450" marR="0" lvl="0" indent="-171450" algn="l" defTabSz="914400" rtl="0" eaLnBrk="1" fontAlgn="auto" latinLnBrk="0" hangingPunct="1">
+              <a:lnSpc>
+                <a:spcPct val="100000"/>
+              </a:lnSpc>
+              <a:spcBef>
+                <a:spcPts val="0"/>
+              </a:spcBef>
+              <a:spcAft>
+                <a:spcPts val="0"/>
+              </a:spcAft>
+              <a:buClrTx/>
+              <a:buSzTx/>
+              <a:buFont typeface="Symbol" panose="05050102010706020507" pitchFamily="18" charset="2"/>
+              <a:buChar char="Þ"/>
+              <a:tabLst/>
+              <a:defRPr/>
+            </a:pPr>
+            <a:r>
+              <a:rPr lang="en-US" sz="1800" dirty="0">
+                <a:effectLst/>
+                <a:latin typeface="Calibri" panose="020F0502020204030204" pitchFamily="34" charset="0"/>
+                <a:ea typeface="Yu Mincho" panose="02020400000000000000" pitchFamily="18" charset="-128"/>
+                <a:cs typeface="Times New Roman" panose="02020603050405020304" pitchFamily="18" charset="0"/>
+              </a:rPr>
+              <a:t>Habitat-selection inference is conditional (on movement), whereas movement is assumed independent of habitat selection. However the two are tightly linked, with habitat selection and availability affecting the animal’s movement patterns.</a:t>
+            </a:r>
+          </a:p>
+          <a:p>
+            <a:pPr marL="171450" marR="0" lvl="0" indent="-171450" algn="l" defTabSz="914400" rtl="0" eaLnBrk="1" fontAlgn="auto" latinLnBrk="0" hangingPunct="1">
+              <a:lnSpc>
+                <a:spcPct val="100000"/>
+              </a:lnSpc>
+              <a:spcBef>
+                <a:spcPts val="0"/>
+              </a:spcBef>
+              <a:spcAft>
+                <a:spcPts val="0"/>
+              </a:spcAft>
+              <a:buClrTx/>
+              <a:buSzTx/>
+              <a:buFont typeface="Symbol" panose="05050102010706020507" pitchFamily="18" charset="2"/>
+              <a:buChar char="Þ"/>
+              <a:tabLst/>
+              <a:defRPr/>
+            </a:pPr>
+            <a:endParaRPr lang="fr-FR" dirty="0"/>
+          </a:p>
+          <a:p>
+            <a:pPr marL="171450" marR="0" lvl="0" indent="-171450" algn="l" defTabSz="914400" rtl="0" eaLnBrk="1" fontAlgn="auto" latinLnBrk="0" hangingPunct="1">
+              <a:lnSpc>
+                <a:spcPct val="100000"/>
+              </a:lnSpc>
+              <a:spcBef>
+                <a:spcPts val="0"/>
+              </a:spcBef>
+              <a:spcAft>
+                <a:spcPts val="0"/>
+              </a:spcAft>
+              <a:buClrTx/>
+              <a:buSzTx/>
+              <a:buFont typeface="Symbol" panose="05050102010706020507" pitchFamily="18" charset="2"/>
+              <a:buChar char="Þ"/>
+              <a:tabLst/>
+              <a:defRPr/>
+            </a:pPr>
+            <a:endParaRPr lang="fr-FR" dirty="0"/>
+          </a:p>
+          <a:p>
+            <a:pPr marL="0" marR="0" lvl="0" indent="0" algn="l" defTabSz="914400" rtl="0" eaLnBrk="1" fontAlgn="auto" latinLnBrk="0" hangingPunct="1">
+              <a:lnSpc>
+                <a:spcPct val="100000"/>
+              </a:lnSpc>
+              <a:spcBef>
+                <a:spcPts val="0"/>
+              </a:spcBef>
+              <a:spcAft>
+                <a:spcPts val="0"/>
+              </a:spcAft>
+              <a:buClrTx/>
+              <a:buSzTx/>
+              <a:buFontTx/>
+              <a:buNone/>
+              <a:tabLst/>
+              <a:defRPr/>
+            </a:pPr>
+            <a:endParaRPr lang="fr-FR" dirty="0"/>
+          </a:p>
+          <a:p>
+            <a:pPr marL="0" marR="0" lvl="0" indent="0" algn="l" defTabSz="914400" rtl="0" eaLnBrk="1" fontAlgn="auto" latinLnBrk="0" hangingPunct="1">
+              <a:lnSpc>
+                <a:spcPct val="100000"/>
+              </a:lnSpc>
+              <a:spcBef>
+                <a:spcPts val="0"/>
+              </a:spcBef>
+              <a:spcAft>
+                <a:spcPts val="0"/>
+              </a:spcAft>
+              <a:buClrTx/>
+              <a:buSzTx/>
+              <a:buFontTx/>
+              <a:buNone/>
+              <a:tabLst/>
+              <a:defRPr/>
+            </a:pPr>
+            <a:endParaRPr lang="fr-FR" dirty="0"/>
+          </a:p>
+          <a:p>
+            <a:pPr marL="0" marR="0" lvl="0" indent="0" algn="l" defTabSz="914400" rtl="0" eaLnBrk="1" fontAlgn="auto" latinLnBrk="0" hangingPunct="1">
+              <a:lnSpc>
+                <a:spcPct val="100000"/>
+              </a:lnSpc>
+              <a:spcBef>
+                <a:spcPts val="0"/>
+              </a:spcBef>
+              <a:spcAft>
+                <a:spcPts val="0"/>
+              </a:spcAft>
+              <a:buClrTx/>
+              <a:buSzTx/>
+              <a:buFontTx/>
+              <a:buNone/>
+              <a:tabLst/>
+              <a:defRPr/>
+            </a:pPr>
+            <a:endParaRPr lang="fr-FR" dirty="0"/>
+          </a:p>
+          <a:p>
+            <a:pPr marL="0" marR="0" lvl="0" indent="0" algn="l" defTabSz="914400" rtl="0" eaLnBrk="1" fontAlgn="auto" latinLnBrk="0" hangingPunct="1">
+              <a:lnSpc>
+                <a:spcPct val="100000"/>
+              </a:lnSpc>
+              <a:spcBef>
+                <a:spcPts val="0"/>
+              </a:spcBef>
+              <a:spcAft>
+                <a:spcPts val="0"/>
+              </a:spcAft>
+              <a:buClrTx/>
+              <a:buSzTx/>
+              <a:buFontTx/>
+              <a:buNone/>
+              <a:tabLst/>
+              <a:defRPr/>
+            </a:pPr>
+            <a:r>
+              <a:rPr lang="fr-FR" dirty="0"/>
+              <a:t>Supposons que C soit l'habitat le plus préférable pour l'animal, suivi de A, B étant une ressource pauvre. Trois des nombreuses étapes suivantes possibles pour l'animal sont x1, x2 ou x3. En l'absence de réponse en termes de ressources, et en supposant que l'animal est un marcheur corrélé dont la distribution de la longueur des pas décroît avec l'augmentation de la distance, le déplacement le plus probable serait vers x2 dans la parcelle B. Cependant, en raison de la mauvaise qualité de la parcelle B, l'animal peut décider de prendre un virage serré à gauche pour rester dans la parcelle A (représenté par un déplacement vers x2) ou même de prendre un virage serré à droite et de parcourir une plus grande distance pour aboutir à la parcelle C de meilleure qualité (représenté par un déplacement vers x3).</a:t>
+            </a:r>
+          </a:p>
+          <a:p>
+            <a:endParaRPr lang="en-US" dirty="0"/>
+          </a:p>
+          <a:p>
+            <a:endParaRPr lang="en-US" dirty="0"/>
+          </a:p>
+        </p:txBody>
+      </p:sp>
+      <p:sp>
+        <p:nvSpPr>
+          <p:cNvPr id="4" name="Slide Number Placeholder 3"/>
+          <p:cNvSpPr>
+            <a:spLocks noGrp="1"/>
+          </p:cNvSpPr>
+          <p:nvPr>
+            <p:ph type="sldNum" sz="quarter" idx="5"/>
+          </p:nvPr>
+        </p:nvSpPr>
+        <p:spPr/>
+        <p:txBody>
+          <a:bodyPr/>
+          <a:lstStyle/>
+          <a:p>
+            <a:fld id="{EDB37EFF-6C61-4937-B1C1-A794E64DAC0F}" type="slidenum">
+              <a:rPr lang="en-GB" smtClean="0"/>
+              <a:t>14</a:t>
+            </a:fld>
+            <a:endParaRPr lang="en-GB"/>
+          </a:p>
+        </p:txBody>
+      </p:sp>
+    </p:spTree>
+    <p:extLst>
+      <p:ext uri="{BB962C8B-B14F-4D97-AF65-F5344CB8AC3E}">
+        <p14:creationId xmlns:p14="http://schemas.microsoft.com/office/powerpoint/2010/main" val="1509443628"/>
+      </p:ext>
+    </p:extLst>
+  </p:cSld>
+  <p:clrMapOvr>
+    <a:masterClrMapping/>
+  </p:clrMapOvr>
+</p:notes>
+</file>
+
+<file path=ppt/notesSlides/notesSlide11.xml><?xml version="1.0" encoding="utf-8"?>
+<p:notes xmlns:a="http://schemas.openxmlformats.org/drawingml/2006/main" xmlns:r="http://schemas.openxmlformats.org/officeDocument/2006/relationships" xmlns:p="http://schemas.openxmlformats.org/presentationml/2006/main">
+  <p:cSld>
+    <p:spTree>
+      <p:nvGrpSpPr>
+        <p:cNvPr id="1" name=""/>
+        <p:cNvGrpSpPr/>
+        <p:nvPr/>
+      </p:nvGrpSpPr>
+      <p:grpSpPr>
+        <a:xfrm>
+          <a:off x="0" y="0"/>
+          <a:ext cx="0" cy="0"/>
+          <a:chOff x="0" y="0"/>
+          <a:chExt cx="0" cy="0"/>
+        </a:xfrm>
+      </p:grpSpPr>
+      <p:sp>
+        <p:nvSpPr>
+          <p:cNvPr id="2" name="Espace réservé de l'image des diapositives 1"/>
+          <p:cNvSpPr>
+            <a:spLocks noGrp="1" noRot="1" noChangeAspect="1"/>
+          </p:cNvSpPr>
+          <p:nvPr>
+            <p:ph type="sldImg"/>
+          </p:nvPr>
+        </p:nvSpPr>
+        <p:spPr/>
+      </p:sp>
+      <p:sp>
+        <p:nvSpPr>
+          <p:cNvPr id="3" name="Espace réservé des notes 2"/>
+          <p:cNvSpPr>
+            <a:spLocks noGrp="1"/>
+          </p:cNvSpPr>
+          <p:nvPr>
+            <p:ph type="body" idx="1"/>
+          </p:nvPr>
+        </p:nvSpPr>
+        <p:spPr/>
+        <p:txBody>
+          <a:bodyPr/>
+          <a:lstStyle/>
+          <a:p>
+            <a:endParaRPr lang="en-GB" dirty="0"/>
+          </a:p>
+        </p:txBody>
+      </p:sp>
+      <p:sp>
+        <p:nvSpPr>
+          <p:cNvPr id="4" name="Espace réservé du numéro de diapositive 3"/>
+          <p:cNvSpPr>
+            <a:spLocks noGrp="1"/>
+          </p:cNvSpPr>
+          <p:nvPr>
+            <p:ph type="sldNum" sz="quarter" idx="5"/>
+          </p:nvPr>
+        </p:nvSpPr>
+        <p:spPr/>
+        <p:txBody>
+          <a:bodyPr/>
+          <a:lstStyle/>
+          <a:p>
+            <a:fld id="{EDB37EFF-6C61-4937-B1C1-A794E64DAC0F}" type="slidenum">
+              <a:rPr lang="en-GB" smtClean="0"/>
+              <a:t>15</a:t>
+            </a:fld>
+            <a:endParaRPr lang="en-GB"/>
+          </a:p>
+        </p:txBody>
+      </p:sp>
+    </p:spTree>
+    <p:extLst>
+      <p:ext uri="{BB962C8B-B14F-4D97-AF65-F5344CB8AC3E}">
+        <p14:creationId xmlns:p14="http://schemas.microsoft.com/office/powerpoint/2010/main" val="113764780"/>
+      </p:ext>
+    </p:extLst>
+  </p:cSld>
+  <p:clrMapOvr>
+    <a:masterClrMapping/>
+  </p:clrMapOvr>
+</p:notes>
+</file>
+
 <file path=ppt/notesSlides/notesSlide2.xml><?xml version="1.0" encoding="utf-8"?>
 <p:notes xmlns:a="http://schemas.openxmlformats.org/drawingml/2006/main" xmlns:r="http://schemas.openxmlformats.org/officeDocument/2006/relationships" xmlns:p="http://schemas.openxmlformats.org/presentationml/2006/main">
   <p:cSld>
@@ -1491,7 +1877,7 @@
       </p:grpSpPr>
       <p:sp>
         <p:nvSpPr>
-          <p:cNvPr id="2" name="Slide Image Placeholder 1"/>
+          <p:cNvPr id="2" name="Espace réservé de l'image des diapositives 1"/>
           <p:cNvSpPr>
             <a:spLocks noGrp="1" noRot="1" noChangeAspect="1"/>
           </p:cNvSpPr>
@@ -1503,7 +1889,7 @@
       </p:sp>
       <p:sp>
         <p:nvSpPr>
-          <p:cNvPr id="3" name="Notes Placeholder 2"/>
+          <p:cNvPr id="3" name="Espace réservé des notes 2"/>
           <p:cNvSpPr>
             <a:spLocks noGrp="1"/>
           </p:cNvSpPr>
@@ -1516,136 +1902,89 @@
           <a:bodyPr/>
           <a:lstStyle/>
           <a:p>
-            <a:pPr marL="171450" marR="0" lvl="0" indent="-171450" algn="l" defTabSz="914400" rtl="0" eaLnBrk="1" fontAlgn="auto" latinLnBrk="0" hangingPunct="1">
-              <a:lnSpc>
-                <a:spcPct val="100000"/>
-              </a:lnSpc>
-              <a:spcBef>
-                <a:spcPts val="0"/>
-              </a:spcBef>
-              <a:spcAft>
-                <a:spcPts val="0"/>
-              </a:spcAft>
-              <a:buClrTx/>
-              <a:buSzTx/>
-              <a:buFont typeface="Symbol" panose="05050102010706020507" pitchFamily="18" charset="2"/>
-              <a:buChar char="Þ"/>
-              <a:tabLst/>
-              <a:defRPr/>
-            </a:pPr>
-            <a:r>
-              <a:rPr lang="fr-FR" dirty="0"/>
-              <a:t>SSA </a:t>
-            </a:r>
-            <a:r>
-              <a:rPr lang="fr-FR" dirty="0" err="1"/>
-              <a:t>conlude</a:t>
-            </a:r>
-            <a:r>
-              <a:rPr lang="fr-FR" dirty="0"/>
-              <a:t> </a:t>
-            </a:r>
-            <a:r>
-              <a:rPr lang="fr-FR" dirty="0" err="1"/>
-              <a:t>movement</a:t>
-            </a:r>
-            <a:r>
-              <a:rPr lang="fr-FR" dirty="0"/>
-              <a:t> </a:t>
-            </a:r>
-            <a:r>
-              <a:rPr lang="fr-FR" dirty="0" err="1"/>
-              <a:t>is</a:t>
-            </a:r>
-            <a:r>
-              <a:rPr lang="fr-FR" dirty="0"/>
-              <a:t> </a:t>
-            </a:r>
-            <a:r>
-              <a:rPr lang="fr-FR" dirty="0" err="1"/>
-              <a:t>independent</a:t>
-            </a:r>
-            <a:r>
-              <a:rPr lang="fr-FR" dirty="0"/>
-              <a:t> </a:t>
-            </a:r>
-            <a:r>
-              <a:rPr lang="fr-FR" dirty="0" err="1"/>
-              <a:t>from</a:t>
-            </a:r>
-            <a:r>
-              <a:rPr lang="fr-FR" dirty="0"/>
-              <a:t> habitat. </a:t>
-            </a:r>
-          </a:p>
-          <a:p>
-            <a:pPr marL="171450" marR="0" lvl="0" indent="-171450" algn="l" defTabSz="914400" rtl="0" eaLnBrk="1" fontAlgn="auto" latinLnBrk="0" hangingPunct="1">
-              <a:lnSpc>
-                <a:spcPct val="100000"/>
-              </a:lnSpc>
-              <a:spcBef>
-                <a:spcPts val="0"/>
-              </a:spcBef>
-              <a:spcAft>
-                <a:spcPts val="0"/>
-              </a:spcAft>
-              <a:buClrTx/>
-              <a:buSzTx/>
-              <a:buFont typeface="Symbol" panose="05050102010706020507" pitchFamily="18" charset="2"/>
-              <a:buChar char="Þ"/>
-              <a:tabLst/>
-              <a:defRPr/>
-            </a:pPr>
-            <a:r>
-              <a:rPr lang="en-US" sz="1800" dirty="0">
-                <a:effectLst/>
-                <a:latin typeface="Calibri" panose="020F0502020204030204" pitchFamily="34" charset="0"/>
-                <a:ea typeface="Yu Mincho" panose="02020400000000000000" pitchFamily="18" charset="-128"/>
-                <a:cs typeface="Times New Roman" panose="02020603050405020304" pitchFamily="18" charset="0"/>
-              </a:rPr>
-              <a:t>Habitat-selection inference is conditional (on movement), whereas movement is assumed independent of habitat selection. However the two are tightly linked, with habitat selection and availability affecting the animal’s movement patterns.</a:t>
-            </a:r>
-          </a:p>
-          <a:p>
-            <a:pPr marL="171450" marR="0" lvl="0" indent="-171450" algn="l" defTabSz="914400" rtl="0" eaLnBrk="1" fontAlgn="auto" latinLnBrk="0" hangingPunct="1">
-              <a:lnSpc>
-                <a:spcPct val="100000"/>
-              </a:lnSpc>
-              <a:spcBef>
-                <a:spcPts val="0"/>
-              </a:spcBef>
-              <a:spcAft>
-                <a:spcPts val="0"/>
-              </a:spcAft>
-              <a:buClrTx/>
-              <a:buSzTx/>
-              <a:buFont typeface="Symbol" panose="05050102010706020507" pitchFamily="18" charset="2"/>
-              <a:buChar char="Þ"/>
-              <a:tabLst/>
-              <a:defRPr/>
-            </a:pPr>
-            <a:endParaRPr lang="fr-FR" dirty="0"/>
-          </a:p>
-          <a:p>
-            <a:pPr marL="171450" marR="0" lvl="0" indent="-171450" algn="l" defTabSz="914400" rtl="0" eaLnBrk="1" fontAlgn="auto" latinLnBrk="0" hangingPunct="1">
-              <a:lnSpc>
-                <a:spcPct val="100000"/>
-              </a:lnSpc>
-              <a:spcBef>
-                <a:spcPts val="0"/>
-              </a:spcBef>
-              <a:spcAft>
-                <a:spcPts val="0"/>
-              </a:spcAft>
-              <a:buClrTx/>
-              <a:buSzTx/>
-              <a:buFont typeface="Symbol" panose="05050102010706020507" pitchFamily="18" charset="2"/>
-              <a:buChar char="Þ"/>
-              <a:tabLst/>
-              <a:defRPr/>
-            </a:pPr>
-            <a:endParaRPr lang="fr-FR" dirty="0"/>
-          </a:p>
+            <a:endParaRPr lang="en-GB" dirty="0"/>
+          </a:p>
+        </p:txBody>
+      </p:sp>
+      <p:sp>
+        <p:nvSpPr>
+          <p:cNvPr id="4" name="Espace réservé du numéro de diapositive 3"/>
+          <p:cNvSpPr>
+            <a:spLocks noGrp="1"/>
+          </p:cNvSpPr>
+          <p:nvPr>
+            <p:ph type="sldNum" sz="quarter" idx="5"/>
+          </p:nvPr>
+        </p:nvSpPr>
+        <p:spPr/>
+        <p:txBody>
+          <a:bodyPr/>
+          <a:lstStyle/>
+          <a:p>
+            <a:fld id="{EDB37EFF-6C61-4937-B1C1-A794E64DAC0F}" type="slidenum">
+              <a:rPr lang="en-GB" smtClean="0"/>
+              <a:t>11</a:t>
+            </a:fld>
+            <a:endParaRPr lang="en-GB"/>
+          </a:p>
+        </p:txBody>
+      </p:sp>
+    </p:spTree>
+    <p:extLst>
+      <p:ext uri="{BB962C8B-B14F-4D97-AF65-F5344CB8AC3E}">
+        <p14:creationId xmlns:p14="http://schemas.microsoft.com/office/powerpoint/2010/main" val="1095136256"/>
+      </p:ext>
+    </p:extLst>
+  </p:cSld>
+  <p:clrMapOvr>
+    <a:masterClrMapping/>
+  </p:clrMapOvr>
+</p:notes>
+</file>
+
+<file path=ppt/notesSlides/notesSlide8.xml><?xml version="1.0" encoding="utf-8"?>
+<p:notes xmlns:a="http://schemas.openxmlformats.org/drawingml/2006/main" xmlns:r="http://schemas.openxmlformats.org/officeDocument/2006/relationships" xmlns:p="http://schemas.openxmlformats.org/presentationml/2006/main">
+  <p:cSld>
+    <p:spTree>
+      <p:nvGrpSpPr>
+        <p:cNvPr id="1" name=""/>
+        <p:cNvGrpSpPr/>
+        <p:nvPr/>
+      </p:nvGrpSpPr>
+      <p:grpSpPr>
+        <a:xfrm>
+          <a:off x="0" y="0"/>
+          <a:ext cx="0" cy="0"/>
+          <a:chOff x="0" y="0"/>
+          <a:chExt cx="0" cy="0"/>
+        </a:xfrm>
+      </p:grpSpPr>
+      <p:sp>
+        <p:nvSpPr>
+          <p:cNvPr id="2" name="Espace réservé de l'image des diapositives 1"/>
+          <p:cNvSpPr>
+            <a:spLocks noGrp="1" noRot="1" noChangeAspect="1"/>
+          </p:cNvSpPr>
+          <p:nvPr>
+            <p:ph type="sldImg"/>
+          </p:nvPr>
+        </p:nvSpPr>
+        <p:spPr/>
+      </p:sp>
+      <p:sp>
+        <p:nvSpPr>
+          <p:cNvPr id="3" name="Espace réservé des notes 2"/>
+          <p:cNvSpPr>
+            <a:spLocks noGrp="1"/>
+          </p:cNvSpPr>
+          <p:nvPr>
+            <p:ph type="body" idx="1"/>
+          </p:nvPr>
+        </p:nvSpPr>
+        <p:spPr/>
+        <p:txBody>
+          <a:bodyPr/>
+          <a:lstStyle/>
           <a:p>
             <a:pPr marL="0" marR="0" lvl="0" indent="0" algn="l" defTabSz="914400" rtl="0" eaLnBrk="1" fontAlgn="auto" latinLnBrk="0" hangingPunct="1">
               <a:lnSpc>
@@ -1664,82 +2003,20 @@
               <a:tabLst/>
               <a:defRPr/>
             </a:pPr>
-            <a:endParaRPr lang="fr-FR" dirty="0"/>
-          </a:p>
-          <a:p>
-            <a:pPr marL="0" marR="0" lvl="0" indent="0" algn="l" defTabSz="914400" rtl="0" eaLnBrk="1" fontAlgn="auto" latinLnBrk="0" hangingPunct="1">
-              <a:lnSpc>
-                <a:spcPct val="100000"/>
-              </a:lnSpc>
-              <a:spcBef>
-                <a:spcPts val="0"/>
-              </a:spcBef>
-              <a:spcAft>
-                <a:spcPts val="0"/>
-              </a:spcAft>
-              <a:buClrTx/>
-              <a:buSzTx/>
-              <a:buFontTx/>
-              <a:buNone/>
-              <a:tabLst/>
-              <a:defRPr/>
-            </a:pPr>
-            <a:endParaRPr lang="fr-FR" dirty="0"/>
-          </a:p>
-          <a:p>
-            <a:pPr marL="0" marR="0" lvl="0" indent="0" algn="l" defTabSz="914400" rtl="0" eaLnBrk="1" fontAlgn="auto" latinLnBrk="0" hangingPunct="1">
-              <a:lnSpc>
-                <a:spcPct val="100000"/>
-              </a:lnSpc>
-              <a:spcBef>
-                <a:spcPts val="0"/>
-              </a:spcBef>
-              <a:spcAft>
-                <a:spcPts val="0"/>
-              </a:spcAft>
-              <a:buClrTx/>
-              <a:buSzTx/>
-              <a:buFontTx/>
-              <a:buNone/>
-              <a:tabLst/>
-              <a:defRPr/>
-            </a:pPr>
-            <a:endParaRPr lang="fr-FR" dirty="0"/>
-          </a:p>
-          <a:p>
-            <a:pPr marL="0" marR="0" lvl="0" indent="0" algn="l" defTabSz="914400" rtl="0" eaLnBrk="1" fontAlgn="auto" latinLnBrk="0" hangingPunct="1">
-              <a:lnSpc>
-                <a:spcPct val="100000"/>
-              </a:lnSpc>
-              <a:spcBef>
-                <a:spcPts val="0"/>
-              </a:spcBef>
-              <a:spcAft>
-                <a:spcPts val="0"/>
-              </a:spcAft>
-              <a:buClrTx/>
-              <a:buSzTx/>
-              <a:buFontTx/>
-              <a:buNone/>
-              <a:tabLst/>
-              <a:defRPr/>
-            </a:pPr>
             <a:r>
               <a:rPr lang="fr-FR" dirty="0"/>
-              <a:t>Supposons que C soit l'habitat le plus préférable pour l'animal, suivi de A, B étant une ressource pauvre. Trois des nombreuses étapes suivantes possibles pour l'animal sont x1, x2 ou x3. En l'absence de réponse en termes de ressources, et en supposant que l'animal est un marcheur corrélé dont la distribution de la longueur des pas décroît avec l'augmentation de la distance, le déplacement le plus probable serait vers x2 dans la parcelle B. Cependant, en raison de la mauvaise qualité de la parcelle B, l'animal peut décider de prendre un virage serré à gauche pour rester dans la parcelle A (représenté par un déplacement vers x2) ou même de prendre un virage serré à droite et de parcourir une plus grande distance pour aboutir à la parcelle C de meilleure qualité (représenté par un déplacement vers x3).</a:t>
-            </a:r>
-          </a:p>
-          <a:p>
-            <a:endParaRPr lang="en-US" dirty="0"/>
-          </a:p>
-          <a:p>
-            <a:endParaRPr lang="en-US" dirty="0"/>
+              <a:t>parler de la perte d’observations lors de la conversion des positions en « pas »</a:t>
+            </a:r>
+            <a:endParaRPr lang="en-GB" dirty="0"/>
+          </a:p>
+          <a:p>
+            <a:endParaRPr lang="en-GB" dirty="0"/>
           </a:p>
         </p:txBody>
       </p:sp>
       <p:sp>
         <p:nvSpPr>
-          <p:cNvPr id="4" name="Slide Number Placeholder 3"/>
+          <p:cNvPr id="4" name="Espace réservé du numéro de diapositive 3"/>
           <p:cNvSpPr>
             <a:spLocks noGrp="1"/>
           </p:cNvSpPr>
@@ -1763,7 +2040,7 @@
     </p:spTree>
     <p:extLst>
       <p:ext uri="{BB962C8B-B14F-4D97-AF65-F5344CB8AC3E}">
-        <p14:creationId xmlns:p14="http://schemas.microsoft.com/office/powerpoint/2010/main" val="2645960924"/>
+        <p14:creationId xmlns:p14="http://schemas.microsoft.com/office/powerpoint/2010/main" val="1043154605"/>
       </p:ext>
     </p:extLst>
   </p:cSld>
@@ -1773,7 +2050,7 @@
 </p:notes>
 </file>
 
-<file path=ppt/notesSlides/notesSlide8.xml><?xml version="1.0" encoding="utf-8"?>
+<file path=ppt/notesSlides/notesSlide9.xml><?xml version="1.0" encoding="utf-8"?>
 <p:notes xmlns:a="http://schemas.openxmlformats.org/drawingml/2006/main" xmlns:r="http://schemas.openxmlformats.org/officeDocument/2006/relationships" xmlns:p="http://schemas.openxmlformats.org/presentationml/2006/main">
   <p:cSld>
     <p:spTree>
@@ -2064,91 +2341,7 @@
     </p:spTree>
     <p:extLst>
       <p:ext uri="{BB962C8B-B14F-4D97-AF65-F5344CB8AC3E}">
-        <p14:creationId xmlns:p14="http://schemas.microsoft.com/office/powerpoint/2010/main" val="1509443628"/>
-      </p:ext>
-    </p:extLst>
-  </p:cSld>
-  <p:clrMapOvr>
-    <a:masterClrMapping/>
-  </p:clrMapOvr>
-</p:notes>
-</file>
-
-<file path=ppt/notesSlides/notesSlide9.xml><?xml version="1.0" encoding="utf-8"?>
-<p:notes xmlns:a="http://schemas.openxmlformats.org/drawingml/2006/main" xmlns:r="http://schemas.openxmlformats.org/officeDocument/2006/relationships" xmlns:p="http://schemas.openxmlformats.org/presentationml/2006/main">
-  <p:cSld>
-    <p:spTree>
-      <p:nvGrpSpPr>
-        <p:cNvPr id="1" name=""/>
-        <p:cNvGrpSpPr/>
-        <p:nvPr/>
-      </p:nvGrpSpPr>
-      <p:grpSpPr>
-        <a:xfrm>
-          <a:off x="0" y="0"/>
-          <a:ext cx="0" cy="0"/>
-          <a:chOff x="0" y="0"/>
-          <a:chExt cx="0" cy="0"/>
-        </a:xfrm>
-      </p:grpSpPr>
-      <p:sp>
-        <p:nvSpPr>
-          <p:cNvPr id="2" name="Espace réservé de l'image des diapositives 1"/>
-          <p:cNvSpPr>
-            <a:spLocks noGrp="1" noRot="1" noChangeAspect="1"/>
-          </p:cNvSpPr>
-          <p:nvPr>
-            <p:ph type="sldImg"/>
-          </p:nvPr>
-        </p:nvSpPr>
-        <p:spPr/>
-      </p:sp>
-      <p:sp>
-        <p:nvSpPr>
-          <p:cNvPr id="3" name="Espace réservé des notes 2"/>
-          <p:cNvSpPr>
-            <a:spLocks noGrp="1"/>
-          </p:cNvSpPr>
-          <p:nvPr>
-            <p:ph type="body" idx="1"/>
-          </p:nvPr>
-        </p:nvSpPr>
-        <p:spPr/>
-        <p:txBody>
-          <a:bodyPr/>
-          <a:lstStyle/>
-          <a:p>
-            <a:endParaRPr lang="en-GB" dirty="0"/>
-          </a:p>
-        </p:txBody>
-      </p:sp>
-      <p:sp>
-        <p:nvSpPr>
-          <p:cNvPr id="4" name="Espace réservé du numéro de diapositive 3"/>
-          <p:cNvSpPr>
-            <a:spLocks noGrp="1"/>
-          </p:cNvSpPr>
-          <p:nvPr>
-            <p:ph type="sldNum" sz="quarter" idx="5"/>
-          </p:nvPr>
-        </p:nvSpPr>
-        <p:spPr/>
-        <p:txBody>
-          <a:bodyPr/>
-          <a:lstStyle/>
-          <a:p>
-            <a:fld id="{EDB37EFF-6C61-4937-B1C1-A794E64DAC0F}" type="slidenum">
-              <a:rPr lang="en-GB" smtClean="0"/>
-              <a:t>14</a:t>
-            </a:fld>
-            <a:endParaRPr lang="en-GB"/>
-          </a:p>
-        </p:txBody>
-      </p:sp>
-    </p:spTree>
-    <p:extLst>
-      <p:ext uri="{BB962C8B-B14F-4D97-AF65-F5344CB8AC3E}">
-        <p14:creationId xmlns:p14="http://schemas.microsoft.com/office/powerpoint/2010/main" val="113764780"/>
+        <p14:creationId xmlns:p14="http://schemas.microsoft.com/office/powerpoint/2010/main" val="2645960924"/>
       </p:ext>
     </p:extLst>
   </p:cSld>
@@ -2307,7 +2500,7 @@
           <a:p>
             <a:fld id="{48D70FE8-65FD-4950-BD19-4EE3A454551B}" type="datetimeFigureOut">
               <a:rPr lang="en-GB" smtClean="0"/>
-              <a:t>17/01/2022</a:t>
+              <a:t>18/01/2022</a:t>
             </a:fld>
             <a:endParaRPr lang="en-GB"/>
           </a:p>
@@ -2507,7 +2700,7 @@
           <a:p>
             <a:fld id="{48D70FE8-65FD-4950-BD19-4EE3A454551B}" type="datetimeFigureOut">
               <a:rPr lang="en-GB" smtClean="0"/>
-              <a:t>17/01/2022</a:t>
+              <a:t>18/01/2022</a:t>
             </a:fld>
             <a:endParaRPr lang="en-GB"/>
           </a:p>
@@ -2717,7 +2910,7 @@
           <a:p>
             <a:fld id="{48D70FE8-65FD-4950-BD19-4EE3A454551B}" type="datetimeFigureOut">
               <a:rPr lang="en-GB" smtClean="0"/>
-              <a:t>17/01/2022</a:t>
+              <a:t>18/01/2022</a:t>
             </a:fld>
             <a:endParaRPr lang="en-GB"/>
           </a:p>
@@ -2917,7 +3110,7 @@
           <a:p>
             <a:fld id="{48D70FE8-65FD-4950-BD19-4EE3A454551B}" type="datetimeFigureOut">
               <a:rPr lang="en-GB" smtClean="0"/>
-              <a:t>17/01/2022</a:t>
+              <a:t>18/01/2022</a:t>
             </a:fld>
             <a:endParaRPr lang="en-GB"/>
           </a:p>
@@ -3193,7 +3386,7 @@
           <a:p>
             <a:fld id="{48D70FE8-65FD-4950-BD19-4EE3A454551B}" type="datetimeFigureOut">
               <a:rPr lang="en-GB" smtClean="0"/>
-              <a:t>17/01/2022</a:t>
+              <a:t>18/01/2022</a:t>
             </a:fld>
             <a:endParaRPr lang="en-GB"/>
           </a:p>
@@ -3461,7 +3654,7 @@
           <a:p>
             <a:fld id="{48D70FE8-65FD-4950-BD19-4EE3A454551B}" type="datetimeFigureOut">
               <a:rPr lang="en-GB" smtClean="0"/>
-              <a:t>17/01/2022</a:t>
+              <a:t>18/01/2022</a:t>
             </a:fld>
             <a:endParaRPr lang="en-GB"/>
           </a:p>
@@ -3876,7 +4069,7 @@
           <a:p>
             <a:fld id="{48D70FE8-65FD-4950-BD19-4EE3A454551B}" type="datetimeFigureOut">
               <a:rPr lang="en-GB" smtClean="0"/>
-              <a:t>17/01/2022</a:t>
+              <a:t>18/01/2022</a:t>
             </a:fld>
             <a:endParaRPr lang="en-GB"/>
           </a:p>
@@ -4018,7 +4211,7 @@
           <a:p>
             <a:fld id="{48D70FE8-65FD-4950-BD19-4EE3A454551B}" type="datetimeFigureOut">
               <a:rPr lang="en-GB" smtClean="0"/>
-              <a:t>17/01/2022</a:t>
+              <a:t>18/01/2022</a:t>
             </a:fld>
             <a:endParaRPr lang="en-GB"/>
           </a:p>
@@ -4131,7 +4324,7 @@
           <a:p>
             <a:fld id="{48D70FE8-65FD-4950-BD19-4EE3A454551B}" type="datetimeFigureOut">
               <a:rPr lang="en-GB" smtClean="0"/>
-              <a:t>17/01/2022</a:t>
+              <a:t>18/01/2022</a:t>
             </a:fld>
             <a:endParaRPr lang="en-GB"/>
           </a:p>
@@ -4444,7 +4637,7 @@
           <a:p>
             <a:fld id="{48D70FE8-65FD-4950-BD19-4EE3A454551B}" type="datetimeFigureOut">
               <a:rPr lang="en-GB" smtClean="0"/>
-              <a:t>17/01/2022</a:t>
+              <a:t>18/01/2022</a:t>
             </a:fld>
             <a:endParaRPr lang="en-GB"/>
           </a:p>
@@ -4733,7 +4926,7 @@
           <a:p>
             <a:fld id="{48D70FE8-65FD-4950-BD19-4EE3A454551B}" type="datetimeFigureOut">
               <a:rPr lang="en-GB" smtClean="0"/>
-              <a:t>17/01/2022</a:t>
+              <a:t>18/01/2022</a:t>
             </a:fld>
             <a:endParaRPr lang="en-GB"/>
           </a:p>
@@ -4976,7 +5169,7 @@
           <a:p>
             <a:fld id="{48D70FE8-65FD-4950-BD19-4EE3A454551B}" type="datetimeFigureOut">
               <a:rPr lang="en-GB" smtClean="0"/>
-              <a:t>17/01/2022</a:t>
+              <a:t>18/01/2022</a:t>
             </a:fld>
             <a:endParaRPr lang="en-GB"/>
           </a:p>
@@ -5575,7 +5768,7 @@
               <a:rPr lang="fr-FR" sz="2000" b="1" smtClean="0">
                 <a:latin typeface="+mj-lt"/>
               </a:rPr>
-              <a:t>17 janvier 2022</a:t>
+              <a:t>18 janvier 2022</a:t>
             </a:fld>
             <a:endParaRPr lang="en-GB" sz="2000" b="1" dirty="0">
               <a:latin typeface="+mj-lt"/>
@@ -5628,7 +5821,7 @@
         <p:spPr>
           <a:xfrm>
             <a:off x="331514" y="985910"/>
-            <a:ext cx="3625864" cy="523220"/>
+            <a:ext cx="3633110" cy="523220"/>
           </a:xfrm>
           <a:prstGeom prst="rect">
             <a:avLst/>
@@ -5645,7 +5838,7 @@
               <a:rPr lang="fr-FR" sz="2800" b="1" cap="small" dirty="0">
                 <a:latin typeface="+mj-lt"/>
               </a:rPr>
-              <a:t>Présentation des données</a:t>
+              <a:t>Granularité des individus</a:t>
             </a:r>
             <a:endParaRPr lang="en-GB" sz="2800" b="1" cap="small" dirty="0">
               <a:latin typeface="+mj-lt"/>
@@ -5859,7 +6052,7 @@
                 <a:rPr lang="fr-FR" sz="1400" b="1" smtClean="0">
                   <a:latin typeface="+mj-lt"/>
                 </a:rPr>
-                <a:t>17/01/2022</a:t>
+                <a:t>18/01/2022</a:t>
               </a:fld>
               <a:endParaRPr lang="en-GB" sz="1600" b="1" cap="small" dirty="0">
                 <a:latin typeface="+mj-lt"/>
@@ -6197,48 +6390,6 @@
           </p:txBody>
         </p:sp>
       </p:grpSp>
-      <p:sp>
-        <p:nvSpPr>
-          <p:cNvPr id="23" name="ZoneTexte 22">
-            <a:extLst>
-              <a:ext uri="{FF2B5EF4-FFF2-40B4-BE49-F238E27FC236}">
-                <a16:creationId xmlns:a16="http://schemas.microsoft.com/office/drawing/2014/main" id="{C3BABF36-C828-48B4-97E7-3B02D421222C}"/>
-              </a:ext>
-            </a:extLst>
-          </p:cNvPr>
-          <p:cNvSpPr txBox="1"/>
-          <p:nvPr/>
-        </p:nvSpPr>
-        <p:spPr>
-          <a:xfrm>
-            <a:off x="1125834" y="1821515"/>
-            <a:ext cx="2340256" cy="464871"/>
-          </a:xfrm>
-          <a:prstGeom prst="rect">
-            <a:avLst/>
-          </a:prstGeom>
-          <a:noFill/>
-        </p:spPr>
-        <p:txBody>
-          <a:bodyPr wrap="none" rtlCol="0">
-            <a:spAutoFit/>
-          </a:bodyPr>
-          <a:lstStyle/>
-          <a:p>
-            <a:pPr marL="285750" indent="-285750">
-              <a:lnSpc>
-                <a:spcPct val="150000"/>
-              </a:lnSpc>
-              <a:buFont typeface="Arial" panose="020B0604020202020204" pitchFamily="34" charset="0"/>
-              <a:buChar char="•"/>
-            </a:pPr>
-            <a:r>
-              <a:rPr lang="fr-FR" dirty="0"/>
-              <a:t>Quelques chiffres …</a:t>
-            </a:r>
-          </a:p>
-        </p:txBody>
-      </p:sp>
       <p:grpSp>
         <p:nvGrpSpPr>
           <p:cNvPr id="24" name="Groupe 23">
@@ -6511,6 +6662,168 @@
           </p:txBody>
         </p:sp>
       </p:grpSp>
+      <p:sp>
+        <p:nvSpPr>
+          <p:cNvPr id="30" name="ZoneTexte 29">
+            <a:extLst>
+              <a:ext uri="{FF2B5EF4-FFF2-40B4-BE49-F238E27FC236}">
+                <a16:creationId xmlns:a16="http://schemas.microsoft.com/office/drawing/2014/main" id="{1FC48FD4-2375-4539-A995-F9115AC31D7F}"/>
+              </a:ext>
+            </a:extLst>
+          </p:cNvPr>
+          <p:cNvSpPr txBox="1"/>
+          <p:nvPr/>
+        </p:nvSpPr>
+        <p:spPr>
+          <a:xfrm>
+            <a:off x="1125834" y="1821515"/>
+            <a:ext cx="9665979" cy="2542363"/>
+          </a:xfrm>
+          <a:prstGeom prst="rect">
+            <a:avLst/>
+          </a:prstGeom>
+          <a:noFill/>
+        </p:spPr>
+        <p:txBody>
+          <a:bodyPr wrap="none" rtlCol="0">
+            <a:spAutoFit/>
+          </a:bodyPr>
+          <a:lstStyle/>
+          <a:p>
+            <a:pPr marL="285750" indent="-285750">
+              <a:lnSpc>
+                <a:spcPct val="150000"/>
+              </a:lnSpc>
+              <a:buFont typeface="Arial" panose="020B0604020202020204" pitchFamily="34" charset="0"/>
+              <a:buChar char="•"/>
+            </a:pPr>
+            <a:r>
+              <a:rPr lang="fr-FR" dirty="0"/>
+              <a:t>Individu d’intérêt : </a:t>
+            </a:r>
+            <a:r>
+              <a:rPr lang="fr-FR" b="1" dirty="0">
+                <a:solidFill>
+                  <a:srgbClr val="4D85AC"/>
+                </a:solidFill>
+              </a:rPr>
+              <a:t>94</a:t>
+            </a:r>
+            <a:r>
+              <a:rPr lang="fr-FR" dirty="0"/>
+              <a:t> </a:t>
+            </a:r>
+            <a:r>
+              <a:rPr lang="fr-FR" b="1" dirty="0">
+                <a:solidFill>
+                  <a:srgbClr val="4D85AC"/>
+                </a:solidFill>
+              </a:rPr>
+              <a:t>oiseaux</a:t>
+            </a:r>
+          </a:p>
+          <a:p>
+            <a:pPr marL="285750" indent="-285750">
+              <a:lnSpc>
+                <a:spcPct val="150000"/>
+              </a:lnSpc>
+              <a:buFont typeface="Arial" panose="020B0604020202020204" pitchFamily="34" charset="0"/>
+              <a:buChar char="•"/>
+            </a:pPr>
+            <a:endParaRPr lang="fr-FR" dirty="0"/>
+          </a:p>
+          <a:p>
+            <a:pPr marL="285750" indent="-285750">
+              <a:lnSpc>
+                <a:spcPct val="150000"/>
+              </a:lnSpc>
+              <a:buFont typeface="Arial" panose="020B0604020202020204" pitchFamily="34" charset="0"/>
+              <a:buChar char="•"/>
+            </a:pPr>
+            <a:r>
+              <a:rPr lang="fr-FR" dirty="0"/>
+              <a:t>Plusieurs </a:t>
+            </a:r>
+            <a:r>
+              <a:rPr lang="fr-FR" b="1" dirty="0">
+                <a:solidFill>
+                  <a:srgbClr val="4D85AC"/>
+                </a:solidFill>
+              </a:rPr>
+              <a:t>vols</a:t>
+            </a:r>
+            <a:r>
+              <a:rPr lang="fr-FR" dirty="0"/>
+              <a:t> par individus [insérer un diagramme en barres avec </a:t>
+            </a:r>
+            <a:r>
+              <a:rPr lang="fr-FR" dirty="0">
+                <a:latin typeface="Consolas" panose="020B0609020204030204" pitchFamily="49" charset="0"/>
+              </a:rPr>
+              <a:t>ggplot2</a:t>
+            </a:r>
+            <a:r>
+              <a:rPr lang="fr-FR" dirty="0"/>
+              <a:t>]</a:t>
+            </a:r>
+          </a:p>
+          <a:p>
+            <a:pPr marL="285750" indent="-285750">
+              <a:lnSpc>
+                <a:spcPct val="150000"/>
+              </a:lnSpc>
+              <a:buFont typeface="Arial" panose="020B0604020202020204" pitchFamily="34" charset="0"/>
+              <a:buChar char="•"/>
+            </a:pPr>
+            <a:endParaRPr lang="fr-FR" dirty="0"/>
+          </a:p>
+          <a:p>
+            <a:pPr marL="285750" indent="-285750">
+              <a:lnSpc>
+                <a:spcPct val="150000"/>
+              </a:lnSpc>
+              <a:buFont typeface="Arial" panose="020B0604020202020204" pitchFamily="34" charset="0"/>
+              <a:buChar char="•"/>
+            </a:pPr>
+            <a:r>
+              <a:rPr lang="fr-FR" dirty="0"/>
+              <a:t>Plusieurs individus répartis dans quatre </a:t>
+            </a:r>
+            <a:r>
+              <a:rPr lang="fr-FR" b="1" dirty="0">
+                <a:solidFill>
+                  <a:srgbClr val="4D85AC"/>
+                </a:solidFill>
+              </a:rPr>
+              <a:t>colonies</a:t>
+            </a:r>
+            <a:r>
+              <a:rPr lang="fr-FR" dirty="0"/>
+              <a:t> [insérer un diagramme en barres avec </a:t>
+            </a:r>
+            <a:r>
+              <a:rPr lang="fr-FR" dirty="0">
+                <a:latin typeface="Consolas" panose="020B0609020204030204" pitchFamily="49" charset="0"/>
+              </a:rPr>
+              <a:t>ggoplot2</a:t>
+            </a:r>
+            <a:r>
+              <a:rPr lang="fr-FR" dirty="0"/>
+              <a:t>]</a:t>
+            </a:r>
+          </a:p>
+          <a:p>
+            <a:pPr marL="285750" indent="-285750">
+              <a:lnSpc>
+                <a:spcPct val="150000"/>
+              </a:lnSpc>
+              <a:buFont typeface="Arial" panose="020B0604020202020204" pitchFamily="34" charset="0"/>
+              <a:buChar char="•"/>
+            </a:pPr>
+            <a:endParaRPr lang="fr-FR" dirty="0"/>
+          </a:p>
+        </p:txBody>
+      </p:sp>
     </p:spTree>
     <p:extLst>
       <p:ext uri="{BB962C8B-B14F-4D97-AF65-F5344CB8AC3E}">
@@ -6541,46 +6854,6 @@
           <a:chExt cx="0" cy="0"/>
         </a:xfrm>
       </p:grpSpPr>
-      <p:sp>
-        <p:nvSpPr>
-          <p:cNvPr id="6" name="ZoneTexte 5">
-            <a:extLst>
-              <a:ext uri="{FF2B5EF4-FFF2-40B4-BE49-F238E27FC236}">
-                <a16:creationId xmlns:a16="http://schemas.microsoft.com/office/drawing/2014/main" id="{56625386-5BD3-4DE5-A1E1-CB66A4A4522C}"/>
-              </a:ext>
-            </a:extLst>
-          </p:cNvPr>
-          <p:cNvSpPr txBox="1"/>
-          <p:nvPr/>
-        </p:nvSpPr>
-        <p:spPr>
-          <a:xfrm>
-            <a:off x="331514" y="985910"/>
-            <a:ext cx="1542795" cy="523220"/>
-          </a:xfrm>
-          <a:prstGeom prst="rect">
-            <a:avLst/>
-          </a:prstGeom>
-          <a:noFill/>
-        </p:spPr>
-        <p:txBody>
-          <a:bodyPr wrap="none" rtlCol="0">
-            <a:spAutoFit/>
-          </a:bodyPr>
-          <a:lstStyle/>
-          <a:p>
-            <a:r>
-              <a:rPr lang="fr-FR" sz="2800" b="1" cap="small" dirty="0">
-                <a:latin typeface="+mj-lt"/>
-              </a:rPr>
-              <a:t>Démarche</a:t>
-            </a:r>
-            <a:endParaRPr lang="en-GB" sz="2800" b="1" cap="small" dirty="0">
-              <a:latin typeface="+mj-lt"/>
-            </a:endParaRPr>
-          </a:p>
-        </p:txBody>
-      </p:sp>
       <p:sp>
         <p:nvSpPr>
           <p:cNvPr id="2" name="Rectangle 1">
@@ -6668,7 +6941,7 @@
             <p:nvPr/>
           </p:nvPicPr>
           <p:blipFill>
-            <a:blip r:embed="rId2">
+            <a:blip r:embed="rId3">
               <a:extLst>
                 <a:ext uri="{28A0092B-C50C-407E-A947-70E740481C1C}">
                   <a14:useLocalDpi xmlns:a14="http://schemas.microsoft.com/office/drawing/2010/main" val="0"/>
@@ -6787,7 +7060,7 @@
                 <a:rPr lang="fr-FR" sz="1400" b="1" smtClean="0">
                   <a:latin typeface="+mj-lt"/>
                 </a:rPr>
-                <a:t>17/01/2022</a:t>
+                <a:t>18/01/2022</a:t>
               </a:fld>
               <a:endParaRPr lang="en-GB" sz="1600" b="1" cap="small" dirty="0">
                 <a:latin typeface="+mj-lt"/>
@@ -7125,137 +7398,6 @@
           </p:txBody>
         </p:sp>
       </p:grpSp>
-      <p:sp>
-        <p:nvSpPr>
-          <p:cNvPr id="24" name="ZoneTexte 23">
-            <a:extLst>
-              <a:ext uri="{FF2B5EF4-FFF2-40B4-BE49-F238E27FC236}">
-                <a16:creationId xmlns:a16="http://schemas.microsoft.com/office/drawing/2014/main" id="{D1F1B7F6-DDD0-4B88-805A-7EA2FD3FCA20}"/>
-              </a:ext>
-            </a:extLst>
-          </p:cNvPr>
-          <p:cNvSpPr txBox="1"/>
-          <p:nvPr/>
-        </p:nvSpPr>
-        <p:spPr>
-          <a:xfrm>
-            <a:off x="1125834" y="1821515"/>
-            <a:ext cx="819455" cy="3788858"/>
-          </a:xfrm>
-          <a:prstGeom prst="rect">
-            <a:avLst/>
-          </a:prstGeom>
-          <a:noFill/>
-        </p:spPr>
-        <p:txBody>
-          <a:bodyPr wrap="none" rtlCol="0">
-            <a:spAutoFit/>
-          </a:bodyPr>
-          <a:lstStyle/>
-          <a:p>
-            <a:pPr marL="285750" indent="-285750">
-              <a:lnSpc>
-                <a:spcPct val="150000"/>
-              </a:lnSpc>
-              <a:buFont typeface="Arial" panose="020B0604020202020204" pitchFamily="34" charset="0"/>
-              <a:buChar char="•"/>
-            </a:pPr>
-            <a:r>
-              <a:rPr lang="fr-FR" dirty="0"/>
-              <a:t>___</a:t>
-            </a:r>
-          </a:p>
-          <a:p>
-            <a:pPr marL="285750" indent="-285750">
-              <a:lnSpc>
-                <a:spcPct val="150000"/>
-              </a:lnSpc>
-              <a:buFont typeface="Arial" panose="020B0604020202020204" pitchFamily="34" charset="0"/>
-              <a:buChar char="•"/>
-            </a:pPr>
-            <a:endParaRPr lang="fr-FR" dirty="0"/>
-          </a:p>
-          <a:p>
-            <a:pPr marL="285750" indent="-285750">
-              <a:lnSpc>
-                <a:spcPct val="150000"/>
-              </a:lnSpc>
-              <a:buFont typeface="Arial" panose="020B0604020202020204" pitchFamily="34" charset="0"/>
-              <a:buChar char="•"/>
-            </a:pPr>
-            <a:r>
-              <a:rPr lang="fr-FR" dirty="0"/>
-              <a:t>___</a:t>
-            </a:r>
-          </a:p>
-          <a:p>
-            <a:pPr marL="285750" indent="-285750">
-              <a:lnSpc>
-                <a:spcPct val="150000"/>
-              </a:lnSpc>
-              <a:buFont typeface="Arial" panose="020B0604020202020204" pitchFamily="34" charset="0"/>
-              <a:buChar char="•"/>
-            </a:pPr>
-            <a:endParaRPr lang="fr-FR" dirty="0"/>
-          </a:p>
-          <a:p>
-            <a:pPr marL="285750" indent="-285750">
-              <a:lnSpc>
-                <a:spcPct val="150000"/>
-              </a:lnSpc>
-              <a:buFont typeface="Arial" panose="020B0604020202020204" pitchFamily="34" charset="0"/>
-              <a:buChar char="•"/>
-            </a:pPr>
-            <a:r>
-              <a:rPr lang="fr-FR" dirty="0"/>
-              <a:t>___</a:t>
-            </a:r>
-          </a:p>
-          <a:p>
-            <a:pPr marL="285750" indent="-285750">
-              <a:lnSpc>
-                <a:spcPct val="150000"/>
-              </a:lnSpc>
-              <a:buFont typeface="Arial" panose="020B0604020202020204" pitchFamily="34" charset="0"/>
-              <a:buChar char="•"/>
-            </a:pPr>
-            <a:endParaRPr lang="fr-FR" dirty="0"/>
-          </a:p>
-          <a:p>
-            <a:pPr marL="285750" indent="-285750">
-              <a:lnSpc>
-                <a:spcPct val="150000"/>
-              </a:lnSpc>
-              <a:buFont typeface="Arial" panose="020B0604020202020204" pitchFamily="34" charset="0"/>
-              <a:buChar char="•"/>
-            </a:pPr>
-            <a:r>
-              <a:rPr lang="fr-FR" dirty="0"/>
-              <a:t>___</a:t>
-            </a:r>
-          </a:p>
-          <a:p>
-            <a:pPr marL="285750" indent="-285750">
-              <a:lnSpc>
-                <a:spcPct val="150000"/>
-              </a:lnSpc>
-              <a:buFont typeface="Arial" panose="020B0604020202020204" pitchFamily="34" charset="0"/>
-              <a:buChar char="•"/>
-            </a:pPr>
-            <a:endParaRPr lang="fr-FR" dirty="0"/>
-          </a:p>
-          <a:p>
-            <a:pPr marL="285750" indent="-285750">
-              <a:lnSpc>
-                <a:spcPct val="150000"/>
-              </a:lnSpc>
-              <a:buFont typeface="Arial" panose="020B0604020202020204" pitchFamily="34" charset="0"/>
-              <a:buChar char="•"/>
-            </a:pPr>
-            <a:endParaRPr lang="fr-FR" dirty="0"/>
-          </a:p>
-        </p:txBody>
-      </p:sp>
       <p:grpSp>
         <p:nvGrpSpPr>
           <p:cNvPr id="25" name="Groupe 24">
@@ -7408,21 +7550,17 @@
             <a:p>
               <a:pPr algn="ctr"/>
               <a:r>
-                <a:rPr lang="fr-FR" sz="2000" cap="small" dirty="0">
+                <a:rPr lang="fr-FR" sz="2000" b="1" cap="small" dirty="0">
                   <a:solidFill>
-                    <a:schemeClr val="bg2">
-                      <a:lumMod val="90000"/>
-                    </a:schemeClr>
+                    <a:schemeClr val="bg1"/>
                   </a:solidFill>
                   <a:latin typeface="+mj-lt"/>
                 </a:rPr>
                 <a:t>Données</a:t>
               </a:r>
-              <a:endParaRPr lang="en-GB" sz="2000" cap="small" dirty="0">
+              <a:endParaRPr lang="en-GB" sz="2000" b="1" cap="small" dirty="0">
                 <a:solidFill>
-                  <a:schemeClr val="bg2">
-                    <a:lumMod val="90000"/>
-                  </a:schemeClr>
+                  <a:schemeClr val="bg1"/>
                 </a:solidFill>
                 <a:latin typeface="+mj-lt"/>
               </a:endParaRPr>
@@ -7459,17 +7597,21 @@
             <a:p>
               <a:pPr algn="ctr"/>
               <a:r>
-                <a:rPr lang="fr-FR" sz="2000" b="1" cap="small" dirty="0">
+                <a:rPr lang="fr-FR" sz="2000" cap="small" dirty="0">
                   <a:solidFill>
-                    <a:schemeClr val="bg1"/>
+                    <a:schemeClr val="bg2">
+                      <a:lumMod val="90000"/>
+                    </a:schemeClr>
                   </a:solidFill>
                   <a:latin typeface="+mj-lt"/>
                 </a:rPr>
                 <a:t>Démarche</a:t>
               </a:r>
-              <a:endParaRPr lang="en-GB" sz="2000" b="1" cap="small" dirty="0">
+              <a:endParaRPr lang="en-GB" sz="2000" cap="small" dirty="0">
                 <a:solidFill>
-                  <a:schemeClr val="bg1"/>
+                  <a:schemeClr val="bg2">
+                    <a:lumMod val="90000"/>
+                  </a:schemeClr>
                 </a:solidFill>
                 <a:latin typeface="+mj-lt"/>
               </a:endParaRPr>
@@ -7528,6 +7670,357 @@
           </p:txBody>
         </p:sp>
       </p:grpSp>
+      <p:sp>
+        <p:nvSpPr>
+          <p:cNvPr id="26" name="ZoneTexte 25">
+            <a:extLst>
+              <a:ext uri="{FF2B5EF4-FFF2-40B4-BE49-F238E27FC236}">
+                <a16:creationId xmlns:a16="http://schemas.microsoft.com/office/drawing/2014/main" id="{D28648D1-D5E3-4E4E-921E-8C5208A2ADFA}"/>
+              </a:ext>
+            </a:extLst>
+          </p:cNvPr>
+          <p:cNvSpPr txBox="1"/>
+          <p:nvPr/>
+        </p:nvSpPr>
+        <p:spPr>
+          <a:xfrm>
+            <a:off x="1125834" y="1821515"/>
+            <a:ext cx="9850645" cy="3373359"/>
+          </a:xfrm>
+          <a:prstGeom prst="rect">
+            <a:avLst/>
+          </a:prstGeom>
+          <a:noFill/>
+        </p:spPr>
+        <p:txBody>
+          <a:bodyPr wrap="none" rtlCol="0">
+            <a:spAutoFit/>
+          </a:bodyPr>
+          <a:lstStyle/>
+          <a:p>
+            <a:pPr marL="285750" indent="-285750">
+              <a:lnSpc>
+                <a:spcPct val="150000"/>
+              </a:lnSpc>
+              <a:buFont typeface="Arial" panose="020B0604020202020204" pitchFamily="34" charset="0"/>
+              <a:buChar char="•"/>
+            </a:pPr>
+            <a:r>
+              <a:rPr lang="fr-FR" dirty="0"/>
+              <a:t>Filtrage des données de position à intervalles réguliers</a:t>
+            </a:r>
+          </a:p>
+          <a:p>
+            <a:pPr marL="285750" indent="-285750">
+              <a:lnSpc>
+                <a:spcPct val="150000"/>
+              </a:lnSpc>
+              <a:buFont typeface="Arial" panose="020B0604020202020204" pitchFamily="34" charset="0"/>
+              <a:buChar char="•"/>
+            </a:pPr>
+            <a:endParaRPr lang="fr-FR" dirty="0"/>
+          </a:p>
+          <a:p>
+            <a:pPr marL="285750" indent="-285750">
+              <a:lnSpc>
+                <a:spcPct val="150000"/>
+              </a:lnSpc>
+              <a:buFont typeface="Arial" panose="020B0604020202020204" pitchFamily="34" charset="0"/>
+              <a:buChar char="•"/>
+            </a:pPr>
+            <a:r>
+              <a:rPr lang="fr-FR" dirty="0"/>
+              <a:t>Transformation des coordonnées en pas</a:t>
+            </a:r>
+          </a:p>
+          <a:p>
+            <a:pPr marL="285750" indent="-285750">
+              <a:lnSpc>
+                <a:spcPct val="150000"/>
+              </a:lnSpc>
+              <a:buFont typeface="Arial" panose="020B0604020202020204" pitchFamily="34" charset="0"/>
+              <a:buChar char="•"/>
+            </a:pPr>
+            <a:endParaRPr lang="fr-FR" dirty="0"/>
+          </a:p>
+          <a:p>
+            <a:pPr marL="285750" indent="-285750">
+              <a:lnSpc>
+                <a:spcPct val="150000"/>
+              </a:lnSpc>
+              <a:buFont typeface="Arial" panose="020B0604020202020204" pitchFamily="34" charset="0"/>
+              <a:buChar char="•"/>
+            </a:pPr>
+            <a:r>
+              <a:rPr lang="fr-FR" dirty="0"/>
+              <a:t>Génération aléatoire de pas théoriques selon des distributions conditionnelles</a:t>
+            </a:r>
+          </a:p>
+          <a:p>
+            <a:pPr marL="285750" indent="-285750">
+              <a:lnSpc>
+                <a:spcPct val="150000"/>
+              </a:lnSpc>
+              <a:buFont typeface="Arial" panose="020B0604020202020204" pitchFamily="34" charset="0"/>
+              <a:buChar char="•"/>
+            </a:pPr>
+            <a:endParaRPr lang="fr-FR" dirty="0"/>
+          </a:p>
+          <a:p>
+            <a:pPr marL="285750" indent="-285750">
+              <a:lnSpc>
+                <a:spcPct val="150000"/>
+              </a:lnSpc>
+              <a:buFont typeface="Arial" panose="020B0604020202020204" pitchFamily="34" charset="0"/>
+              <a:buChar char="•"/>
+            </a:pPr>
+            <a:r>
+              <a:rPr lang="fr-FR" dirty="0"/>
+              <a:t>Correspondance des positions d’arrivées avec les covariables d’habitat (bathymétrie, température…)</a:t>
+            </a:r>
+          </a:p>
+          <a:p>
+            <a:pPr marL="285750" indent="-285750">
+              <a:lnSpc>
+                <a:spcPct val="150000"/>
+              </a:lnSpc>
+              <a:buFont typeface="Arial" panose="020B0604020202020204" pitchFamily="34" charset="0"/>
+              <a:buChar char="•"/>
+            </a:pPr>
+            <a:endParaRPr lang="fr-FR" dirty="0"/>
+          </a:p>
+        </p:txBody>
+      </p:sp>
+      <p:sp>
+        <p:nvSpPr>
+          <p:cNvPr id="27" name="ZoneTexte 26">
+            <a:extLst>
+              <a:ext uri="{FF2B5EF4-FFF2-40B4-BE49-F238E27FC236}">
+                <a16:creationId xmlns:a16="http://schemas.microsoft.com/office/drawing/2014/main" id="{E0695C75-90C9-4681-A99D-6970A45FED12}"/>
+              </a:ext>
+            </a:extLst>
+          </p:cNvPr>
+          <p:cNvSpPr txBox="1"/>
+          <p:nvPr/>
+        </p:nvSpPr>
+        <p:spPr>
+          <a:xfrm>
+            <a:off x="331514" y="985910"/>
+            <a:ext cx="3409075" cy="523220"/>
+          </a:xfrm>
+          <a:prstGeom prst="rect">
+            <a:avLst/>
+          </a:prstGeom>
+          <a:noFill/>
+        </p:spPr>
+        <p:txBody>
+          <a:bodyPr wrap="none" rtlCol="0">
+            <a:spAutoFit/>
+          </a:bodyPr>
+          <a:lstStyle/>
+          <a:p>
+            <a:r>
+              <a:rPr lang="fr-FR" sz="2800" b="1" cap="small" dirty="0">
+                <a:latin typeface="+mj-lt"/>
+              </a:rPr>
+              <a:t>Traitement des données</a:t>
+            </a:r>
+            <a:endParaRPr lang="en-GB" sz="2800" b="1" cap="small" dirty="0">
+              <a:latin typeface="+mj-lt"/>
+            </a:endParaRPr>
+          </a:p>
+        </p:txBody>
+      </p:sp>
+      <p:sp>
+        <p:nvSpPr>
+          <p:cNvPr id="24" name="Forme libre : forme 23">
+            <a:extLst>
+              <a:ext uri="{FF2B5EF4-FFF2-40B4-BE49-F238E27FC236}">
+                <a16:creationId xmlns:a16="http://schemas.microsoft.com/office/drawing/2014/main" id="{BAADE996-24A7-4241-9AE6-8A9B8CB52ADC}"/>
+              </a:ext>
+            </a:extLst>
+          </p:cNvPr>
+          <p:cNvSpPr/>
+          <p:nvPr/>
+        </p:nvSpPr>
+        <p:spPr>
+          <a:xfrm>
+            <a:off x="3329334" y="459682"/>
+            <a:ext cx="1109709" cy="27891"/>
+          </a:xfrm>
+          <a:custGeom>
+            <a:avLst/>
+            <a:gdLst>
+              <a:gd name="connsiteX0" fmla="*/ 0 w 1109709"/>
+              <a:gd name="connsiteY0" fmla="*/ 18723 h 27891"/>
+              <a:gd name="connsiteX1" fmla="*/ 124288 w 1109709"/>
+              <a:gd name="connsiteY1" fmla="*/ 9845 h 27891"/>
+              <a:gd name="connsiteX2" fmla="*/ 213064 w 1109709"/>
+              <a:gd name="connsiteY2" fmla="*/ 967 h 27891"/>
+              <a:gd name="connsiteX3" fmla="*/ 328474 w 1109709"/>
+              <a:gd name="connsiteY3" fmla="*/ 967 h 27891"/>
+              <a:gd name="connsiteX4" fmla="*/ 363985 w 1109709"/>
+              <a:gd name="connsiteY4" fmla="*/ 27601 h 27891"/>
+              <a:gd name="connsiteX5" fmla="*/ 488272 w 1109709"/>
+              <a:gd name="connsiteY5" fmla="*/ 18723 h 27891"/>
+              <a:gd name="connsiteX6" fmla="*/ 532661 w 1109709"/>
+              <a:gd name="connsiteY6" fmla="*/ 27601 h 27891"/>
+              <a:gd name="connsiteX7" fmla="*/ 772358 w 1109709"/>
+              <a:gd name="connsiteY7" fmla="*/ 18723 h 27891"/>
+              <a:gd name="connsiteX8" fmla="*/ 834501 w 1109709"/>
+              <a:gd name="connsiteY8" fmla="*/ 27601 h 27891"/>
+              <a:gd name="connsiteX9" fmla="*/ 878890 w 1109709"/>
+              <a:gd name="connsiteY9" fmla="*/ 18723 h 27891"/>
+              <a:gd name="connsiteX10" fmla="*/ 985422 w 1109709"/>
+              <a:gd name="connsiteY10" fmla="*/ 9845 h 27891"/>
+              <a:gd name="connsiteX11" fmla="*/ 1091954 w 1109709"/>
+              <a:gd name="connsiteY11" fmla="*/ 27601 h 27891"/>
+              <a:gd name="connsiteX12" fmla="*/ 1109709 w 1109709"/>
+              <a:gd name="connsiteY12" fmla="*/ 27601 h 27891"/>
+            </a:gdLst>
+            <a:ahLst/>
+            <a:cxnLst>
+              <a:cxn ang="0">
+                <a:pos x="connsiteX0" y="connsiteY0"/>
+              </a:cxn>
+              <a:cxn ang="0">
+                <a:pos x="connsiteX1" y="connsiteY1"/>
+              </a:cxn>
+              <a:cxn ang="0">
+                <a:pos x="connsiteX2" y="connsiteY2"/>
+              </a:cxn>
+              <a:cxn ang="0">
+                <a:pos x="connsiteX3" y="connsiteY3"/>
+              </a:cxn>
+              <a:cxn ang="0">
+                <a:pos x="connsiteX4" y="connsiteY4"/>
+              </a:cxn>
+              <a:cxn ang="0">
+                <a:pos x="connsiteX5" y="connsiteY5"/>
+              </a:cxn>
+              <a:cxn ang="0">
+                <a:pos x="connsiteX6" y="connsiteY6"/>
+              </a:cxn>
+              <a:cxn ang="0">
+                <a:pos x="connsiteX7" y="connsiteY7"/>
+              </a:cxn>
+              <a:cxn ang="0">
+                <a:pos x="connsiteX8" y="connsiteY8"/>
+              </a:cxn>
+              <a:cxn ang="0">
+                <a:pos x="connsiteX9" y="connsiteY9"/>
+              </a:cxn>
+              <a:cxn ang="0">
+                <a:pos x="connsiteX10" y="connsiteY10"/>
+              </a:cxn>
+              <a:cxn ang="0">
+                <a:pos x="connsiteX11" y="connsiteY11"/>
+              </a:cxn>
+              <a:cxn ang="0">
+                <a:pos x="connsiteX12" y="connsiteY12"/>
+              </a:cxn>
+            </a:cxnLst>
+            <a:rect l="l" t="t" r="r" b="b"/>
+            <a:pathLst>
+              <a:path w="1109709" h="27891">
+                <a:moveTo>
+                  <a:pt x="0" y="18723"/>
+                </a:moveTo>
+                <a:cubicBezTo>
+                  <a:pt x="41429" y="15764"/>
+                  <a:pt x="82753" y="9845"/>
+                  <a:pt x="124288" y="9845"/>
+                </a:cubicBezTo>
+                <a:cubicBezTo>
+                  <a:pt x="218206" y="9845"/>
+                  <a:pt x="86480" y="43163"/>
+                  <a:pt x="213064" y="967"/>
+                </a:cubicBezTo>
+                <a:cubicBezTo>
+                  <a:pt x="261347" y="49250"/>
+                  <a:pt x="194392" y="-7972"/>
+                  <a:pt x="328474" y="967"/>
+                </a:cubicBezTo>
+                <a:cubicBezTo>
+                  <a:pt x="343238" y="1951"/>
+                  <a:pt x="352148" y="18723"/>
+                  <a:pt x="363985" y="27601"/>
+                </a:cubicBezTo>
+                <a:cubicBezTo>
+                  <a:pt x="405414" y="24642"/>
+                  <a:pt x="446737" y="18723"/>
+                  <a:pt x="488272" y="18723"/>
+                </a:cubicBezTo>
+                <a:cubicBezTo>
+                  <a:pt x="503361" y="18723"/>
+                  <a:pt x="517572" y="27601"/>
+                  <a:pt x="532661" y="27601"/>
+                </a:cubicBezTo>
+                <a:cubicBezTo>
+                  <a:pt x="612615" y="27601"/>
+                  <a:pt x="692459" y="21682"/>
+                  <a:pt x="772358" y="18723"/>
+                </a:cubicBezTo>
+                <a:cubicBezTo>
+                  <a:pt x="793072" y="21682"/>
+                  <a:pt x="813576" y="27601"/>
+                  <a:pt x="834501" y="27601"/>
+                </a:cubicBezTo>
+                <a:cubicBezTo>
+                  <a:pt x="849590" y="27601"/>
+                  <a:pt x="863904" y="20486"/>
+                  <a:pt x="878890" y="18723"/>
+                </a:cubicBezTo>
+                <a:cubicBezTo>
+                  <a:pt x="914280" y="14559"/>
+                  <a:pt x="949911" y="12804"/>
+                  <a:pt x="985422" y="9845"/>
+                </a:cubicBezTo>
+                <a:cubicBezTo>
+                  <a:pt x="1030478" y="18857"/>
+                  <a:pt x="1042401" y="22095"/>
+                  <a:pt x="1091954" y="27601"/>
+                </a:cubicBezTo>
+                <a:cubicBezTo>
+                  <a:pt x="1097836" y="28255"/>
+                  <a:pt x="1103791" y="27601"/>
+                  <a:pt x="1109709" y="27601"/>
+                </a:cubicBezTo>
+              </a:path>
+            </a:pathLst>
+          </a:custGeom>
+          <a:noFill/>
+          <a:ln>
+            <a:solidFill>
+              <a:srgbClr val="FF0000"/>
+            </a:solidFill>
+          </a:ln>
+        </p:spPr>
+        <p:style>
+          <a:lnRef idx="2">
+            <a:schemeClr val="accent1">
+              <a:shade val="50000"/>
+            </a:schemeClr>
+          </a:lnRef>
+          <a:fillRef idx="1">
+            <a:schemeClr val="accent1"/>
+          </a:fillRef>
+          <a:effectRef idx="0">
+            <a:schemeClr val="accent1"/>
+          </a:effectRef>
+          <a:fontRef idx="minor">
+            <a:schemeClr val="lt1"/>
+          </a:fontRef>
+        </p:style>
+        <p:txBody>
+          <a:bodyPr rtlCol="0" anchor="ctr"/>
+          <a:lstStyle/>
+          <a:p>
+            <a:pPr algn="ctr"/>
+            <a:endParaRPr lang="en-GB"/>
+          </a:p>
+        </p:txBody>
+      </p:sp>
     </p:spTree>
     <p:extLst>
       <p:ext uri="{BB962C8B-B14F-4D97-AF65-F5344CB8AC3E}">
@@ -7542,6 +8035,1823 @@
 </file>
 
 <file path=ppt/slides/slide12.xml><?xml version="1.0" encoding="utf-8"?>
+<p:sld xmlns:a="http://schemas.openxmlformats.org/drawingml/2006/main" xmlns:r="http://schemas.openxmlformats.org/officeDocument/2006/relationships" xmlns:p="http://schemas.openxmlformats.org/presentationml/2006/main">
+  <p:cSld>
+    <p:spTree>
+      <p:nvGrpSpPr>
+        <p:cNvPr id="1" name=""/>
+        <p:cNvGrpSpPr/>
+        <p:nvPr/>
+      </p:nvGrpSpPr>
+      <p:grpSpPr>
+        <a:xfrm>
+          <a:off x="0" y="0"/>
+          <a:ext cx="0" cy="0"/>
+          <a:chOff x="0" y="0"/>
+          <a:chExt cx="0" cy="0"/>
+        </a:xfrm>
+      </p:grpSpPr>
+      <p:sp>
+        <p:nvSpPr>
+          <p:cNvPr id="6" name="ZoneTexte 5">
+            <a:extLst>
+              <a:ext uri="{FF2B5EF4-FFF2-40B4-BE49-F238E27FC236}">
+                <a16:creationId xmlns:a16="http://schemas.microsoft.com/office/drawing/2014/main" id="{56625386-5BD3-4DE5-A1E1-CB66A4A4522C}"/>
+              </a:ext>
+            </a:extLst>
+          </p:cNvPr>
+          <p:cNvSpPr txBox="1"/>
+          <p:nvPr/>
+        </p:nvSpPr>
+        <p:spPr>
+          <a:xfrm>
+            <a:off x="331514" y="985910"/>
+            <a:ext cx="3248966" cy="523220"/>
+          </a:xfrm>
+          <a:prstGeom prst="rect">
+            <a:avLst/>
+          </a:prstGeom>
+          <a:noFill/>
+        </p:spPr>
+        <p:txBody>
+          <a:bodyPr wrap="none" rtlCol="0">
+            <a:spAutoFit/>
+          </a:bodyPr>
+          <a:lstStyle/>
+          <a:p>
+            <a:r>
+              <a:rPr lang="fr-FR" sz="2800" b="1" cap="small" dirty="0">
+                <a:latin typeface="+mj-lt"/>
+              </a:rPr>
+              <a:t>Sélection des données</a:t>
+            </a:r>
+            <a:endParaRPr lang="en-GB" sz="2800" b="1" cap="small" dirty="0">
+              <a:latin typeface="+mj-lt"/>
+            </a:endParaRPr>
+          </a:p>
+        </p:txBody>
+      </p:sp>
+      <p:sp>
+        <p:nvSpPr>
+          <p:cNvPr id="2" name="Rectangle 1">
+            <a:extLst>
+              <a:ext uri="{FF2B5EF4-FFF2-40B4-BE49-F238E27FC236}">
+                <a16:creationId xmlns:a16="http://schemas.microsoft.com/office/drawing/2014/main" id="{EFDA0B21-8C7C-4C84-801D-ABF9D5D717AC}"/>
+              </a:ext>
+            </a:extLst>
+          </p:cNvPr>
+          <p:cNvSpPr/>
+          <p:nvPr/>
+        </p:nvSpPr>
+        <p:spPr>
+          <a:xfrm>
+            <a:off x="0" y="0"/>
+            <a:ext cx="12192000" cy="584775"/>
+          </a:xfrm>
+          <a:prstGeom prst="rect">
+            <a:avLst/>
+          </a:prstGeom>
+          <a:solidFill>
+            <a:srgbClr val="4D85AC"/>
+          </a:solidFill>
+          <a:ln>
+            <a:noFill/>
+          </a:ln>
+        </p:spPr>
+        <p:style>
+          <a:lnRef idx="2">
+            <a:schemeClr val="accent1">
+              <a:shade val="50000"/>
+            </a:schemeClr>
+          </a:lnRef>
+          <a:fillRef idx="1">
+            <a:schemeClr val="accent1"/>
+          </a:fillRef>
+          <a:effectRef idx="0">
+            <a:schemeClr val="accent1"/>
+          </a:effectRef>
+          <a:fontRef idx="minor">
+            <a:schemeClr val="lt1"/>
+          </a:fontRef>
+        </p:style>
+        <p:txBody>
+          <a:bodyPr rtlCol="0" anchor="ctr"/>
+          <a:lstStyle/>
+          <a:p>
+            <a:pPr algn="ctr"/>
+            <a:endParaRPr lang="en-GB"/>
+          </a:p>
+        </p:txBody>
+      </p:sp>
+      <p:grpSp>
+        <p:nvGrpSpPr>
+          <p:cNvPr id="19" name="Groupe 18">
+            <a:extLst>
+              <a:ext uri="{FF2B5EF4-FFF2-40B4-BE49-F238E27FC236}">
+                <a16:creationId xmlns:a16="http://schemas.microsoft.com/office/drawing/2014/main" id="{AFDB4170-CC71-4EAE-91BB-4372A61B5993}"/>
+              </a:ext>
+            </a:extLst>
+          </p:cNvPr>
+          <p:cNvGrpSpPr/>
+          <p:nvPr/>
+        </p:nvGrpSpPr>
+        <p:grpSpPr>
+          <a:xfrm>
+            <a:off x="0" y="6389138"/>
+            <a:ext cx="12010861" cy="468862"/>
+            <a:chOff x="0" y="6389138"/>
+            <a:chExt cx="12010861" cy="468862"/>
+          </a:xfrm>
+        </p:grpSpPr>
+        <p:pic>
+          <p:nvPicPr>
+            <p:cNvPr id="20" name="Image 19">
+              <a:extLst>
+                <a:ext uri="{FF2B5EF4-FFF2-40B4-BE49-F238E27FC236}">
+                  <a16:creationId xmlns:a16="http://schemas.microsoft.com/office/drawing/2014/main" id="{E41B3840-214E-4A63-BD21-10AEEEC3F180}"/>
+                </a:ext>
+              </a:extLst>
+            </p:cNvPr>
+            <p:cNvPicPr>
+              <a:picLocks noChangeAspect="1"/>
+            </p:cNvPicPr>
+            <p:nvPr/>
+          </p:nvPicPr>
+          <p:blipFill>
+            <a:blip r:embed="rId3">
+              <a:extLst>
+                <a:ext uri="{28A0092B-C50C-407E-A947-70E740481C1C}">
+                  <a14:useLocalDpi xmlns:a14="http://schemas.microsoft.com/office/drawing/2010/main" val="0"/>
+                </a:ext>
+              </a:extLst>
+            </a:blip>
+            <a:stretch>
+              <a:fillRect/>
+            </a:stretch>
+          </p:blipFill>
+          <p:spPr>
+            <a:xfrm>
+              <a:off x="0" y="6389138"/>
+              <a:ext cx="2184118" cy="468862"/>
+            </a:xfrm>
+            <a:prstGeom prst="rect">
+              <a:avLst/>
+            </a:prstGeom>
+          </p:spPr>
+        </p:pic>
+        <p:sp>
+          <p:nvSpPr>
+            <p:cNvPr id="21" name="ZoneTexte 20">
+              <a:extLst>
+                <a:ext uri="{FF2B5EF4-FFF2-40B4-BE49-F238E27FC236}">
+                  <a16:creationId xmlns:a16="http://schemas.microsoft.com/office/drawing/2014/main" id="{5949BF47-6A3C-44CD-936B-100BEE41C8CF}"/>
+                </a:ext>
+              </a:extLst>
+            </p:cNvPr>
+            <p:cNvSpPr txBox="1"/>
+            <p:nvPr/>
+          </p:nvSpPr>
+          <p:spPr>
+            <a:xfrm>
+              <a:off x="4969672" y="6478557"/>
+              <a:ext cx="2021836" cy="307777"/>
+            </a:xfrm>
+            <a:prstGeom prst="rect">
+              <a:avLst/>
+            </a:prstGeom>
+            <a:noFill/>
+          </p:spPr>
+          <p:txBody>
+            <a:bodyPr wrap="none" rtlCol="0" anchor="ctr">
+              <a:spAutoFit/>
+            </a:bodyPr>
+            <a:lstStyle/>
+            <a:p>
+              <a:pPr algn="ctr"/>
+              <a:r>
+                <a:rPr lang="fr-FR" sz="1400" b="1" dirty="0">
+                  <a:latin typeface="+mj-lt"/>
+                </a:rPr>
+                <a:t>Pierre</a:t>
+              </a:r>
+              <a:r>
+                <a:rPr lang="fr-FR" sz="1400" b="1" cap="small" dirty="0">
+                  <a:latin typeface="+mj-lt"/>
+                </a:rPr>
+                <a:t> Cottais &amp; </a:t>
+              </a:r>
+              <a:r>
+                <a:rPr lang="fr-FR" sz="1400" b="1" dirty="0">
+                  <a:latin typeface="+mj-lt"/>
+                </a:rPr>
+                <a:t>An</a:t>
+              </a:r>
+              <a:r>
+                <a:rPr lang="fr-FR" sz="1400" b="1" cap="small" dirty="0">
+                  <a:latin typeface="+mj-lt"/>
+                </a:rPr>
+                <a:t> </a:t>
+              </a:r>
+              <a:r>
+                <a:rPr lang="fr-FR" sz="1400" b="1" cap="small" dirty="0" err="1">
+                  <a:latin typeface="+mj-lt"/>
+                </a:rPr>
+                <a:t>Hoàng</a:t>
+              </a:r>
+              <a:endParaRPr lang="en-GB" sz="1400" b="1" cap="small" dirty="0">
+                <a:latin typeface="+mj-lt"/>
+              </a:endParaRPr>
+            </a:p>
+          </p:txBody>
+        </p:sp>
+        <p:sp>
+          <p:nvSpPr>
+            <p:cNvPr id="22" name="ZoneTexte 21">
+              <a:extLst>
+                <a:ext uri="{FF2B5EF4-FFF2-40B4-BE49-F238E27FC236}">
+                  <a16:creationId xmlns:a16="http://schemas.microsoft.com/office/drawing/2014/main" id="{45472D45-930E-4BDA-A3F4-29C396BED120}"/>
+                </a:ext>
+              </a:extLst>
+            </p:cNvPr>
+            <p:cNvSpPr txBox="1"/>
+            <p:nvPr/>
+          </p:nvSpPr>
+          <p:spPr>
+            <a:xfrm>
+              <a:off x="10979810" y="6478557"/>
+              <a:ext cx="1031051" cy="307777"/>
+            </a:xfrm>
+            <a:prstGeom prst="rect">
+              <a:avLst/>
+            </a:prstGeom>
+            <a:noFill/>
+          </p:spPr>
+          <p:txBody>
+            <a:bodyPr wrap="none" rtlCol="0" anchor="ctr">
+              <a:spAutoFit/>
+            </a:bodyPr>
+            <a:lstStyle/>
+            <a:p>
+              <a:pPr algn="ctr"/>
+              <a:fld id="{ACE4C2B0-06E8-4808-B875-82D4A0595E05}" type="datetime1">
+                <a:rPr lang="fr-FR" sz="1400" b="1" smtClean="0">
+                  <a:latin typeface="+mj-lt"/>
+                </a:rPr>
+                <a:t>18/01/2022</a:t>
+              </a:fld>
+              <a:endParaRPr lang="en-GB" sz="1600" b="1" cap="small" dirty="0">
+                <a:latin typeface="+mj-lt"/>
+              </a:endParaRPr>
+            </a:p>
+          </p:txBody>
+        </p:sp>
+      </p:grpSp>
+      <p:grpSp>
+        <p:nvGrpSpPr>
+          <p:cNvPr id="14" name="Groupe 13">
+            <a:extLst>
+              <a:ext uri="{FF2B5EF4-FFF2-40B4-BE49-F238E27FC236}">
+                <a16:creationId xmlns:a16="http://schemas.microsoft.com/office/drawing/2014/main" id="{B106643E-7B85-4460-A1E4-26A2B7834FFC}"/>
+              </a:ext>
+            </a:extLst>
+          </p:cNvPr>
+          <p:cNvGrpSpPr/>
+          <p:nvPr/>
+        </p:nvGrpSpPr>
+        <p:grpSpPr>
+          <a:xfrm>
+            <a:off x="11498080" y="602928"/>
+            <a:ext cx="677164" cy="523219"/>
+            <a:chOff x="11498080" y="602928"/>
+            <a:chExt cx="677164" cy="523219"/>
+          </a:xfrm>
+        </p:grpSpPr>
+        <p:sp>
+          <p:nvSpPr>
+            <p:cNvPr id="15" name="Graphique 6" descr="Colibri">
+              <a:extLst>
+                <a:ext uri="{FF2B5EF4-FFF2-40B4-BE49-F238E27FC236}">
+                  <a16:creationId xmlns:a16="http://schemas.microsoft.com/office/drawing/2014/main" id="{8A43E395-3BC6-4DED-A9FD-5E02193ABEE7}"/>
+                </a:ext>
+              </a:extLst>
+            </p:cNvPr>
+            <p:cNvSpPr/>
+            <p:nvPr/>
+          </p:nvSpPr>
+          <p:spPr>
+            <a:xfrm>
+              <a:off x="11498080" y="602928"/>
+              <a:ext cx="677164" cy="523219"/>
+            </a:xfrm>
+            <a:custGeom>
+              <a:avLst/>
+              <a:gdLst>
+                <a:gd name="connsiteX0" fmla="*/ 590378 w 592049"/>
+                <a:gd name="connsiteY0" fmla="*/ 128536 h 457454"/>
+                <a:gd name="connsiteX1" fmla="*/ 476218 w 592049"/>
+                <a:gd name="connsiteY1" fmla="*/ 132108 h 457454"/>
+                <a:gd name="connsiteX2" fmla="*/ 422189 w 592049"/>
+                <a:gd name="connsiteY2" fmla="*/ 117224 h 457454"/>
+                <a:gd name="connsiteX3" fmla="*/ 329759 w 592049"/>
+                <a:gd name="connsiteY3" fmla="*/ 177355 h 457454"/>
+                <a:gd name="connsiteX4" fmla="*/ 198929 w 592049"/>
+                <a:gd name="connsiteY4" fmla="*/ 2394 h 457454"/>
+                <a:gd name="connsiteX5" fmla="*/ 183152 w 592049"/>
+                <a:gd name="connsiteY5" fmla="*/ 4306 h 457454"/>
+                <a:gd name="connsiteX6" fmla="*/ 180771 w 592049"/>
+                <a:gd name="connsiteY6" fmla="*/ 10729 h 457454"/>
+                <a:gd name="connsiteX7" fmla="*/ 191487 w 592049"/>
+                <a:gd name="connsiteY7" fmla="*/ 108442 h 457454"/>
+                <a:gd name="connsiteX8" fmla="*/ 299619 w 592049"/>
+                <a:gd name="connsiteY8" fmla="*/ 201690 h 457454"/>
+                <a:gd name="connsiteX9" fmla="*/ 287042 w 592049"/>
+                <a:gd name="connsiteY9" fmla="*/ 209877 h 457454"/>
+                <a:gd name="connsiteX10" fmla="*/ 44359 w 592049"/>
+                <a:gd name="connsiteY10" fmla="*/ 62897 h 457454"/>
+                <a:gd name="connsiteX11" fmla="*/ 31112 w 592049"/>
+                <a:gd name="connsiteY11" fmla="*/ 71677 h 457454"/>
+                <a:gd name="connsiteX12" fmla="*/ 31782 w 592049"/>
+                <a:gd name="connsiteY12" fmla="*/ 78302 h 457454"/>
+                <a:gd name="connsiteX13" fmla="*/ 185831 w 592049"/>
+                <a:gd name="connsiteY13" fmla="*/ 263161 h 457454"/>
+                <a:gd name="connsiteX14" fmla="*/ 1716 w 592049"/>
+                <a:gd name="connsiteY14" fmla="*/ 446383 h 457454"/>
+                <a:gd name="connsiteX15" fmla="*/ 2175 w 592049"/>
+                <a:gd name="connsiteY15" fmla="*/ 455738 h 457454"/>
+                <a:gd name="connsiteX16" fmla="*/ 9158 w 592049"/>
+                <a:gd name="connsiteY16" fmla="*/ 456951 h 457454"/>
+                <a:gd name="connsiteX17" fmla="*/ 229516 w 592049"/>
+                <a:gd name="connsiteY17" fmla="*/ 378065 h 457454"/>
+                <a:gd name="connsiteX18" fmla="*/ 479939 w 592049"/>
+                <a:gd name="connsiteY18" fmla="*/ 151903 h 457454"/>
+                <a:gd name="connsiteX19" fmla="*/ 590675 w 592049"/>
+                <a:gd name="connsiteY19" fmla="*/ 132182 h 457454"/>
+                <a:gd name="connsiteX20" fmla="*/ 591984 w 592049"/>
+                <a:gd name="connsiteY20" fmla="*/ 129900 h 457454"/>
+                <a:gd name="connsiteX21" fmla="*/ 590378 w 592049"/>
+                <a:gd name="connsiteY21" fmla="*/ 128536 h 457454"/>
+              </a:gdLst>
+              <a:ahLst/>
+              <a:cxnLst>
+                <a:cxn ang="0">
+                  <a:pos x="connsiteX0" y="connsiteY0"/>
+                </a:cxn>
+                <a:cxn ang="0">
+                  <a:pos x="connsiteX1" y="connsiteY1"/>
+                </a:cxn>
+                <a:cxn ang="0">
+                  <a:pos x="connsiteX2" y="connsiteY2"/>
+                </a:cxn>
+                <a:cxn ang="0">
+                  <a:pos x="connsiteX3" y="connsiteY3"/>
+                </a:cxn>
+                <a:cxn ang="0">
+                  <a:pos x="connsiteX4" y="connsiteY4"/>
+                </a:cxn>
+                <a:cxn ang="0">
+                  <a:pos x="connsiteX5" y="connsiteY5"/>
+                </a:cxn>
+                <a:cxn ang="0">
+                  <a:pos x="connsiteX6" y="connsiteY6"/>
+                </a:cxn>
+                <a:cxn ang="0">
+                  <a:pos x="connsiteX7" y="connsiteY7"/>
+                </a:cxn>
+                <a:cxn ang="0">
+                  <a:pos x="connsiteX8" y="connsiteY8"/>
+                </a:cxn>
+                <a:cxn ang="0">
+                  <a:pos x="connsiteX9" y="connsiteY9"/>
+                </a:cxn>
+                <a:cxn ang="0">
+                  <a:pos x="connsiteX10" y="connsiteY10"/>
+                </a:cxn>
+                <a:cxn ang="0">
+                  <a:pos x="connsiteX11" y="connsiteY11"/>
+                </a:cxn>
+                <a:cxn ang="0">
+                  <a:pos x="connsiteX12" y="connsiteY12"/>
+                </a:cxn>
+                <a:cxn ang="0">
+                  <a:pos x="connsiteX13" y="connsiteY13"/>
+                </a:cxn>
+                <a:cxn ang="0">
+                  <a:pos x="connsiteX14" y="connsiteY14"/>
+                </a:cxn>
+                <a:cxn ang="0">
+                  <a:pos x="connsiteX15" y="connsiteY15"/>
+                </a:cxn>
+                <a:cxn ang="0">
+                  <a:pos x="connsiteX16" y="connsiteY16"/>
+                </a:cxn>
+                <a:cxn ang="0">
+                  <a:pos x="connsiteX17" y="connsiteY17"/>
+                </a:cxn>
+                <a:cxn ang="0">
+                  <a:pos x="connsiteX18" y="connsiteY18"/>
+                </a:cxn>
+                <a:cxn ang="0">
+                  <a:pos x="connsiteX19" y="connsiteY19"/>
+                </a:cxn>
+                <a:cxn ang="0">
+                  <a:pos x="connsiteX20" y="connsiteY20"/>
+                </a:cxn>
+                <a:cxn ang="0">
+                  <a:pos x="connsiteX21" y="connsiteY21"/>
+                </a:cxn>
+              </a:cxnLst>
+              <a:rect l="l" t="t" r="r" b="b"/>
+              <a:pathLst>
+                <a:path w="592049" h="457454">
+                  <a:moveTo>
+                    <a:pt x="590378" y="128536"/>
+                  </a:moveTo>
+                  <a:lnTo>
+                    <a:pt x="476218" y="132108"/>
+                  </a:lnTo>
+                  <a:cubicBezTo>
+                    <a:pt x="467957" y="125559"/>
+                    <a:pt x="451138" y="116554"/>
+                    <a:pt x="422189" y="117224"/>
+                  </a:cubicBezTo>
+                  <a:cubicBezTo>
+                    <a:pt x="383416" y="118414"/>
+                    <a:pt x="365034" y="146024"/>
+                    <a:pt x="329759" y="177355"/>
+                  </a:cubicBezTo>
+                  <a:cubicBezTo>
+                    <a:pt x="300735" y="112089"/>
+                    <a:pt x="247004" y="40571"/>
+                    <a:pt x="198929" y="2394"/>
+                  </a:cubicBezTo>
+                  <a:cubicBezTo>
+                    <a:pt x="194045" y="-1435"/>
+                    <a:pt x="186981" y="-579"/>
+                    <a:pt x="183152" y="4306"/>
+                  </a:cubicBezTo>
+                  <a:cubicBezTo>
+                    <a:pt x="181709" y="6146"/>
+                    <a:pt x="180876" y="8392"/>
+                    <a:pt x="180771" y="10729"/>
+                  </a:cubicBezTo>
+                  <a:cubicBezTo>
+                    <a:pt x="180598" y="43602"/>
+                    <a:pt x="184193" y="76387"/>
+                    <a:pt x="191487" y="108442"/>
+                  </a:cubicBezTo>
+                  <a:cubicBezTo>
+                    <a:pt x="236139" y="135382"/>
+                    <a:pt x="276698" y="167978"/>
+                    <a:pt x="299619" y="201690"/>
+                  </a:cubicBezTo>
+                  <a:cubicBezTo>
+                    <a:pt x="295675" y="204444"/>
+                    <a:pt x="291433" y="207197"/>
+                    <a:pt x="287042" y="209877"/>
+                  </a:cubicBezTo>
+                  <a:cubicBezTo>
+                    <a:pt x="242911" y="146694"/>
+                    <a:pt x="125774" y="79791"/>
+                    <a:pt x="44359" y="62897"/>
+                  </a:cubicBezTo>
+                  <a:cubicBezTo>
+                    <a:pt x="38277" y="61664"/>
+                    <a:pt x="32346" y="65595"/>
+                    <a:pt x="31112" y="71677"/>
+                  </a:cubicBezTo>
+                  <a:cubicBezTo>
+                    <a:pt x="30661" y="73902"/>
+                    <a:pt x="30895" y="76212"/>
+                    <a:pt x="31782" y="78302"/>
+                  </a:cubicBezTo>
+                  <a:cubicBezTo>
+                    <a:pt x="54778" y="129503"/>
+                    <a:pt x="122574" y="215086"/>
+                    <a:pt x="185831" y="263161"/>
+                  </a:cubicBezTo>
+                  <a:lnTo>
+                    <a:pt x="1716" y="446383"/>
+                  </a:lnTo>
+                  <a:cubicBezTo>
+                    <a:pt x="-741" y="449093"/>
+                    <a:pt x="-535" y="453282"/>
+                    <a:pt x="2175" y="455738"/>
+                  </a:cubicBezTo>
+                  <a:cubicBezTo>
+                    <a:pt x="4073" y="457459"/>
+                    <a:pt x="6792" y="457931"/>
+                    <a:pt x="9158" y="456951"/>
+                  </a:cubicBezTo>
+                  <a:cubicBezTo>
+                    <a:pt x="61848" y="429118"/>
+                    <a:pt x="154649" y="385433"/>
+                    <a:pt x="229516" y="378065"/>
+                  </a:cubicBezTo>
+                  <a:cubicBezTo>
+                    <a:pt x="373369" y="363926"/>
+                    <a:pt x="452775" y="277152"/>
+                    <a:pt x="479939" y="151903"/>
+                  </a:cubicBezTo>
+                  <a:lnTo>
+                    <a:pt x="590675" y="132182"/>
+                  </a:lnTo>
+                  <a:cubicBezTo>
+                    <a:pt x="591667" y="131913"/>
+                    <a:pt x="592253" y="130892"/>
+                    <a:pt x="591984" y="129900"/>
+                  </a:cubicBezTo>
+                  <a:cubicBezTo>
+                    <a:pt x="591783" y="129156"/>
+                    <a:pt x="591144" y="128614"/>
+                    <a:pt x="590378" y="128536"/>
+                  </a:cubicBezTo>
+                  <a:close/>
+                </a:path>
+              </a:pathLst>
+            </a:custGeom>
+            <a:noFill/>
+            <a:ln w="6350" cap="flat">
+              <a:solidFill>
+                <a:srgbClr val="4D85AC">
+                  <a:alpha val="10000"/>
+                </a:srgbClr>
+              </a:solidFill>
+              <a:prstDash val="solid"/>
+              <a:miter/>
+            </a:ln>
+          </p:spPr>
+          <p:txBody>
+            <a:bodyPr rtlCol="0" anchor="ctr"/>
+            <a:lstStyle/>
+            <a:p>
+              <a:endParaRPr lang="en-GB"/>
+            </a:p>
+          </p:txBody>
+        </p:sp>
+        <p:sp>
+          <p:nvSpPr>
+            <p:cNvPr id="16" name="ZoneTexte 15">
+              <a:extLst>
+                <a:ext uri="{FF2B5EF4-FFF2-40B4-BE49-F238E27FC236}">
+                  <a16:creationId xmlns:a16="http://schemas.microsoft.com/office/drawing/2014/main" id="{9E9D5F3B-CDC3-48D2-B75A-35E8090FB63F}"/>
+                </a:ext>
+              </a:extLst>
+            </p:cNvPr>
+            <p:cNvSpPr txBox="1"/>
+            <p:nvPr/>
+          </p:nvSpPr>
+          <p:spPr>
+            <a:xfrm>
+              <a:off x="11661774" y="750000"/>
+              <a:ext cx="346919" cy="340002"/>
+            </a:xfrm>
+            <a:prstGeom prst="rect">
+              <a:avLst/>
+            </a:prstGeom>
+            <a:noFill/>
+          </p:spPr>
+          <p:txBody>
+            <a:bodyPr wrap="none" rtlCol="0" anchor="ctr">
+              <a:noAutofit/>
+            </a:bodyPr>
+            <a:lstStyle/>
+            <a:p>
+              <a:pPr algn="ctr"/>
+              <a:fld id="{DF35C7F4-FC31-4C7D-82F5-148820E01BCC}" type="slidenum">
+                <a:rPr lang="en-GB" sz="1600" b="1" smtClean="0">
+                  <a:solidFill>
+                    <a:srgbClr val="4D85AC"/>
+                  </a:solidFill>
+                </a:rPr>
+                <a:pPr algn="ctr"/>
+                <a:t>12</a:t>
+              </a:fld>
+              <a:endParaRPr lang="en-GB" sz="1600" b="1" dirty="0">
+                <a:solidFill>
+                  <a:srgbClr val="4D85AC"/>
+                </a:solidFill>
+              </a:endParaRPr>
+            </a:p>
+          </p:txBody>
+        </p:sp>
+      </p:grpSp>
+      <p:grpSp>
+        <p:nvGrpSpPr>
+          <p:cNvPr id="24" name="Groupe 23">
+            <a:extLst>
+              <a:ext uri="{FF2B5EF4-FFF2-40B4-BE49-F238E27FC236}">
+                <a16:creationId xmlns:a16="http://schemas.microsoft.com/office/drawing/2014/main" id="{CF90167A-C95F-4A46-AEBA-FCB412B85C99}"/>
+              </a:ext>
+            </a:extLst>
+          </p:cNvPr>
+          <p:cNvGrpSpPr/>
+          <p:nvPr/>
+        </p:nvGrpSpPr>
+        <p:grpSpPr>
+          <a:xfrm>
+            <a:off x="696373" y="92332"/>
+            <a:ext cx="10797650" cy="400110"/>
+            <a:chOff x="696373" y="92332"/>
+            <a:chExt cx="10797650" cy="400110"/>
+          </a:xfrm>
+        </p:grpSpPr>
+        <p:sp>
+          <p:nvSpPr>
+            <p:cNvPr id="25" name="ZoneTexte 24">
+              <a:extLst>
+                <a:ext uri="{FF2B5EF4-FFF2-40B4-BE49-F238E27FC236}">
+                  <a16:creationId xmlns:a16="http://schemas.microsoft.com/office/drawing/2014/main" id="{78034F4E-ADD9-4285-B6CE-0B940749DBCF}"/>
+                </a:ext>
+              </a:extLst>
+            </p:cNvPr>
+            <p:cNvSpPr txBox="1"/>
+            <p:nvPr/>
+          </p:nvSpPr>
+          <p:spPr>
+            <a:xfrm>
+              <a:off x="696373" y="92332"/>
+              <a:ext cx="1501373" cy="400110"/>
+            </a:xfrm>
+            <a:prstGeom prst="rect">
+              <a:avLst/>
+            </a:prstGeom>
+            <a:noFill/>
+          </p:spPr>
+          <p:txBody>
+            <a:bodyPr wrap="none" rtlCol="0" anchor="ctr">
+              <a:spAutoFit/>
+            </a:bodyPr>
+            <a:lstStyle/>
+            <a:p>
+              <a:pPr algn="ctr"/>
+              <a:r>
+                <a:rPr lang="fr-FR" sz="2000" cap="small" dirty="0">
+                  <a:solidFill>
+                    <a:schemeClr val="bg2">
+                      <a:lumMod val="90000"/>
+                    </a:schemeClr>
+                  </a:solidFill>
+                  <a:latin typeface="+mj-lt"/>
+                </a:rPr>
+                <a:t>Introduction</a:t>
+              </a:r>
+              <a:endParaRPr lang="en-GB" sz="2000" cap="small" dirty="0">
+                <a:solidFill>
+                  <a:schemeClr val="bg2">
+                    <a:lumMod val="90000"/>
+                  </a:schemeClr>
+                </a:solidFill>
+                <a:latin typeface="+mj-lt"/>
+              </a:endParaRPr>
+            </a:p>
+          </p:txBody>
+        </p:sp>
+        <p:sp>
+          <p:nvSpPr>
+            <p:cNvPr id="26" name="ZoneTexte 25">
+              <a:extLst>
+                <a:ext uri="{FF2B5EF4-FFF2-40B4-BE49-F238E27FC236}">
+                  <a16:creationId xmlns:a16="http://schemas.microsoft.com/office/drawing/2014/main" id="{C3D685FD-B70D-4526-812E-316772237968}"/>
+                </a:ext>
+              </a:extLst>
+            </p:cNvPr>
+            <p:cNvSpPr txBox="1"/>
+            <p:nvPr/>
+          </p:nvSpPr>
+          <p:spPr>
+            <a:xfrm>
+              <a:off x="10176162" y="92332"/>
+              <a:ext cx="1317861" cy="400110"/>
+            </a:xfrm>
+            <a:prstGeom prst="rect">
+              <a:avLst/>
+            </a:prstGeom>
+            <a:noFill/>
+          </p:spPr>
+          <p:txBody>
+            <a:bodyPr wrap="none" rtlCol="0" anchor="ctr">
+              <a:spAutoFit/>
+            </a:bodyPr>
+            <a:lstStyle/>
+            <a:p>
+              <a:pPr algn="ctr"/>
+              <a:r>
+                <a:rPr lang="fr-FR" sz="2000" cap="small" dirty="0">
+                  <a:solidFill>
+                    <a:schemeClr val="bg2">
+                      <a:lumMod val="90000"/>
+                    </a:schemeClr>
+                  </a:solidFill>
+                  <a:latin typeface="+mj-lt"/>
+                </a:rPr>
+                <a:t>Conclusion</a:t>
+              </a:r>
+              <a:endParaRPr lang="en-GB" sz="2000" cap="small" dirty="0">
+                <a:solidFill>
+                  <a:schemeClr val="bg2">
+                    <a:lumMod val="90000"/>
+                  </a:schemeClr>
+                </a:solidFill>
+                <a:latin typeface="+mj-lt"/>
+              </a:endParaRPr>
+            </a:p>
+          </p:txBody>
+        </p:sp>
+        <p:sp>
+          <p:nvSpPr>
+            <p:cNvPr id="27" name="ZoneTexte 26">
+              <a:extLst>
+                <a:ext uri="{FF2B5EF4-FFF2-40B4-BE49-F238E27FC236}">
+                  <a16:creationId xmlns:a16="http://schemas.microsoft.com/office/drawing/2014/main" id="{87ADEEF0-3A22-4FD8-AF69-864F62DE5609}"/>
+                </a:ext>
+              </a:extLst>
+            </p:cNvPr>
+            <p:cNvSpPr txBox="1"/>
+            <p:nvPr/>
+          </p:nvSpPr>
+          <p:spPr>
+            <a:xfrm>
+              <a:off x="3368855" y="92332"/>
+              <a:ext cx="1030668" cy="400110"/>
+            </a:xfrm>
+            <a:prstGeom prst="rect">
+              <a:avLst/>
+            </a:prstGeom>
+            <a:noFill/>
+          </p:spPr>
+          <p:txBody>
+            <a:bodyPr wrap="none" rtlCol="0" anchor="ctr">
+              <a:spAutoFit/>
+            </a:bodyPr>
+            <a:lstStyle/>
+            <a:p>
+              <a:pPr algn="ctr"/>
+              <a:r>
+                <a:rPr lang="fr-FR" sz="2000" cap="small" dirty="0">
+                  <a:solidFill>
+                    <a:schemeClr val="bg2">
+                      <a:lumMod val="90000"/>
+                    </a:schemeClr>
+                  </a:solidFill>
+                  <a:latin typeface="+mj-lt"/>
+                </a:rPr>
+                <a:t>Données</a:t>
+              </a:r>
+              <a:endParaRPr lang="en-GB" sz="2000" cap="small" dirty="0">
+                <a:solidFill>
+                  <a:schemeClr val="bg2">
+                    <a:lumMod val="90000"/>
+                  </a:schemeClr>
+                </a:solidFill>
+                <a:latin typeface="+mj-lt"/>
+              </a:endParaRPr>
+            </a:p>
+          </p:txBody>
+        </p:sp>
+        <p:sp>
+          <p:nvSpPr>
+            <p:cNvPr id="28" name="ZoneTexte 27">
+              <a:extLst>
+                <a:ext uri="{FF2B5EF4-FFF2-40B4-BE49-F238E27FC236}">
+                  <a16:creationId xmlns:a16="http://schemas.microsoft.com/office/drawing/2014/main" id="{56392DFB-C66B-4594-9F05-3550EB1CB9F2}"/>
+                </a:ext>
+              </a:extLst>
+            </p:cNvPr>
+            <p:cNvSpPr txBox="1"/>
+            <p:nvPr/>
+          </p:nvSpPr>
+          <p:spPr>
+            <a:xfrm>
+              <a:off x="5570632" y="92332"/>
+              <a:ext cx="1174938" cy="400110"/>
+            </a:xfrm>
+            <a:prstGeom prst="rect">
+              <a:avLst/>
+            </a:prstGeom>
+            <a:noFill/>
+          </p:spPr>
+          <p:txBody>
+            <a:bodyPr wrap="none" rtlCol="0" anchor="ctr">
+              <a:spAutoFit/>
+            </a:bodyPr>
+            <a:lstStyle/>
+            <a:p>
+              <a:pPr algn="ctr"/>
+              <a:r>
+                <a:rPr lang="fr-FR" sz="2000" b="1" cap="small" dirty="0">
+                  <a:solidFill>
+                    <a:schemeClr val="bg1"/>
+                  </a:solidFill>
+                  <a:latin typeface="+mj-lt"/>
+                </a:rPr>
+                <a:t>Démarche</a:t>
+              </a:r>
+              <a:endParaRPr lang="en-GB" sz="2000" b="1" cap="small" dirty="0">
+                <a:solidFill>
+                  <a:schemeClr val="bg1"/>
+                </a:solidFill>
+                <a:latin typeface="+mj-lt"/>
+              </a:endParaRPr>
+            </a:p>
+          </p:txBody>
+        </p:sp>
+        <p:sp>
+          <p:nvSpPr>
+            <p:cNvPr id="29" name="ZoneTexte 28">
+              <a:extLst>
+                <a:ext uri="{FF2B5EF4-FFF2-40B4-BE49-F238E27FC236}">
+                  <a16:creationId xmlns:a16="http://schemas.microsoft.com/office/drawing/2014/main" id="{883C649D-97CC-4768-BBE8-86BD9F686522}"/>
+                </a:ext>
+              </a:extLst>
+            </p:cNvPr>
+            <p:cNvSpPr txBox="1"/>
+            <p:nvPr/>
+          </p:nvSpPr>
+          <p:spPr>
+            <a:xfrm>
+              <a:off x="7916679" y="92332"/>
+              <a:ext cx="1088376" cy="400110"/>
+            </a:xfrm>
+            <a:prstGeom prst="rect">
+              <a:avLst/>
+            </a:prstGeom>
+            <a:noFill/>
+          </p:spPr>
+          <p:txBody>
+            <a:bodyPr wrap="none" rtlCol="0" anchor="ctr">
+              <a:spAutoFit/>
+            </a:bodyPr>
+            <a:lstStyle/>
+            <a:p>
+              <a:pPr algn="ctr"/>
+              <a:r>
+                <a:rPr lang="fr-FR" sz="2000" cap="small" dirty="0">
+                  <a:solidFill>
+                    <a:schemeClr val="bg2">
+                      <a:lumMod val="90000"/>
+                    </a:schemeClr>
+                  </a:solidFill>
+                  <a:latin typeface="+mj-lt"/>
+                </a:rPr>
+                <a:t>Résultats</a:t>
+              </a:r>
+              <a:endParaRPr lang="en-GB" sz="2000" cap="small" dirty="0">
+                <a:solidFill>
+                  <a:schemeClr val="bg2">
+                    <a:lumMod val="90000"/>
+                  </a:schemeClr>
+                </a:solidFill>
+                <a:latin typeface="+mj-lt"/>
+              </a:endParaRPr>
+            </a:p>
+          </p:txBody>
+        </p:sp>
+      </p:grpSp>
+      <p:sp>
+        <p:nvSpPr>
+          <p:cNvPr id="30" name="ZoneTexte 29">
+            <a:extLst>
+              <a:ext uri="{FF2B5EF4-FFF2-40B4-BE49-F238E27FC236}">
+                <a16:creationId xmlns:a16="http://schemas.microsoft.com/office/drawing/2014/main" id="{1FC48FD4-2375-4539-A995-F9115AC31D7F}"/>
+              </a:ext>
+            </a:extLst>
+          </p:cNvPr>
+          <p:cNvSpPr txBox="1"/>
+          <p:nvPr/>
+        </p:nvSpPr>
+        <p:spPr>
+          <a:xfrm>
+            <a:off x="1125834" y="1821515"/>
+            <a:ext cx="4655121" cy="3373359"/>
+          </a:xfrm>
+          <a:prstGeom prst="rect">
+            <a:avLst/>
+          </a:prstGeom>
+          <a:noFill/>
+        </p:spPr>
+        <p:txBody>
+          <a:bodyPr wrap="none" rtlCol="0">
+            <a:spAutoFit/>
+          </a:bodyPr>
+          <a:lstStyle/>
+          <a:p>
+            <a:pPr marL="285750" indent="-285750">
+              <a:lnSpc>
+                <a:spcPct val="150000"/>
+              </a:lnSpc>
+              <a:buFont typeface="Arial" panose="020B0604020202020204" pitchFamily="34" charset="0"/>
+              <a:buChar char="•"/>
+            </a:pPr>
+            <a:r>
+              <a:rPr lang="fr-FR" dirty="0"/>
+              <a:t>Sélection d’un oiseau en particulier</a:t>
+            </a:r>
+          </a:p>
+          <a:p>
+            <a:pPr marL="285750" indent="-285750">
+              <a:lnSpc>
+                <a:spcPct val="150000"/>
+              </a:lnSpc>
+              <a:buFont typeface="Arial" panose="020B0604020202020204" pitchFamily="34" charset="0"/>
+              <a:buChar char="•"/>
+            </a:pPr>
+            <a:endParaRPr lang="fr-FR" dirty="0"/>
+          </a:p>
+          <a:p>
+            <a:pPr marL="285750" indent="-285750">
+              <a:lnSpc>
+                <a:spcPct val="150000"/>
+              </a:lnSpc>
+              <a:buFont typeface="Arial" panose="020B0604020202020204" pitchFamily="34" charset="0"/>
+              <a:buChar char="•"/>
+            </a:pPr>
+            <a:r>
+              <a:rPr lang="fr-FR" dirty="0"/>
+              <a:t>Extension aux oiseaux d’une même colonie</a:t>
+            </a:r>
+          </a:p>
+          <a:p>
+            <a:pPr marL="285750" indent="-285750">
+              <a:lnSpc>
+                <a:spcPct val="150000"/>
+              </a:lnSpc>
+              <a:buFont typeface="Arial" panose="020B0604020202020204" pitchFamily="34" charset="0"/>
+              <a:buChar char="•"/>
+            </a:pPr>
+            <a:endParaRPr lang="fr-FR" dirty="0"/>
+          </a:p>
+          <a:p>
+            <a:pPr marL="285750" indent="-285750">
+              <a:lnSpc>
+                <a:spcPct val="150000"/>
+              </a:lnSpc>
+              <a:buFont typeface="Arial" panose="020B0604020202020204" pitchFamily="34" charset="0"/>
+              <a:buChar char="•"/>
+            </a:pPr>
+            <a:r>
+              <a:rPr lang="fr-FR" dirty="0"/>
+              <a:t>Classification (supervisée) des oiseaux</a:t>
+            </a:r>
+          </a:p>
+          <a:p>
+            <a:pPr marL="285750" indent="-285750">
+              <a:lnSpc>
+                <a:spcPct val="150000"/>
+              </a:lnSpc>
+              <a:buFont typeface="Arial" panose="020B0604020202020204" pitchFamily="34" charset="0"/>
+              <a:buChar char="•"/>
+            </a:pPr>
+            <a:endParaRPr lang="fr-FR" dirty="0"/>
+          </a:p>
+          <a:p>
+            <a:pPr marL="285750" indent="-285750">
+              <a:lnSpc>
+                <a:spcPct val="150000"/>
+              </a:lnSpc>
+              <a:buFont typeface="Arial" panose="020B0604020202020204" pitchFamily="34" charset="0"/>
+              <a:buChar char="•"/>
+            </a:pPr>
+            <a:r>
+              <a:rPr lang="fr-FR" dirty="0"/>
+              <a:t>Comparaison avec les groupes de colonies</a:t>
+            </a:r>
+          </a:p>
+          <a:p>
+            <a:pPr marL="285750" indent="-285750">
+              <a:lnSpc>
+                <a:spcPct val="150000"/>
+              </a:lnSpc>
+              <a:buFont typeface="Arial" panose="020B0604020202020204" pitchFamily="34" charset="0"/>
+              <a:buChar char="•"/>
+            </a:pPr>
+            <a:endParaRPr lang="fr-FR" dirty="0"/>
+          </a:p>
+        </p:txBody>
+      </p:sp>
+      <p:sp>
+        <p:nvSpPr>
+          <p:cNvPr id="3" name="Forme libre : forme 2">
+            <a:extLst>
+              <a:ext uri="{FF2B5EF4-FFF2-40B4-BE49-F238E27FC236}">
+                <a16:creationId xmlns:a16="http://schemas.microsoft.com/office/drawing/2014/main" id="{9C0A6F82-093E-4931-A5D1-8677C5712E43}"/>
+              </a:ext>
+            </a:extLst>
+          </p:cNvPr>
+          <p:cNvSpPr/>
+          <p:nvPr/>
+        </p:nvSpPr>
+        <p:spPr>
+          <a:xfrm>
+            <a:off x="5584054" y="442916"/>
+            <a:ext cx="1109709" cy="27891"/>
+          </a:xfrm>
+          <a:custGeom>
+            <a:avLst/>
+            <a:gdLst>
+              <a:gd name="connsiteX0" fmla="*/ 0 w 1109709"/>
+              <a:gd name="connsiteY0" fmla="*/ 18723 h 27891"/>
+              <a:gd name="connsiteX1" fmla="*/ 124288 w 1109709"/>
+              <a:gd name="connsiteY1" fmla="*/ 9845 h 27891"/>
+              <a:gd name="connsiteX2" fmla="*/ 213064 w 1109709"/>
+              <a:gd name="connsiteY2" fmla="*/ 967 h 27891"/>
+              <a:gd name="connsiteX3" fmla="*/ 328474 w 1109709"/>
+              <a:gd name="connsiteY3" fmla="*/ 967 h 27891"/>
+              <a:gd name="connsiteX4" fmla="*/ 363985 w 1109709"/>
+              <a:gd name="connsiteY4" fmla="*/ 27601 h 27891"/>
+              <a:gd name="connsiteX5" fmla="*/ 488272 w 1109709"/>
+              <a:gd name="connsiteY5" fmla="*/ 18723 h 27891"/>
+              <a:gd name="connsiteX6" fmla="*/ 532661 w 1109709"/>
+              <a:gd name="connsiteY6" fmla="*/ 27601 h 27891"/>
+              <a:gd name="connsiteX7" fmla="*/ 772358 w 1109709"/>
+              <a:gd name="connsiteY7" fmla="*/ 18723 h 27891"/>
+              <a:gd name="connsiteX8" fmla="*/ 834501 w 1109709"/>
+              <a:gd name="connsiteY8" fmla="*/ 27601 h 27891"/>
+              <a:gd name="connsiteX9" fmla="*/ 878890 w 1109709"/>
+              <a:gd name="connsiteY9" fmla="*/ 18723 h 27891"/>
+              <a:gd name="connsiteX10" fmla="*/ 985422 w 1109709"/>
+              <a:gd name="connsiteY10" fmla="*/ 9845 h 27891"/>
+              <a:gd name="connsiteX11" fmla="*/ 1091954 w 1109709"/>
+              <a:gd name="connsiteY11" fmla="*/ 27601 h 27891"/>
+              <a:gd name="connsiteX12" fmla="*/ 1109709 w 1109709"/>
+              <a:gd name="connsiteY12" fmla="*/ 27601 h 27891"/>
+            </a:gdLst>
+            <a:ahLst/>
+            <a:cxnLst>
+              <a:cxn ang="0">
+                <a:pos x="connsiteX0" y="connsiteY0"/>
+              </a:cxn>
+              <a:cxn ang="0">
+                <a:pos x="connsiteX1" y="connsiteY1"/>
+              </a:cxn>
+              <a:cxn ang="0">
+                <a:pos x="connsiteX2" y="connsiteY2"/>
+              </a:cxn>
+              <a:cxn ang="0">
+                <a:pos x="connsiteX3" y="connsiteY3"/>
+              </a:cxn>
+              <a:cxn ang="0">
+                <a:pos x="connsiteX4" y="connsiteY4"/>
+              </a:cxn>
+              <a:cxn ang="0">
+                <a:pos x="connsiteX5" y="connsiteY5"/>
+              </a:cxn>
+              <a:cxn ang="0">
+                <a:pos x="connsiteX6" y="connsiteY6"/>
+              </a:cxn>
+              <a:cxn ang="0">
+                <a:pos x="connsiteX7" y="connsiteY7"/>
+              </a:cxn>
+              <a:cxn ang="0">
+                <a:pos x="connsiteX8" y="connsiteY8"/>
+              </a:cxn>
+              <a:cxn ang="0">
+                <a:pos x="connsiteX9" y="connsiteY9"/>
+              </a:cxn>
+              <a:cxn ang="0">
+                <a:pos x="connsiteX10" y="connsiteY10"/>
+              </a:cxn>
+              <a:cxn ang="0">
+                <a:pos x="connsiteX11" y="connsiteY11"/>
+              </a:cxn>
+              <a:cxn ang="0">
+                <a:pos x="connsiteX12" y="connsiteY12"/>
+              </a:cxn>
+            </a:cxnLst>
+            <a:rect l="l" t="t" r="r" b="b"/>
+            <a:pathLst>
+              <a:path w="1109709" h="27891">
+                <a:moveTo>
+                  <a:pt x="0" y="18723"/>
+                </a:moveTo>
+                <a:cubicBezTo>
+                  <a:pt x="41429" y="15764"/>
+                  <a:pt x="82753" y="9845"/>
+                  <a:pt x="124288" y="9845"/>
+                </a:cubicBezTo>
+                <a:cubicBezTo>
+                  <a:pt x="218206" y="9845"/>
+                  <a:pt x="86480" y="43163"/>
+                  <a:pt x="213064" y="967"/>
+                </a:cubicBezTo>
+                <a:cubicBezTo>
+                  <a:pt x="261347" y="49250"/>
+                  <a:pt x="194392" y="-7972"/>
+                  <a:pt x="328474" y="967"/>
+                </a:cubicBezTo>
+                <a:cubicBezTo>
+                  <a:pt x="343238" y="1951"/>
+                  <a:pt x="352148" y="18723"/>
+                  <a:pt x="363985" y="27601"/>
+                </a:cubicBezTo>
+                <a:cubicBezTo>
+                  <a:pt x="405414" y="24642"/>
+                  <a:pt x="446737" y="18723"/>
+                  <a:pt x="488272" y="18723"/>
+                </a:cubicBezTo>
+                <a:cubicBezTo>
+                  <a:pt x="503361" y="18723"/>
+                  <a:pt x="517572" y="27601"/>
+                  <a:pt x="532661" y="27601"/>
+                </a:cubicBezTo>
+                <a:cubicBezTo>
+                  <a:pt x="612615" y="27601"/>
+                  <a:pt x="692459" y="21682"/>
+                  <a:pt x="772358" y="18723"/>
+                </a:cubicBezTo>
+                <a:cubicBezTo>
+                  <a:pt x="793072" y="21682"/>
+                  <a:pt x="813576" y="27601"/>
+                  <a:pt x="834501" y="27601"/>
+                </a:cubicBezTo>
+                <a:cubicBezTo>
+                  <a:pt x="849590" y="27601"/>
+                  <a:pt x="863904" y="20486"/>
+                  <a:pt x="878890" y="18723"/>
+                </a:cubicBezTo>
+                <a:cubicBezTo>
+                  <a:pt x="914280" y="14559"/>
+                  <a:pt x="949911" y="12804"/>
+                  <a:pt x="985422" y="9845"/>
+                </a:cubicBezTo>
+                <a:cubicBezTo>
+                  <a:pt x="1030478" y="18857"/>
+                  <a:pt x="1042401" y="22095"/>
+                  <a:pt x="1091954" y="27601"/>
+                </a:cubicBezTo>
+                <a:cubicBezTo>
+                  <a:pt x="1097836" y="28255"/>
+                  <a:pt x="1103791" y="27601"/>
+                  <a:pt x="1109709" y="27601"/>
+                </a:cubicBezTo>
+              </a:path>
+            </a:pathLst>
+          </a:custGeom>
+          <a:noFill/>
+          <a:ln>
+            <a:solidFill>
+              <a:srgbClr val="FF0000"/>
+            </a:solidFill>
+          </a:ln>
+        </p:spPr>
+        <p:style>
+          <a:lnRef idx="2">
+            <a:schemeClr val="accent1">
+              <a:shade val="50000"/>
+            </a:schemeClr>
+          </a:lnRef>
+          <a:fillRef idx="1">
+            <a:schemeClr val="accent1"/>
+          </a:fillRef>
+          <a:effectRef idx="0">
+            <a:schemeClr val="accent1"/>
+          </a:effectRef>
+          <a:fontRef idx="minor">
+            <a:schemeClr val="lt1"/>
+          </a:fontRef>
+        </p:style>
+        <p:txBody>
+          <a:bodyPr rtlCol="0" anchor="ctr"/>
+          <a:lstStyle/>
+          <a:p>
+            <a:pPr algn="ctr"/>
+            <a:endParaRPr lang="en-GB"/>
+          </a:p>
+        </p:txBody>
+      </p:sp>
+      <p:sp>
+        <p:nvSpPr>
+          <p:cNvPr id="4" name="Forme libre : forme 3">
+            <a:extLst>
+              <a:ext uri="{FF2B5EF4-FFF2-40B4-BE49-F238E27FC236}">
+                <a16:creationId xmlns:a16="http://schemas.microsoft.com/office/drawing/2014/main" id="{70B85AD0-A14C-44BF-BB96-A658729BA988}"/>
+              </a:ext>
+            </a:extLst>
+          </p:cNvPr>
+          <p:cNvSpPr/>
+          <p:nvPr/>
+        </p:nvSpPr>
+        <p:spPr>
+          <a:xfrm>
+            <a:off x="1038674" y="3622089"/>
+            <a:ext cx="142056" cy="1109709"/>
+          </a:xfrm>
+          <a:custGeom>
+            <a:avLst/>
+            <a:gdLst>
+              <a:gd name="connsiteX0" fmla="*/ 142056 w 142056"/>
+              <a:gd name="connsiteY0" fmla="*/ 0 h 1109709"/>
+              <a:gd name="connsiteX1" fmla="*/ 79912 w 142056"/>
+              <a:gd name="connsiteY1" fmla="*/ 17756 h 1109709"/>
+              <a:gd name="connsiteX2" fmla="*/ 115423 w 142056"/>
+              <a:gd name="connsiteY2" fmla="*/ 26633 h 1109709"/>
+              <a:gd name="connsiteX3" fmla="*/ 62157 w 142056"/>
+              <a:gd name="connsiteY3" fmla="*/ 53266 h 1109709"/>
+              <a:gd name="connsiteX4" fmla="*/ 26646 w 142056"/>
+              <a:gd name="connsiteY4" fmla="*/ 186431 h 1109709"/>
+              <a:gd name="connsiteX5" fmla="*/ 53279 w 142056"/>
+              <a:gd name="connsiteY5" fmla="*/ 195309 h 1109709"/>
+              <a:gd name="connsiteX6" fmla="*/ 71035 w 142056"/>
+              <a:gd name="connsiteY6" fmla="*/ 239697 h 1109709"/>
+              <a:gd name="connsiteX7" fmla="*/ 97668 w 142056"/>
+              <a:gd name="connsiteY7" fmla="*/ 266330 h 1109709"/>
+              <a:gd name="connsiteX8" fmla="*/ 53279 w 142056"/>
+              <a:gd name="connsiteY8" fmla="*/ 310719 h 1109709"/>
+              <a:gd name="connsiteX9" fmla="*/ 71035 w 142056"/>
+              <a:gd name="connsiteY9" fmla="*/ 328474 h 1109709"/>
+              <a:gd name="connsiteX10" fmla="*/ 79912 w 142056"/>
+              <a:gd name="connsiteY10" fmla="*/ 488272 h 1109709"/>
+              <a:gd name="connsiteX11" fmla="*/ 97668 w 142056"/>
+              <a:gd name="connsiteY11" fmla="*/ 514905 h 1109709"/>
+              <a:gd name="connsiteX12" fmla="*/ 62157 w 142056"/>
+              <a:gd name="connsiteY12" fmla="*/ 550416 h 1109709"/>
+              <a:gd name="connsiteX13" fmla="*/ 35524 w 142056"/>
+              <a:gd name="connsiteY13" fmla="*/ 603682 h 1109709"/>
+              <a:gd name="connsiteX14" fmla="*/ 26646 w 142056"/>
+              <a:gd name="connsiteY14" fmla="*/ 656948 h 1109709"/>
+              <a:gd name="connsiteX15" fmla="*/ 71035 w 142056"/>
+              <a:gd name="connsiteY15" fmla="*/ 674703 h 1109709"/>
+              <a:gd name="connsiteX16" fmla="*/ 88790 w 142056"/>
+              <a:gd name="connsiteY16" fmla="*/ 692459 h 1109709"/>
+              <a:gd name="connsiteX17" fmla="*/ 79912 w 142056"/>
+              <a:gd name="connsiteY17" fmla="*/ 719092 h 1109709"/>
+              <a:gd name="connsiteX18" fmla="*/ 88790 w 142056"/>
+              <a:gd name="connsiteY18" fmla="*/ 754602 h 1109709"/>
+              <a:gd name="connsiteX19" fmla="*/ 62157 w 142056"/>
+              <a:gd name="connsiteY19" fmla="*/ 798991 h 1109709"/>
+              <a:gd name="connsiteX20" fmla="*/ 8891 w 142056"/>
+              <a:gd name="connsiteY20" fmla="*/ 905523 h 1109709"/>
+              <a:gd name="connsiteX21" fmla="*/ 88790 w 142056"/>
+              <a:gd name="connsiteY21" fmla="*/ 932156 h 1109709"/>
+              <a:gd name="connsiteX22" fmla="*/ 62157 w 142056"/>
+              <a:gd name="connsiteY22" fmla="*/ 976544 h 1109709"/>
+              <a:gd name="connsiteX23" fmla="*/ 8891 w 142056"/>
+              <a:gd name="connsiteY23" fmla="*/ 1029810 h 1109709"/>
+              <a:gd name="connsiteX24" fmla="*/ 8891 w 142056"/>
+              <a:gd name="connsiteY24" fmla="*/ 1091954 h 1109709"/>
+              <a:gd name="connsiteX25" fmla="*/ 26646 w 142056"/>
+              <a:gd name="connsiteY25" fmla="*/ 1109709 h 1109709"/>
+            </a:gdLst>
+            <a:ahLst/>
+            <a:cxnLst>
+              <a:cxn ang="0">
+                <a:pos x="connsiteX0" y="connsiteY0"/>
+              </a:cxn>
+              <a:cxn ang="0">
+                <a:pos x="connsiteX1" y="connsiteY1"/>
+              </a:cxn>
+              <a:cxn ang="0">
+                <a:pos x="connsiteX2" y="connsiteY2"/>
+              </a:cxn>
+              <a:cxn ang="0">
+                <a:pos x="connsiteX3" y="connsiteY3"/>
+              </a:cxn>
+              <a:cxn ang="0">
+                <a:pos x="connsiteX4" y="connsiteY4"/>
+              </a:cxn>
+              <a:cxn ang="0">
+                <a:pos x="connsiteX5" y="connsiteY5"/>
+              </a:cxn>
+              <a:cxn ang="0">
+                <a:pos x="connsiteX6" y="connsiteY6"/>
+              </a:cxn>
+              <a:cxn ang="0">
+                <a:pos x="connsiteX7" y="connsiteY7"/>
+              </a:cxn>
+              <a:cxn ang="0">
+                <a:pos x="connsiteX8" y="connsiteY8"/>
+              </a:cxn>
+              <a:cxn ang="0">
+                <a:pos x="connsiteX9" y="connsiteY9"/>
+              </a:cxn>
+              <a:cxn ang="0">
+                <a:pos x="connsiteX10" y="connsiteY10"/>
+              </a:cxn>
+              <a:cxn ang="0">
+                <a:pos x="connsiteX11" y="connsiteY11"/>
+              </a:cxn>
+              <a:cxn ang="0">
+                <a:pos x="connsiteX12" y="connsiteY12"/>
+              </a:cxn>
+              <a:cxn ang="0">
+                <a:pos x="connsiteX13" y="connsiteY13"/>
+              </a:cxn>
+              <a:cxn ang="0">
+                <a:pos x="connsiteX14" y="connsiteY14"/>
+              </a:cxn>
+              <a:cxn ang="0">
+                <a:pos x="connsiteX15" y="connsiteY15"/>
+              </a:cxn>
+              <a:cxn ang="0">
+                <a:pos x="connsiteX16" y="connsiteY16"/>
+              </a:cxn>
+              <a:cxn ang="0">
+                <a:pos x="connsiteX17" y="connsiteY17"/>
+              </a:cxn>
+              <a:cxn ang="0">
+                <a:pos x="connsiteX18" y="connsiteY18"/>
+              </a:cxn>
+              <a:cxn ang="0">
+                <a:pos x="connsiteX19" y="connsiteY19"/>
+              </a:cxn>
+              <a:cxn ang="0">
+                <a:pos x="connsiteX20" y="connsiteY20"/>
+              </a:cxn>
+              <a:cxn ang="0">
+                <a:pos x="connsiteX21" y="connsiteY21"/>
+              </a:cxn>
+              <a:cxn ang="0">
+                <a:pos x="connsiteX22" y="connsiteY22"/>
+              </a:cxn>
+              <a:cxn ang="0">
+                <a:pos x="connsiteX23" y="connsiteY23"/>
+              </a:cxn>
+              <a:cxn ang="0">
+                <a:pos x="connsiteX24" y="connsiteY24"/>
+              </a:cxn>
+              <a:cxn ang="0">
+                <a:pos x="connsiteX25" y="connsiteY25"/>
+              </a:cxn>
+            </a:cxnLst>
+            <a:rect l="l" t="t" r="r" b="b"/>
+            <a:pathLst>
+              <a:path w="142056" h="1109709">
+                <a:moveTo>
+                  <a:pt x="142056" y="0"/>
+                </a:moveTo>
+                <a:cubicBezTo>
+                  <a:pt x="121341" y="5919"/>
+                  <a:pt x="95146" y="2522"/>
+                  <a:pt x="79912" y="17756"/>
+                </a:cubicBezTo>
+                <a:cubicBezTo>
+                  <a:pt x="71284" y="26384"/>
+                  <a:pt x="120880" y="15720"/>
+                  <a:pt x="115423" y="26633"/>
+                </a:cubicBezTo>
+                <a:cubicBezTo>
+                  <a:pt x="106545" y="44388"/>
+                  <a:pt x="79912" y="44388"/>
+                  <a:pt x="62157" y="53266"/>
+                </a:cubicBezTo>
+                <a:cubicBezTo>
+                  <a:pt x="41124" y="95333"/>
+                  <a:pt x="-23076" y="146653"/>
+                  <a:pt x="26646" y="186431"/>
+                </a:cubicBezTo>
+                <a:cubicBezTo>
+                  <a:pt x="33953" y="192277"/>
+                  <a:pt x="44401" y="192350"/>
+                  <a:pt x="53279" y="195309"/>
+                </a:cubicBezTo>
+                <a:cubicBezTo>
+                  <a:pt x="59198" y="210105"/>
+                  <a:pt x="62589" y="226183"/>
+                  <a:pt x="71035" y="239697"/>
+                </a:cubicBezTo>
+                <a:cubicBezTo>
+                  <a:pt x="77689" y="250343"/>
+                  <a:pt x="100713" y="254150"/>
+                  <a:pt x="97668" y="266330"/>
+                </a:cubicBezTo>
+                <a:cubicBezTo>
+                  <a:pt x="92593" y="286630"/>
+                  <a:pt x="68075" y="295923"/>
+                  <a:pt x="53279" y="310719"/>
+                </a:cubicBezTo>
+                <a:cubicBezTo>
+                  <a:pt x="59198" y="316637"/>
+                  <a:pt x="68175" y="320608"/>
+                  <a:pt x="71035" y="328474"/>
+                </a:cubicBezTo>
+                <a:cubicBezTo>
+                  <a:pt x="98113" y="402939"/>
+                  <a:pt x="88355" y="412288"/>
+                  <a:pt x="79912" y="488272"/>
+                </a:cubicBezTo>
+                <a:cubicBezTo>
+                  <a:pt x="85831" y="497150"/>
+                  <a:pt x="100599" y="504646"/>
+                  <a:pt x="97668" y="514905"/>
+                </a:cubicBezTo>
+                <a:cubicBezTo>
+                  <a:pt x="93069" y="531001"/>
+                  <a:pt x="71757" y="536702"/>
+                  <a:pt x="62157" y="550416"/>
+                </a:cubicBezTo>
+                <a:cubicBezTo>
+                  <a:pt x="50773" y="566679"/>
+                  <a:pt x="44402" y="585927"/>
+                  <a:pt x="35524" y="603682"/>
+                </a:cubicBezTo>
+                <a:cubicBezTo>
+                  <a:pt x="32565" y="621437"/>
+                  <a:pt x="18596" y="640848"/>
+                  <a:pt x="26646" y="656948"/>
+                </a:cubicBezTo>
+                <a:cubicBezTo>
+                  <a:pt x="33773" y="671202"/>
+                  <a:pt x="57199" y="666796"/>
+                  <a:pt x="71035" y="674703"/>
+                </a:cubicBezTo>
+                <a:cubicBezTo>
+                  <a:pt x="78302" y="678856"/>
+                  <a:pt x="82872" y="686540"/>
+                  <a:pt x="88790" y="692459"/>
+                </a:cubicBezTo>
+                <a:cubicBezTo>
+                  <a:pt x="85831" y="701337"/>
+                  <a:pt x="79912" y="709734"/>
+                  <a:pt x="79912" y="719092"/>
+                </a:cubicBezTo>
+                <a:cubicBezTo>
+                  <a:pt x="79912" y="731293"/>
+                  <a:pt x="91437" y="742692"/>
+                  <a:pt x="88790" y="754602"/>
+                </a:cubicBezTo>
+                <a:cubicBezTo>
+                  <a:pt x="85047" y="771446"/>
+                  <a:pt x="70231" y="783741"/>
+                  <a:pt x="62157" y="798991"/>
+                </a:cubicBezTo>
+                <a:cubicBezTo>
+                  <a:pt x="43581" y="834079"/>
+                  <a:pt x="8891" y="905523"/>
+                  <a:pt x="8891" y="905523"/>
+                </a:cubicBezTo>
+                <a:cubicBezTo>
+                  <a:pt x="19172" y="908093"/>
+                  <a:pt x="86218" y="923153"/>
+                  <a:pt x="88790" y="932156"/>
+                </a:cubicBezTo>
+                <a:cubicBezTo>
+                  <a:pt x="93530" y="948747"/>
+                  <a:pt x="73084" y="963189"/>
+                  <a:pt x="62157" y="976544"/>
+                </a:cubicBezTo>
+                <a:cubicBezTo>
+                  <a:pt x="46256" y="995978"/>
+                  <a:pt x="26646" y="1012055"/>
+                  <a:pt x="8891" y="1029810"/>
+                </a:cubicBezTo>
+                <a:cubicBezTo>
+                  <a:pt x="1651" y="1058771"/>
+                  <a:pt x="-6842" y="1065732"/>
+                  <a:pt x="8891" y="1091954"/>
+                </a:cubicBezTo>
+                <a:cubicBezTo>
+                  <a:pt x="13197" y="1099131"/>
+                  <a:pt x="20728" y="1103791"/>
+                  <a:pt x="26646" y="1109709"/>
+                </a:cubicBezTo>
+              </a:path>
+            </a:pathLst>
+          </a:custGeom>
+          <a:noFill/>
+          <a:ln>
+            <a:solidFill>
+              <a:srgbClr val="FF0000"/>
+            </a:solidFill>
+          </a:ln>
+        </p:spPr>
+        <p:style>
+          <a:lnRef idx="2">
+            <a:schemeClr val="accent1">
+              <a:shade val="50000"/>
+            </a:schemeClr>
+          </a:lnRef>
+          <a:fillRef idx="1">
+            <a:schemeClr val="accent1"/>
+          </a:fillRef>
+          <a:effectRef idx="0">
+            <a:schemeClr val="accent1"/>
+          </a:effectRef>
+          <a:fontRef idx="minor">
+            <a:schemeClr val="lt1"/>
+          </a:fontRef>
+        </p:style>
+        <p:txBody>
+          <a:bodyPr rtlCol="0" anchor="ctr"/>
+          <a:lstStyle/>
+          <a:p>
+            <a:pPr algn="ctr"/>
+            <a:endParaRPr lang="en-GB"/>
+          </a:p>
+        </p:txBody>
+      </p:sp>
+      <p:sp>
+        <p:nvSpPr>
+          <p:cNvPr id="5" name="Forme libre : forme 4">
+            <a:extLst>
+              <a:ext uri="{FF2B5EF4-FFF2-40B4-BE49-F238E27FC236}">
+                <a16:creationId xmlns:a16="http://schemas.microsoft.com/office/drawing/2014/main" id="{71BF0D70-08BB-447B-9354-F57B7B9B3A31}"/>
+              </a:ext>
+            </a:extLst>
+          </p:cNvPr>
+          <p:cNvSpPr/>
+          <p:nvPr/>
+        </p:nvSpPr>
+        <p:spPr>
+          <a:xfrm>
+            <a:off x="399495" y="1446936"/>
+            <a:ext cx="3062796" cy="88990"/>
+          </a:xfrm>
+          <a:custGeom>
+            <a:avLst/>
+            <a:gdLst>
+              <a:gd name="connsiteX0" fmla="*/ 0 w 3062796"/>
+              <a:gd name="connsiteY0" fmla="*/ 26757 h 88990"/>
+              <a:gd name="connsiteX1" fmla="*/ 106532 w 3062796"/>
+              <a:gd name="connsiteY1" fmla="*/ 124 h 88990"/>
+              <a:gd name="connsiteX2" fmla="*/ 284086 w 3062796"/>
+              <a:gd name="connsiteY2" fmla="*/ 17880 h 88990"/>
+              <a:gd name="connsiteX3" fmla="*/ 523783 w 3062796"/>
+              <a:gd name="connsiteY3" fmla="*/ 26757 h 88990"/>
+              <a:gd name="connsiteX4" fmla="*/ 585926 w 3062796"/>
+              <a:gd name="connsiteY4" fmla="*/ 44513 h 88990"/>
+              <a:gd name="connsiteX5" fmla="*/ 674703 w 3062796"/>
+              <a:gd name="connsiteY5" fmla="*/ 26757 h 88990"/>
+              <a:gd name="connsiteX6" fmla="*/ 719091 w 3062796"/>
+              <a:gd name="connsiteY6" fmla="*/ 35635 h 88990"/>
+              <a:gd name="connsiteX7" fmla="*/ 825623 w 3062796"/>
+              <a:gd name="connsiteY7" fmla="*/ 62268 h 88990"/>
+              <a:gd name="connsiteX8" fmla="*/ 923278 w 3062796"/>
+              <a:gd name="connsiteY8" fmla="*/ 9002 h 88990"/>
+              <a:gd name="connsiteX9" fmla="*/ 941033 w 3062796"/>
+              <a:gd name="connsiteY9" fmla="*/ 35635 h 88990"/>
+              <a:gd name="connsiteX10" fmla="*/ 1109709 w 3062796"/>
+              <a:gd name="connsiteY10" fmla="*/ 62268 h 88990"/>
+              <a:gd name="connsiteX11" fmla="*/ 1269507 w 3062796"/>
+              <a:gd name="connsiteY11" fmla="*/ 44513 h 88990"/>
+              <a:gd name="connsiteX12" fmla="*/ 1429305 w 3062796"/>
+              <a:gd name="connsiteY12" fmla="*/ 62268 h 88990"/>
+              <a:gd name="connsiteX13" fmla="*/ 1562470 w 3062796"/>
+              <a:gd name="connsiteY13" fmla="*/ 53390 h 88990"/>
+              <a:gd name="connsiteX14" fmla="*/ 1642369 w 3062796"/>
+              <a:gd name="connsiteY14" fmla="*/ 62268 h 88990"/>
+              <a:gd name="connsiteX15" fmla="*/ 1740023 w 3062796"/>
+              <a:gd name="connsiteY15" fmla="*/ 88901 h 88990"/>
+              <a:gd name="connsiteX16" fmla="*/ 1819922 w 3062796"/>
+              <a:gd name="connsiteY16" fmla="*/ 71146 h 88990"/>
+              <a:gd name="connsiteX17" fmla="*/ 1997476 w 3062796"/>
+              <a:gd name="connsiteY17" fmla="*/ 44513 h 88990"/>
+              <a:gd name="connsiteX18" fmla="*/ 2370338 w 3062796"/>
+              <a:gd name="connsiteY18" fmla="*/ 44513 h 88990"/>
+              <a:gd name="connsiteX19" fmla="*/ 2432482 w 3062796"/>
+              <a:gd name="connsiteY19" fmla="*/ 53390 h 88990"/>
+              <a:gd name="connsiteX20" fmla="*/ 2689934 w 3062796"/>
+              <a:gd name="connsiteY20" fmla="*/ 62268 h 88990"/>
+              <a:gd name="connsiteX21" fmla="*/ 2929631 w 3062796"/>
+              <a:gd name="connsiteY21" fmla="*/ 44513 h 88990"/>
+              <a:gd name="connsiteX22" fmla="*/ 3027286 w 3062796"/>
+              <a:gd name="connsiteY22" fmla="*/ 17880 h 88990"/>
+              <a:gd name="connsiteX23" fmla="*/ 3062796 w 3062796"/>
+              <a:gd name="connsiteY23" fmla="*/ 9002 h 88990"/>
+            </a:gdLst>
+            <a:ahLst/>
+            <a:cxnLst>
+              <a:cxn ang="0">
+                <a:pos x="connsiteX0" y="connsiteY0"/>
+              </a:cxn>
+              <a:cxn ang="0">
+                <a:pos x="connsiteX1" y="connsiteY1"/>
+              </a:cxn>
+              <a:cxn ang="0">
+                <a:pos x="connsiteX2" y="connsiteY2"/>
+              </a:cxn>
+              <a:cxn ang="0">
+                <a:pos x="connsiteX3" y="connsiteY3"/>
+              </a:cxn>
+              <a:cxn ang="0">
+                <a:pos x="connsiteX4" y="connsiteY4"/>
+              </a:cxn>
+              <a:cxn ang="0">
+                <a:pos x="connsiteX5" y="connsiteY5"/>
+              </a:cxn>
+              <a:cxn ang="0">
+                <a:pos x="connsiteX6" y="connsiteY6"/>
+              </a:cxn>
+              <a:cxn ang="0">
+                <a:pos x="connsiteX7" y="connsiteY7"/>
+              </a:cxn>
+              <a:cxn ang="0">
+                <a:pos x="connsiteX8" y="connsiteY8"/>
+              </a:cxn>
+              <a:cxn ang="0">
+                <a:pos x="connsiteX9" y="connsiteY9"/>
+              </a:cxn>
+              <a:cxn ang="0">
+                <a:pos x="connsiteX10" y="connsiteY10"/>
+              </a:cxn>
+              <a:cxn ang="0">
+                <a:pos x="connsiteX11" y="connsiteY11"/>
+              </a:cxn>
+              <a:cxn ang="0">
+                <a:pos x="connsiteX12" y="connsiteY12"/>
+              </a:cxn>
+              <a:cxn ang="0">
+                <a:pos x="connsiteX13" y="connsiteY13"/>
+              </a:cxn>
+              <a:cxn ang="0">
+                <a:pos x="connsiteX14" y="connsiteY14"/>
+              </a:cxn>
+              <a:cxn ang="0">
+                <a:pos x="connsiteX15" y="connsiteY15"/>
+              </a:cxn>
+              <a:cxn ang="0">
+                <a:pos x="connsiteX16" y="connsiteY16"/>
+              </a:cxn>
+              <a:cxn ang="0">
+                <a:pos x="connsiteX17" y="connsiteY17"/>
+              </a:cxn>
+              <a:cxn ang="0">
+                <a:pos x="connsiteX18" y="connsiteY18"/>
+              </a:cxn>
+              <a:cxn ang="0">
+                <a:pos x="connsiteX19" y="connsiteY19"/>
+              </a:cxn>
+              <a:cxn ang="0">
+                <a:pos x="connsiteX20" y="connsiteY20"/>
+              </a:cxn>
+              <a:cxn ang="0">
+                <a:pos x="connsiteX21" y="connsiteY21"/>
+              </a:cxn>
+              <a:cxn ang="0">
+                <a:pos x="connsiteX22" y="connsiteY22"/>
+              </a:cxn>
+              <a:cxn ang="0">
+                <a:pos x="connsiteX23" y="connsiteY23"/>
+              </a:cxn>
+            </a:cxnLst>
+            <a:rect l="l" t="t" r="r" b="b"/>
+            <a:pathLst>
+              <a:path w="3062796" h="88990">
+                <a:moveTo>
+                  <a:pt x="0" y="26757"/>
+                </a:moveTo>
+                <a:cubicBezTo>
+                  <a:pt x="35511" y="17879"/>
+                  <a:pt x="69946" y="1267"/>
+                  <a:pt x="106532" y="124"/>
+                </a:cubicBezTo>
+                <a:cubicBezTo>
+                  <a:pt x="165983" y="-1734"/>
+                  <a:pt x="284086" y="17880"/>
+                  <a:pt x="284086" y="17880"/>
+                </a:cubicBezTo>
+                <a:cubicBezTo>
+                  <a:pt x="393028" y="83246"/>
+                  <a:pt x="279093" y="26757"/>
+                  <a:pt x="523783" y="26757"/>
+                </a:cubicBezTo>
+                <a:cubicBezTo>
+                  <a:pt x="545326" y="26757"/>
+                  <a:pt x="565212" y="38594"/>
+                  <a:pt x="585926" y="44513"/>
+                </a:cubicBezTo>
+                <a:cubicBezTo>
+                  <a:pt x="615518" y="38594"/>
+                  <a:pt x="644591" y="28765"/>
+                  <a:pt x="674703" y="26757"/>
+                </a:cubicBezTo>
+                <a:cubicBezTo>
+                  <a:pt x="689759" y="25753"/>
+                  <a:pt x="704403" y="32179"/>
+                  <a:pt x="719091" y="35635"/>
+                </a:cubicBezTo>
+                <a:cubicBezTo>
+                  <a:pt x="754722" y="44019"/>
+                  <a:pt x="790112" y="53390"/>
+                  <a:pt x="825623" y="62268"/>
+                </a:cubicBezTo>
+                <a:cubicBezTo>
+                  <a:pt x="834500" y="56350"/>
+                  <a:pt x="902128" y="5980"/>
+                  <a:pt x="923278" y="9002"/>
+                </a:cubicBezTo>
+                <a:cubicBezTo>
+                  <a:pt x="933840" y="10511"/>
+                  <a:pt x="931706" y="30453"/>
+                  <a:pt x="941033" y="35635"/>
+                </a:cubicBezTo>
+                <a:cubicBezTo>
+                  <a:pt x="982349" y="58588"/>
+                  <a:pt x="1072830" y="59195"/>
+                  <a:pt x="1109709" y="62268"/>
+                </a:cubicBezTo>
+                <a:cubicBezTo>
+                  <a:pt x="1162975" y="56350"/>
+                  <a:pt x="1215913" y="44513"/>
+                  <a:pt x="1269507" y="44513"/>
+                </a:cubicBezTo>
+                <a:cubicBezTo>
+                  <a:pt x="1323101" y="44513"/>
+                  <a:pt x="1375736" y="60645"/>
+                  <a:pt x="1429305" y="62268"/>
+                </a:cubicBezTo>
+                <a:cubicBezTo>
+                  <a:pt x="1473771" y="63615"/>
+                  <a:pt x="1518082" y="56349"/>
+                  <a:pt x="1562470" y="53390"/>
+                </a:cubicBezTo>
+                <a:cubicBezTo>
+                  <a:pt x="1589103" y="56349"/>
+                  <a:pt x="1616092" y="57013"/>
+                  <a:pt x="1642369" y="62268"/>
+                </a:cubicBezTo>
+                <a:cubicBezTo>
+                  <a:pt x="1675454" y="68885"/>
+                  <a:pt x="1706325" y="87216"/>
+                  <a:pt x="1740023" y="88901"/>
+                </a:cubicBezTo>
+                <a:cubicBezTo>
+                  <a:pt x="1767272" y="90263"/>
+                  <a:pt x="1793036" y="75781"/>
+                  <a:pt x="1819922" y="71146"/>
+                </a:cubicBezTo>
+                <a:cubicBezTo>
+                  <a:pt x="1878899" y="60978"/>
+                  <a:pt x="1938291" y="53391"/>
+                  <a:pt x="1997476" y="44513"/>
+                </a:cubicBezTo>
+                <a:cubicBezTo>
+                  <a:pt x="2277122" y="64486"/>
+                  <a:pt x="1935214" y="44513"/>
+                  <a:pt x="2370338" y="44513"/>
+                </a:cubicBezTo>
+                <a:cubicBezTo>
+                  <a:pt x="2391263" y="44513"/>
+                  <a:pt x="2411589" y="52229"/>
+                  <a:pt x="2432482" y="53390"/>
+                </a:cubicBezTo>
+                <a:cubicBezTo>
+                  <a:pt x="2518218" y="58153"/>
+                  <a:pt x="2604117" y="59309"/>
+                  <a:pt x="2689934" y="62268"/>
+                </a:cubicBezTo>
+                <a:cubicBezTo>
+                  <a:pt x="2713628" y="60952"/>
+                  <a:pt x="2878515" y="54736"/>
+                  <a:pt x="2929631" y="44513"/>
+                </a:cubicBezTo>
+                <a:cubicBezTo>
+                  <a:pt x="2962716" y="37896"/>
+                  <a:pt x="2994685" y="26574"/>
+                  <a:pt x="3027286" y="17880"/>
+                </a:cubicBezTo>
+                <a:cubicBezTo>
+                  <a:pt x="3039075" y="14736"/>
+                  <a:pt x="3050959" y="11961"/>
+                  <a:pt x="3062796" y="9002"/>
+                </a:cubicBezTo>
+              </a:path>
+            </a:pathLst>
+          </a:custGeom>
+          <a:noFill/>
+          <a:ln>
+            <a:solidFill>
+              <a:srgbClr val="FF0000"/>
+            </a:solidFill>
+          </a:ln>
+        </p:spPr>
+        <p:style>
+          <a:lnRef idx="2">
+            <a:schemeClr val="accent1">
+              <a:shade val="50000"/>
+            </a:schemeClr>
+          </a:lnRef>
+          <a:fillRef idx="1">
+            <a:schemeClr val="accent1"/>
+          </a:fillRef>
+          <a:effectRef idx="0">
+            <a:schemeClr val="accent1"/>
+          </a:effectRef>
+          <a:fontRef idx="minor">
+            <a:schemeClr val="lt1"/>
+          </a:fontRef>
+        </p:style>
+        <p:txBody>
+          <a:bodyPr rtlCol="0" anchor="ctr"/>
+          <a:lstStyle/>
+          <a:p>
+            <a:pPr algn="ctr"/>
+            <a:endParaRPr lang="en-GB"/>
+          </a:p>
+        </p:txBody>
+      </p:sp>
+    </p:spTree>
+    <p:extLst>
+      <p:ext uri="{BB962C8B-B14F-4D97-AF65-F5344CB8AC3E}">
+        <p14:creationId xmlns:p14="http://schemas.microsoft.com/office/powerpoint/2010/main" val="372156602"/>
+      </p:ext>
+    </p:extLst>
+  </p:cSld>
+  <p:clrMapOvr>
+    <a:masterClrMapping/>
+  </p:clrMapOvr>
+</p:sld>
+</file>
+
+<file path=ppt/slides/slide13.xml><?xml version="1.0" encoding="utf-8"?>
 <p:sld xmlns:a="http://schemas.openxmlformats.org/drawingml/2006/main" xmlns:r="http://schemas.openxmlformats.org/officeDocument/2006/relationships" xmlns:p="http://schemas.openxmlformats.org/presentationml/2006/main">
   <p:cSld>
     <p:spTree>
@@ -7984,7 +10294,7 @@
                   </a:solidFill>
                 </a:rPr>
                 <a:pPr algn="ctr"/>
-                <a:t>12</a:t>
+                <a:t>13</a:t>
               </a:fld>
               <a:endParaRPr lang="en-GB" sz="1600" b="1" dirty="0">
                 <a:solidFill>
@@ -8297,7 +10607,7 @@
                 <a:rPr lang="fr-FR" sz="1400" b="1" smtClean="0">
                   <a:latin typeface="+mj-lt"/>
                 </a:rPr>
-                <a:t>17/01/2022</a:t>
+                <a:t>18/01/2022</a:t>
               </a:fld>
               <a:endParaRPr lang="en-GB" sz="1600" b="1" cap="small" dirty="0">
                 <a:latin typeface="+mj-lt"/>
@@ -8338,7 +10648,7 @@
               <a:rPr lang="fr-FR" sz="2800" b="1" cap="small" dirty="0">
                 <a:latin typeface="+mj-lt"/>
               </a:rPr>
-              <a:t>Méthodes - </a:t>
+              <a:t>Méthodes – </a:t>
             </a:r>
             <a:r>
               <a:rPr lang="en-US" sz="2800" b="1" i="1" cap="small" dirty="0">
@@ -8822,6 +11132,284 @@
           </p:txBody>
         </p:sp>
       </p:grpSp>
+      <p:sp>
+        <p:nvSpPr>
+          <p:cNvPr id="5" name="Forme libre : forme 4">
+            <a:extLst>
+              <a:ext uri="{FF2B5EF4-FFF2-40B4-BE49-F238E27FC236}">
+                <a16:creationId xmlns:a16="http://schemas.microsoft.com/office/drawing/2014/main" id="{3392867A-EB7D-4591-B516-4A65CDA9B3E7}"/>
+              </a:ext>
+            </a:extLst>
+          </p:cNvPr>
+          <p:cNvSpPr/>
+          <p:nvPr/>
+        </p:nvSpPr>
+        <p:spPr>
+          <a:xfrm>
+            <a:off x="5903650" y="3746377"/>
+            <a:ext cx="1180731" cy="53809"/>
+          </a:xfrm>
+          <a:custGeom>
+            <a:avLst/>
+            <a:gdLst>
+              <a:gd name="connsiteX0" fmla="*/ 0 w 1180731"/>
+              <a:gd name="connsiteY0" fmla="*/ 26633 h 53809"/>
+              <a:gd name="connsiteX1" fmla="*/ 88777 w 1180731"/>
+              <a:gd name="connsiteY1" fmla="*/ 8877 h 53809"/>
+              <a:gd name="connsiteX2" fmla="*/ 124288 w 1180731"/>
+              <a:gd name="connsiteY2" fmla="*/ 53266 h 53809"/>
+              <a:gd name="connsiteX3" fmla="*/ 204187 w 1180731"/>
+              <a:gd name="connsiteY3" fmla="*/ 26633 h 53809"/>
+              <a:gd name="connsiteX4" fmla="*/ 292964 w 1180731"/>
+              <a:gd name="connsiteY4" fmla="*/ 26633 h 53809"/>
+              <a:gd name="connsiteX5" fmla="*/ 346230 w 1180731"/>
+              <a:gd name="connsiteY5" fmla="*/ 35510 h 53809"/>
+              <a:gd name="connsiteX6" fmla="*/ 399496 w 1180731"/>
+              <a:gd name="connsiteY6" fmla="*/ 26633 h 53809"/>
+              <a:gd name="connsiteX7" fmla="*/ 488272 w 1180731"/>
+              <a:gd name="connsiteY7" fmla="*/ 8877 h 53809"/>
+              <a:gd name="connsiteX8" fmla="*/ 541538 w 1180731"/>
+              <a:gd name="connsiteY8" fmla="*/ 35510 h 53809"/>
+              <a:gd name="connsiteX9" fmla="*/ 585927 w 1180731"/>
+              <a:gd name="connsiteY9" fmla="*/ 26633 h 53809"/>
+              <a:gd name="connsiteX10" fmla="*/ 612560 w 1180731"/>
+              <a:gd name="connsiteY10" fmla="*/ 44388 h 53809"/>
+              <a:gd name="connsiteX11" fmla="*/ 656948 w 1180731"/>
+              <a:gd name="connsiteY11" fmla="*/ 26633 h 53809"/>
+              <a:gd name="connsiteX12" fmla="*/ 692459 w 1180731"/>
+              <a:gd name="connsiteY12" fmla="*/ 35510 h 53809"/>
+              <a:gd name="connsiteX13" fmla="*/ 754602 w 1180731"/>
+              <a:gd name="connsiteY13" fmla="*/ 17755 h 53809"/>
+              <a:gd name="connsiteX14" fmla="*/ 790113 w 1180731"/>
+              <a:gd name="connsiteY14" fmla="*/ 8877 h 53809"/>
+              <a:gd name="connsiteX15" fmla="*/ 861134 w 1180731"/>
+              <a:gd name="connsiteY15" fmla="*/ 0 h 53809"/>
+              <a:gd name="connsiteX16" fmla="*/ 905523 w 1180731"/>
+              <a:gd name="connsiteY16" fmla="*/ 17755 h 53809"/>
+              <a:gd name="connsiteX17" fmla="*/ 958789 w 1180731"/>
+              <a:gd name="connsiteY17" fmla="*/ 8877 h 53809"/>
+              <a:gd name="connsiteX18" fmla="*/ 994300 w 1180731"/>
+              <a:gd name="connsiteY18" fmla="*/ 35510 h 53809"/>
+              <a:gd name="connsiteX19" fmla="*/ 1074199 w 1180731"/>
+              <a:gd name="connsiteY19" fmla="*/ 26633 h 53809"/>
+              <a:gd name="connsiteX20" fmla="*/ 1162975 w 1180731"/>
+              <a:gd name="connsiteY20" fmla="*/ 8877 h 53809"/>
+              <a:gd name="connsiteX21" fmla="*/ 1180731 w 1180731"/>
+              <a:gd name="connsiteY21" fmla="*/ 44388 h 53809"/>
+            </a:gdLst>
+            <a:ahLst/>
+            <a:cxnLst>
+              <a:cxn ang="0">
+                <a:pos x="connsiteX0" y="connsiteY0"/>
+              </a:cxn>
+              <a:cxn ang="0">
+                <a:pos x="connsiteX1" y="connsiteY1"/>
+              </a:cxn>
+              <a:cxn ang="0">
+                <a:pos x="connsiteX2" y="connsiteY2"/>
+              </a:cxn>
+              <a:cxn ang="0">
+                <a:pos x="connsiteX3" y="connsiteY3"/>
+              </a:cxn>
+              <a:cxn ang="0">
+                <a:pos x="connsiteX4" y="connsiteY4"/>
+              </a:cxn>
+              <a:cxn ang="0">
+                <a:pos x="connsiteX5" y="connsiteY5"/>
+              </a:cxn>
+              <a:cxn ang="0">
+                <a:pos x="connsiteX6" y="connsiteY6"/>
+              </a:cxn>
+              <a:cxn ang="0">
+                <a:pos x="connsiteX7" y="connsiteY7"/>
+              </a:cxn>
+              <a:cxn ang="0">
+                <a:pos x="connsiteX8" y="connsiteY8"/>
+              </a:cxn>
+              <a:cxn ang="0">
+                <a:pos x="connsiteX9" y="connsiteY9"/>
+              </a:cxn>
+              <a:cxn ang="0">
+                <a:pos x="connsiteX10" y="connsiteY10"/>
+              </a:cxn>
+              <a:cxn ang="0">
+                <a:pos x="connsiteX11" y="connsiteY11"/>
+              </a:cxn>
+              <a:cxn ang="0">
+                <a:pos x="connsiteX12" y="connsiteY12"/>
+              </a:cxn>
+              <a:cxn ang="0">
+                <a:pos x="connsiteX13" y="connsiteY13"/>
+              </a:cxn>
+              <a:cxn ang="0">
+                <a:pos x="connsiteX14" y="connsiteY14"/>
+              </a:cxn>
+              <a:cxn ang="0">
+                <a:pos x="connsiteX15" y="connsiteY15"/>
+              </a:cxn>
+              <a:cxn ang="0">
+                <a:pos x="connsiteX16" y="connsiteY16"/>
+              </a:cxn>
+              <a:cxn ang="0">
+                <a:pos x="connsiteX17" y="connsiteY17"/>
+              </a:cxn>
+              <a:cxn ang="0">
+                <a:pos x="connsiteX18" y="connsiteY18"/>
+              </a:cxn>
+              <a:cxn ang="0">
+                <a:pos x="connsiteX19" y="connsiteY19"/>
+              </a:cxn>
+              <a:cxn ang="0">
+                <a:pos x="connsiteX20" y="connsiteY20"/>
+              </a:cxn>
+              <a:cxn ang="0">
+                <a:pos x="connsiteX21" y="connsiteY21"/>
+              </a:cxn>
+            </a:cxnLst>
+            <a:rect l="l" t="t" r="r" b="b"/>
+            <a:pathLst>
+              <a:path w="1180731" h="53809">
+                <a:moveTo>
+                  <a:pt x="0" y="26633"/>
+                </a:moveTo>
+                <a:cubicBezTo>
+                  <a:pt x="29592" y="20714"/>
+                  <a:pt x="59268" y="2554"/>
+                  <a:pt x="88777" y="8877"/>
+                </a:cubicBezTo>
+                <a:cubicBezTo>
+                  <a:pt x="107305" y="12847"/>
+                  <a:pt x="105560" y="50385"/>
+                  <a:pt x="124288" y="53266"/>
+                </a:cubicBezTo>
+                <a:cubicBezTo>
+                  <a:pt x="152035" y="57535"/>
+                  <a:pt x="177554" y="35511"/>
+                  <a:pt x="204187" y="26633"/>
+                </a:cubicBezTo>
+                <a:cubicBezTo>
+                  <a:pt x="264357" y="46688"/>
+                  <a:pt x="190953" y="26633"/>
+                  <a:pt x="292964" y="26633"/>
+                </a:cubicBezTo>
+                <a:cubicBezTo>
+                  <a:pt x="310964" y="26633"/>
+                  <a:pt x="328475" y="32551"/>
+                  <a:pt x="346230" y="35510"/>
+                </a:cubicBezTo>
+                <a:cubicBezTo>
+                  <a:pt x="363985" y="32551"/>
+                  <a:pt x="381804" y="29950"/>
+                  <a:pt x="399496" y="26633"/>
+                </a:cubicBezTo>
+                <a:cubicBezTo>
+                  <a:pt x="429157" y="21071"/>
+                  <a:pt x="458153" y="6995"/>
+                  <a:pt x="488272" y="8877"/>
+                </a:cubicBezTo>
+                <a:cubicBezTo>
+                  <a:pt x="508084" y="10115"/>
+                  <a:pt x="523783" y="26632"/>
+                  <a:pt x="541538" y="35510"/>
+                </a:cubicBezTo>
+                <a:cubicBezTo>
+                  <a:pt x="556334" y="32551"/>
+                  <a:pt x="570954" y="24761"/>
+                  <a:pt x="585927" y="26633"/>
+                </a:cubicBezTo>
+                <a:cubicBezTo>
+                  <a:pt x="596514" y="27956"/>
+                  <a:pt x="601890" y="44388"/>
+                  <a:pt x="612560" y="44388"/>
+                </a:cubicBezTo>
+                <a:cubicBezTo>
+                  <a:pt x="628496" y="44388"/>
+                  <a:pt x="642152" y="32551"/>
+                  <a:pt x="656948" y="26633"/>
+                </a:cubicBezTo>
+                <a:cubicBezTo>
+                  <a:pt x="668785" y="29592"/>
+                  <a:pt x="680308" y="36615"/>
+                  <a:pt x="692459" y="35510"/>
+                </a:cubicBezTo>
+                <a:cubicBezTo>
+                  <a:pt x="713914" y="33559"/>
+                  <a:pt x="733818" y="23423"/>
+                  <a:pt x="754602" y="17755"/>
+                </a:cubicBezTo>
+                <a:cubicBezTo>
+                  <a:pt x="766373" y="14545"/>
+                  <a:pt x="778078" y="10883"/>
+                  <a:pt x="790113" y="8877"/>
+                </a:cubicBezTo>
+                <a:cubicBezTo>
+                  <a:pt x="813646" y="4955"/>
+                  <a:pt x="837460" y="2959"/>
+                  <a:pt x="861134" y="0"/>
+                </a:cubicBezTo>
+                <a:cubicBezTo>
+                  <a:pt x="875930" y="5918"/>
+                  <a:pt x="889652" y="16312"/>
+                  <a:pt x="905523" y="17755"/>
+                </a:cubicBezTo>
+                <a:cubicBezTo>
+                  <a:pt x="923449" y="19385"/>
+                  <a:pt x="941138" y="5347"/>
+                  <a:pt x="958789" y="8877"/>
+                </a:cubicBezTo>
+                <a:cubicBezTo>
+                  <a:pt x="973298" y="11779"/>
+                  <a:pt x="982463" y="26632"/>
+                  <a:pt x="994300" y="35510"/>
+                </a:cubicBezTo>
+                <a:cubicBezTo>
+                  <a:pt x="1105389" y="-31144"/>
+                  <a:pt x="980800" y="26633"/>
+                  <a:pt x="1074199" y="26633"/>
+                </a:cubicBezTo>
+                <a:cubicBezTo>
+                  <a:pt x="1104377" y="26633"/>
+                  <a:pt x="1162975" y="8877"/>
+                  <a:pt x="1162975" y="8877"/>
+                </a:cubicBezTo>
+                <a:lnTo>
+                  <a:pt x="1180731" y="44388"/>
+                </a:lnTo>
+              </a:path>
+            </a:pathLst>
+          </a:custGeom>
+          <a:noFill/>
+          <a:ln>
+            <a:solidFill>
+              <a:srgbClr val="FF0000"/>
+            </a:solidFill>
+          </a:ln>
+        </p:spPr>
+        <p:style>
+          <a:lnRef idx="2">
+            <a:schemeClr val="accent1">
+              <a:shade val="50000"/>
+            </a:schemeClr>
+          </a:lnRef>
+          <a:fillRef idx="1">
+            <a:schemeClr val="accent1"/>
+          </a:fillRef>
+          <a:effectRef idx="0">
+            <a:schemeClr val="accent1"/>
+          </a:effectRef>
+          <a:fontRef idx="minor">
+            <a:schemeClr val="lt1"/>
+          </a:fontRef>
+        </p:style>
+        <p:txBody>
+          <a:bodyPr rtlCol="0" anchor="ctr"/>
+          <a:lstStyle/>
+          <a:p>
+            <a:pPr algn="ctr"/>
+            <a:endParaRPr lang="en-GB"/>
+          </a:p>
+        </p:txBody>
+      </p:sp>
     </p:spTree>
     <p:extLst>
       <p:ext uri="{BB962C8B-B14F-4D97-AF65-F5344CB8AC3E}">
@@ -8835,7 +11423,7 @@
 </p:sld>
 </file>
 
-<file path=ppt/slides/slide13.xml><?xml version="1.0" encoding="utf-8"?>
+<file path=ppt/slides/slide14.xml><?xml version="1.0" encoding="utf-8"?>
 <p:sld xmlns:a="http://schemas.openxmlformats.org/drawingml/2006/main" xmlns:r="http://schemas.openxmlformats.org/officeDocument/2006/relationships" xmlns:p="http://schemas.openxmlformats.org/presentationml/2006/main">
   <p:cSld>
     <p:spTree>
@@ -9222,7 +11810,7 @@
                   </a:solidFill>
                 </a:rPr>
                 <a:pPr algn="ctr"/>
-                <a:t>13</a:t>
+                <a:t>14</a:t>
               </a:fld>
               <a:endParaRPr lang="en-GB" sz="1600" b="1" dirty="0">
                 <a:solidFill>
@@ -9551,7 +12139,7 @@
                 <a:rPr lang="fr-FR" sz="1400" b="1" smtClean="0">
                   <a:latin typeface="+mj-lt"/>
                 </a:rPr>
-                <a:t>17/01/2022</a:t>
+                <a:t>18/01/2022</a:t>
               </a:fld>
               <a:endParaRPr lang="en-GB" sz="1600" b="1" cap="small" dirty="0">
                 <a:latin typeface="+mj-lt"/>
@@ -10163,7 +12751,7 @@
 </p:sld>
 </file>
 
-<file path=ppt/slides/slide14.xml><?xml version="1.0" encoding="utf-8"?>
+<file path=ppt/slides/slide15.xml><?xml version="1.0" encoding="utf-8"?>
 <p:sld xmlns:a="http://schemas.openxmlformats.org/drawingml/2006/main" xmlns:r="http://schemas.openxmlformats.org/officeDocument/2006/relationships" xmlns:p="http://schemas.openxmlformats.org/presentationml/2006/main">
   <p:cSld>
     <p:spTree>
@@ -10426,7 +13014,7 @@
                 <a:rPr lang="fr-FR" sz="1400" b="1" smtClean="0">
                   <a:latin typeface="+mj-lt"/>
                 </a:rPr>
-                <a:t>17/01/2022</a:t>
+                <a:t>18/01/2022</a:t>
               </a:fld>
               <a:endParaRPr lang="en-GB" sz="1600" b="1" cap="small" dirty="0">
                 <a:latin typeface="+mj-lt"/>
@@ -10753,7 +13341,7 @@
                   </a:solidFill>
                 </a:rPr>
                 <a:pPr algn="ctr"/>
-                <a:t>14</a:t>
+                <a:t>15</a:t>
               </a:fld>
               <a:endParaRPr lang="en-GB" sz="1600" b="1" dirty="0">
                 <a:solidFill>
@@ -11098,17 +13686,21 @@
             <a:p>
               <a:pPr algn="ctr"/>
               <a:r>
-                <a:rPr lang="fr-FR" sz="2000" b="1" cap="small" dirty="0">
+                <a:rPr lang="fr-FR" sz="2000" cap="small" dirty="0">
                   <a:solidFill>
-                    <a:schemeClr val="bg1"/>
+                    <a:schemeClr val="bg2">
+                      <a:lumMod val="90000"/>
+                    </a:schemeClr>
                   </a:solidFill>
                   <a:latin typeface="+mj-lt"/>
                 </a:rPr>
                 <a:t>Démarche</a:t>
               </a:r>
-              <a:endParaRPr lang="en-GB" sz="2000" b="1" cap="small" dirty="0">
+              <a:endParaRPr lang="en-GB" sz="2000" cap="small" dirty="0">
                 <a:solidFill>
-                  <a:schemeClr val="bg1"/>
+                  <a:schemeClr val="bg2">
+                    <a:lumMod val="90000"/>
+                  </a:schemeClr>
                 </a:solidFill>
                 <a:latin typeface="+mj-lt"/>
               </a:endParaRPr>
@@ -11443,7 +14035,7 @@
                 <a:rPr lang="fr-FR" sz="1400" b="1" smtClean="0">
                   <a:latin typeface="+mj-lt"/>
                 </a:rPr>
-                <a:t>17/01/2022</a:t>
+                <a:t>18/01/2022</a:t>
               </a:fld>
               <a:endParaRPr lang="en-GB" sz="1600" b="1" cap="small" dirty="0">
                 <a:latin typeface="+mj-lt"/>
@@ -12536,6 +15128,484 @@
           </p:txBody>
         </p:sp>
       </p:grpSp>
+      <p:sp>
+        <p:nvSpPr>
+          <p:cNvPr id="5" name="Forme libre : forme 4">
+            <a:extLst>
+              <a:ext uri="{FF2B5EF4-FFF2-40B4-BE49-F238E27FC236}">
+                <a16:creationId xmlns:a16="http://schemas.microsoft.com/office/drawing/2014/main" id="{1F4AE3B2-8083-44B2-A401-F2EE8EAE5731}"/>
+              </a:ext>
+            </a:extLst>
+          </p:cNvPr>
+          <p:cNvSpPr/>
+          <p:nvPr/>
+        </p:nvSpPr>
+        <p:spPr>
+          <a:xfrm>
+            <a:off x="7253056" y="4925459"/>
+            <a:ext cx="1757779" cy="72669"/>
+          </a:xfrm>
+          <a:custGeom>
+            <a:avLst/>
+            <a:gdLst>
+              <a:gd name="connsiteX0" fmla="*/ 0 w 1757779"/>
+              <a:gd name="connsiteY0" fmla="*/ 28281 h 72669"/>
+              <a:gd name="connsiteX1" fmla="*/ 106532 w 1757779"/>
+              <a:gd name="connsiteY1" fmla="*/ 19403 h 72669"/>
+              <a:gd name="connsiteX2" fmla="*/ 177554 w 1757779"/>
+              <a:gd name="connsiteY2" fmla="*/ 46036 h 72669"/>
+              <a:gd name="connsiteX3" fmla="*/ 204187 w 1757779"/>
+              <a:gd name="connsiteY3" fmla="*/ 54914 h 72669"/>
+              <a:gd name="connsiteX4" fmla="*/ 301841 w 1757779"/>
+              <a:gd name="connsiteY4" fmla="*/ 46036 h 72669"/>
+              <a:gd name="connsiteX5" fmla="*/ 381740 w 1757779"/>
+              <a:gd name="connsiteY5" fmla="*/ 28281 h 72669"/>
+              <a:gd name="connsiteX6" fmla="*/ 426128 w 1757779"/>
+              <a:gd name="connsiteY6" fmla="*/ 46036 h 72669"/>
+              <a:gd name="connsiteX7" fmla="*/ 452761 w 1757779"/>
+              <a:gd name="connsiteY7" fmla="*/ 37158 h 72669"/>
+              <a:gd name="connsiteX8" fmla="*/ 497150 w 1757779"/>
+              <a:gd name="connsiteY8" fmla="*/ 19403 h 72669"/>
+              <a:gd name="connsiteX9" fmla="*/ 523783 w 1757779"/>
+              <a:gd name="connsiteY9" fmla="*/ 37158 h 72669"/>
+              <a:gd name="connsiteX10" fmla="*/ 568171 w 1757779"/>
+              <a:gd name="connsiteY10" fmla="*/ 72669 h 72669"/>
+              <a:gd name="connsiteX11" fmla="*/ 594804 w 1757779"/>
+              <a:gd name="connsiteY11" fmla="*/ 63791 h 72669"/>
+              <a:gd name="connsiteX12" fmla="*/ 781235 w 1757779"/>
+              <a:gd name="connsiteY12" fmla="*/ 46036 h 72669"/>
+              <a:gd name="connsiteX13" fmla="*/ 994299 w 1757779"/>
+              <a:gd name="connsiteY13" fmla="*/ 10525 h 72669"/>
+              <a:gd name="connsiteX14" fmla="*/ 1100831 w 1757779"/>
+              <a:gd name="connsiteY14" fmla="*/ 1648 h 72669"/>
+              <a:gd name="connsiteX15" fmla="*/ 1136342 w 1757779"/>
+              <a:gd name="connsiteY15" fmla="*/ 28281 h 72669"/>
+              <a:gd name="connsiteX16" fmla="*/ 1171853 w 1757779"/>
+              <a:gd name="connsiteY16" fmla="*/ 37158 h 72669"/>
+              <a:gd name="connsiteX17" fmla="*/ 1216241 w 1757779"/>
+              <a:gd name="connsiteY17" fmla="*/ 19403 h 72669"/>
+              <a:gd name="connsiteX18" fmla="*/ 1420427 w 1757779"/>
+              <a:gd name="connsiteY18" fmla="*/ 1648 h 72669"/>
+              <a:gd name="connsiteX19" fmla="*/ 1544715 w 1757779"/>
+              <a:gd name="connsiteY19" fmla="*/ 10525 h 72669"/>
+              <a:gd name="connsiteX20" fmla="*/ 1704513 w 1757779"/>
+              <a:gd name="connsiteY20" fmla="*/ 46036 h 72669"/>
+              <a:gd name="connsiteX21" fmla="*/ 1757779 w 1757779"/>
+              <a:gd name="connsiteY21" fmla="*/ 19403 h 72669"/>
+            </a:gdLst>
+            <a:ahLst/>
+            <a:cxnLst>
+              <a:cxn ang="0">
+                <a:pos x="connsiteX0" y="connsiteY0"/>
+              </a:cxn>
+              <a:cxn ang="0">
+                <a:pos x="connsiteX1" y="connsiteY1"/>
+              </a:cxn>
+              <a:cxn ang="0">
+                <a:pos x="connsiteX2" y="connsiteY2"/>
+              </a:cxn>
+              <a:cxn ang="0">
+                <a:pos x="connsiteX3" y="connsiteY3"/>
+              </a:cxn>
+              <a:cxn ang="0">
+                <a:pos x="connsiteX4" y="connsiteY4"/>
+              </a:cxn>
+              <a:cxn ang="0">
+                <a:pos x="connsiteX5" y="connsiteY5"/>
+              </a:cxn>
+              <a:cxn ang="0">
+                <a:pos x="connsiteX6" y="connsiteY6"/>
+              </a:cxn>
+              <a:cxn ang="0">
+                <a:pos x="connsiteX7" y="connsiteY7"/>
+              </a:cxn>
+              <a:cxn ang="0">
+                <a:pos x="connsiteX8" y="connsiteY8"/>
+              </a:cxn>
+              <a:cxn ang="0">
+                <a:pos x="connsiteX9" y="connsiteY9"/>
+              </a:cxn>
+              <a:cxn ang="0">
+                <a:pos x="connsiteX10" y="connsiteY10"/>
+              </a:cxn>
+              <a:cxn ang="0">
+                <a:pos x="connsiteX11" y="connsiteY11"/>
+              </a:cxn>
+              <a:cxn ang="0">
+                <a:pos x="connsiteX12" y="connsiteY12"/>
+              </a:cxn>
+              <a:cxn ang="0">
+                <a:pos x="connsiteX13" y="connsiteY13"/>
+              </a:cxn>
+              <a:cxn ang="0">
+                <a:pos x="connsiteX14" y="connsiteY14"/>
+              </a:cxn>
+              <a:cxn ang="0">
+                <a:pos x="connsiteX15" y="connsiteY15"/>
+              </a:cxn>
+              <a:cxn ang="0">
+                <a:pos x="connsiteX16" y="connsiteY16"/>
+              </a:cxn>
+              <a:cxn ang="0">
+                <a:pos x="connsiteX17" y="connsiteY17"/>
+              </a:cxn>
+              <a:cxn ang="0">
+                <a:pos x="connsiteX18" y="connsiteY18"/>
+              </a:cxn>
+              <a:cxn ang="0">
+                <a:pos x="connsiteX19" y="connsiteY19"/>
+              </a:cxn>
+              <a:cxn ang="0">
+                <a:pos x="connsiteX20" y="connsiteY20"/>
+              </a:cxn>
+              <a:cxn ang="0">
+                <a:pos x="connsiteX21" y="connsiteY21"/>
+              </a:cxn>
+            </a:cxnLst>
+            <a:rect l="l" t="t" r="r" b="b"/>
+            <a:pathLst>
+              <a:path w="1757779" h="72669">
+                <a:moveTo>
+                  <a:pt x="0" y="28281"/>
+                </a:moveTo>
+                <a:cubicBezTo>
+                  <a:pt x="35511" y="25322"/>
+                  <a:pt x="70898" y="19403"/>
+                  <a:pt x="106532" y="19403"/>
+                </a:cubicBezTo>
+                <a:cubicBezTo>
+                  <a:pt x="133809" y="19403"/>
+                  <a:pt x="153986" y="35936"/>
+                  <a:pt x="177554" y="46036"/>
+                </a:cubicBezTo>
+                <a:cubicBezTo>
+                  <a:pt x="186155" y="49722"/>
+                  <a:pt x="195309" y="51955"/>
+                  <a:pt x="204187" y="54914"/>
+                </a:cubicBezTo>
+                <a:cubicBezTo>
+                  <a:pt x="284286" y="34888"/>
+                  <a:pt x="252058" y="29441"/>
+                  <a:pt x="301841" y="46036"/>
+                </a:cubicBezTo>
+                <a:cubicBezTo>
+                  <a:pt x="325825" y="38041"/>
+                  <a:pt x="357185" y="26049"/>
+                  <a:pt x="381740" y="28281"/>
+                </a:cubicBezTo>
+                <a:cubicBezTo>
+                  <a:pt x="397610" y="29724"/>
+                  <a:pt x="411332" y="40118"/>
+                  <a:pt x="426128" y="46036"/>
+                </a:cubicBezTo>
+                <a:cubicBezTo>
+                  <a:pt x="435006" y="43077"/>
+                  <a:pt x="443999" y="40444"/>
+                  <a:pt x="452761" y="37158"/>
+                </a:cubicBezTo>
+                <a:cubicBezTo>
+                  <a:pt x="467682" y="31563"/>
+                  <a:pt x="481214" y="19403"/>
+                  <a:pt x="497150" y="19403"/>
+                </a:cubicBezTo>
+                <a:cubicBezTo>
+                  <a:pt x="507820" y="19403"/>
+                  <a:pt x="515247" y="30756"/>
+                  <a:pt x="523783" y="37158"/>
+                </a:cubicBezTo>
+                <a:cubicBezTo>
+                  <a:pt x="538942" y="48527"/>
+                  <a:pt x="553375" y="60832"/>
+                  <a:pt x="568171" y="72669"/>
+                </a:cubicBezTo>
+                <a:cubicBezTo>
+                  <a:pt x="577049" y="69710"/>
+                  <a:pt x="585669" y="65821"/>
+                  <a:pt x="594804" y="63791"/>
+                </a:cubicBezTo>
+                <a:cubicBezTo>
+                  <a:pt x="657249" y="49915"/>
+                  <a:pt x="715875" y="50393"/>
+                  <a:pt x="781235" y="46036"/>
+                </a:cubicBezTo>
+                <a:cubicBezTo>
+                  <a:pt x="964503" y="-2192"/>
+                  <a:pt x="892900" y="-9753"/>
+                  <a:pt x="994299" y="10525"/>
+                </a:cubicBezTo>
+                <a:cubicBezTo>
+                  <a:pt x="1029810" y="7566"/>
+                  <a:pt x="1065472" y="-2772"/>
+                  <a:pt x="1100831" y="1648"/>
+                </a:cubicBezTo>
+                <a:cubicBezTo>
+                  <a:pt x="1115513" y="3483"/>
+                  <a:pt x="1123108" y="21664"/>
+                  <a:pt x="1136342" y="28281"/>
+                </a:cubicBezTo>
+                <a:cubicBezTo>
+                  <a:pt x="1147255" y="33737"/>
+                  <a:pt x="1160016" y="34199"/>
+                  <a:pt x="1171853" y="37158"/>
+                </a:cubicBezTo>
+                <a:cubicBezTo>
+                  <a:pt x="1186649" y="31240"/>
+                  <a:pt x="1200465" y="21657"/>
+                  <a:pt x="1216241" y="19403"/>
+                </a:cubicBezTo>
+                <a:cubicBezTo>
+                  <a:pt x="1283873" y="9741"/>
+                  <a:pt x="1420427" y="1648"/>
+                  <a:pt x="1420427" y="1648"/>
+                </a:cubicBezTo>
+                <a:cubicBezTo>
+                  <a:pt x="1552274" y="67570"/>
+                  <a:pt x="1384671" y="-1786"/>
+                  <a:pt x="1544715" y="10525"/>
+                </a:cubicBezTo>
+                <a:cubicBezTo>
+                  <a:pt x="1599120" y="14710"/>
+                  <a:pt x="1651247" y="34199"/>
+                  <a:pt x="1704513" y="46036"/>
+                </a:cubicBezTo>
+                <a:lnTo>
+                  <a:pt x="1757779" y="19403"/>
+                </a:lnTo>
+              </a:path>
+            </a:pathLst>
+          </a:custGeom>
+          <a:noFill/>
+          <a:ln>
+            <a:solidFill>
+              <a:srgbClr val="FF0000"/>
+            </a:solidFill>
+          </a:ln>
+        </p:spPr>
+        <p:style>
+          <a:lnRef idx="2">
+            <a:schemeClr val="accent1">
+              <a:shade val="50000"/>
+            </a:schemeClr>
+          </a:lnRef>
+          <a:fillRef idx="1">
+            <a:schemeClr val="accent1"/>
+          </a:fillRef>
+          <a:effectRef idx="0">
+            <a:schemeClr val="accent1"/>
+          </a:effectRef>
+          <a:fontRef idx="minor">
+            <a:schemeClr val="lt1"/>
+          </a:fontRef>
+        </p:style>
+        <p:txBody>
+          <a:bodyPr rtlCol="0" anchor="ctr"/>
+          <a:lstStyle/>
+          <a:p>
+            <a:pPr algn="ctr"/>
+            <a:endParaRPr lang="en-GB"/>
+          </a:p>
+        </p:txBody>
+      </p:sp>
+      <p:sp>
+        <p:nvSpPr>
+          <p:cNvPr id="4" name="Forme libre : forme 3">
+            <a:extLst>
+              <a:ext uri="{FF2B5EF4-FFF2-40B4-BE49-F238E27FC236}">
+                <a16:creationId xmlns:a16="http://schemas.microsoft.com/office/drawing/2014/main" id="{9F7953DC-DDA6-4EAD-A060-13CCC3943249}"/>
+              </a:ext>
+            </a:extLst>
+          </p:cNvPr>
+          <p:cNvSpPr/>
+          <p:nvPr/>
+        </p:nvSpPr>
+        <p:spPr>
+          <a:xfrm>
+            <a:off x="4563122" y="1428888"/>
+            <a:ext cx="781235" cy="46014"/>
+          </a:xfrm>
+          <a:custGeom>
+            <a:avLst/>
+            <a:gdLst>
+              <a:gd name="connsiteX0" fmla="*/ 0 w 781235"/>
+              <a:gd name="connsiteY0" fmla="*/ 35928 h 46014"/>
+              <a:gd name="connsiteX1" fmla="*/ 88777 w 781235"/>
+              <a:gd name="connsiteY1" fmla="*/ 417 h 46014"/>
+              <a:gd name="connsiteX2" fmla="*/ 124288 w 781235"/>
+              <a:gd name="connsiteY2" fmla="*/ 18172 h 46014"/>
+              <a:gd name="connsiteX3" fmla="*/ 177554 w 781235"/>
+              <a:gd name="connsiteY3" fmla="*/ 9295 h 46014"/>
+              <a:gd name="connsiteX4" fmla="*/ 213064 w 781235"/>
+              <a:gd name="connsiteY4" fmla="*/ 27050 h 46014"/>
+              <a:gd name="connsiteX5" fmla="*/ 239697 w 781235"/>
+              <a:gd name="connsiteY5" fmla="*/ 35928 h 46014"/>
+              <a:gd name="connsiteX6" fmla="*/ 346229 w 781235"/>
+              <a:gd name="connsiteY6" fmla="*/ 18172 h 46014"/>
+              <a:gd name="connsiteX7" fmla="*/ 363985 w 781235"/>
+              <a:gd name="connsiteY7" fmla="*/ 44805 h 46014"/>
+              <a:gd name="connsiteX8" fmla="*/ 417251 w 781235"/>
+              <a:gd name="connsiteY8" fmla="*/ 35928 h 46014"/>
+              <a:gd name="connsiteX9" fmla="*/ 461639 w 781235"/>
+              <a:gd name="connsiteY9" fmla="*/ 18172 h 46014"/>
+              <a:gd name="connsiteX10" fmla="*/ 488272 w 781235"/>
+              <a:gd name="connsiteY10" fmla="*/ 9295 h 46014"/>
+              <a:gd name="connsiteX11" fmla="*/ 568171 w 781235"/>
+              <a:gd name="connsiteY11" fmla="*/ 9295 h 46014"/>
+              <a:gd name="connsiteX12" fmla="*/ 692459 w 781235"/>
+              <a:gd name="connsiteY12" fmla="*/ 18172 h 46014"/>
+              <a:gd name="connsiteX13" fmla="*/ 781235 w 781235"/>
+              <a:gd name="connsiteY13" fmla="*/ 9295 h 46014"/>
+            </a:gdLst>
+            <a:ahLst/>
+            <a:cxnLst>
+              <a:cxn ang="0">
+                <a:pos x="connsiteX0" y="connsiteY0"/>
+              </a:cxn>
+              <a:cxn ang="0">
+                <a:pos x="connsiteX1" y="connsiteY1"/>
+              </a:cxn>
+              <a:cxn ang="0">
+                <a:pos x="connsiteX2" y="connsiteY2"/>
+              </a:cxn>
+              <a:cxn ang="0">
+                <a:pos x="connsiteX3" y="connsiteY3"/>
+              </a:cxn>
+              <a:cxn ang="0">
+                <a:pos x="connsiteX4" y="connsiteY4"/>
+              </a:cxn>
+              <a:cxn ang="0">
+                <a:pos x="connsiteX5" y="connsiteY5"/>
+              </a:cxn>
+              <a:cxn ang="0">
+                <a:pos x="connsiteX6" y="connsiteY6"/>
+              </a:cxn>
+              <a:cxn ang="0">
+                <a:pos x="connsiteX7" y="connsiteY7"/>
+              </a:cxn>
+              <a:cxn ang="0">
+                <a:pos x="connsiteX8" y="connsiteY8"/>
+              </a:cxn>
+              <a:cxn ang="0">
+                <a:pos x="connsiteX9" y="connsiteY9"/>
+              </a:cxn>
+              <a:cxn ang="0">
+                <a:pos x="connsiteX10" y="connsiteY10"/>
+              </a:cxn>
+              <a:cxn ang="0">
+                <a:pos x="connsiteX11" y="connsiteY11"/>
+              </a:cxn>
+              <a:cxn ang="0">
+                <a:pos x="connsiteX12" y="connsiteY12"/>
+              </a:cxn>
+              <a:cxn ang="0">
+                <a:pos x="connsiteX13" y="connsiteY13"/>
+              </a:cxn>
+            </a:cxnLst>
+            <a:rect l="l" t="t" r="r" b="b"/>
+            <a:pathLst>
+              <a:path w="781235" h="46014">
+                <a:moveTo>
+                  <a:pt x="0" y="35928"/>
+                </a:moveTo>
+                <a:cubicBezTo>
+                  <a:pt x="26654" y="19936"/>
+                  <a:pt x="54292" y="-3414"/>
+                  <a:pt x="88777" y="417"/>
+                </a:cubicBezTo>
+                <a:cubicBezTo>
+                  <a:pt x="101930" y="1878"/>
+                  <a:pt x="112451" y="12254"/>
+                  <a:pt x="124288" y="18172"/>
+                </a:cubicBezTo>
+                <a:cubicBezTo>
+                  <a:pt x="142043" y="15213"/>
+                  <a:pt x="159643" y="7504"/>
+                  <a:pt x="177554" y="9295"/>
+                </a:cubicBezTo>
+                <a:cubicBezTo>
+                  <a:pt x="190722" y="10612"/>
+                  <a:pt x="200900" y="21837"/>
+                  <a:pt x="213064" y="27050"/>
+                </a:cubicBezTo>
+                <a:cubicBezTo>
+                  <a:pt x="221665" y="30736"/>
+                  <a:pt x="230819" y="32969"/>
+                  <a:pt x="239697" y="35928"/>
+                </a:cubicBezTo>
+                <a:cubicBezTo>
+                  <a:pt x="328474" y="6336"/>
+                  <a:pt x="292963" y="418"/>
+                  <a:pt x="346229" y="18172"/>
+                </a:cubicBezTo>
+                <a:cubicBezTo>
+                  <a:pt x="352148" y="27050"/>
+                  <a:pt x="353634" y="42217"/>
+                  <a:pt x="363985" y="44805"/>
+                </a:cubicBezTo>
+                <a:cubicBezTo>
+                  <a:pt x="381448" y="49171"/>
+                  <a:pt x="399885" y="40664"/>
+                  <a:pt x="417251" y="35928"/>
+                </a:cubicBezTo>
+                <a:cubicBezTo>
+                  <a:pt x="432625" y="31735"/>
+                  <a:pt x="446718" y="23767"/>
+                  <a:pt x="461639" y="18172"/>
+                </a:cubicBezTo>
+                <a:cubicBezTo>
+                  <a:pt x="470401" y="14886"/>
+                  <a:pt x="479394" y="12254"/>
+                  <a:pt x="488272" y="9295"/>
+                </a:cubicBezTo>
+                <a:cubicBezTo>
+                  <a:pt x="574876" y="30944"/>
+                  <a:pt x="466736" y="9295"/>
+                  <a:pt x="568171" y="9295"/>
+                </a:cubicBezTo>
+                <a:cubicBezTo>
+                  <a:pt x="609706" y="9295"/>
+                  <a:pt x="651030" y="15213"/>
+                  <a:pt x="692459" y="18172"/>
+                </a:cubicBezTo>
+                <a:cubicBezTo>
+                  <a:pt x="773831" y="38516"/>
+                  <a:pt x="749944" y="56232"/>
+                  <a:pt x="781235" y="9295"/>
+                </a:cubicBezTo>
+              </a:path>
+            </a:pathLst>
+          </a:custGeom>
+          <a:noFill/>
+          <a:ln>
+            <a:solidFill>
+              <a:srgbClr val="FF0000"/>
+            </a:solidFill>
+          </a:ln>
+        </p:spPr>
+        <p:style>
+          <a:lnRef idx="2">
+            <a:schemeClr val="accent1">
+              <a:shade val="50000"/>
+            </a:schemeClr>
+          </a:lnRef>
+          <a:fillRef idx="1">
+            <a:schemeClr val="accent1"/>
+          </a:fillRef>
+          <a:effectRef idx="0">
+            <a:schemeClr val="accent1"/>
+          </a:effectRef>
+          <a:fontRef idx="minor">
+            <a:schemeClr val="lt1"/>
+          </a:fontRef>
+        </p:style>
+        <p:txBody>
+          <a:bodyPr rtlCol="0" anchor="ctr"/>
+          <a:lstStyle/>
+          <a:p>
+            <a:pPr algn="ctr"/>
+            <a:endParaRPr lang="en-GB"/>
+          </a:p>
+        </p:txBody>
+      </p:sp>
     </p:spTree>
     <p:extLst>
       <p:ext uri="{BB962C8B-B14F-4D97-AF65-F5344CB8AC3E}">
@@ -13364,7 +16434,7 @@
                 <a:rPr lang="fr-FR" sz="1400" b="1" smtClean="0">
                   <a:latin typeface="+mj-lt"/>
                 </a:rPr>
-                <a:t>17/01/2022</a:t>
+                <a:t>18/01/2022</a:t>
               </a:fld>
               <a:endParaRPr lang="en-GB" sz="1600" b="1" cap="small" dirty="0">
                 <a:latin typeface="+mj-lt"/>
@@ -14282,7 +17352,7 @@
                 <a:rPr lang="fr-FR" sz="1400" b="1" smtClean="0">
                   <a:latin typeface="+mj-lt"/>
                 </a:rPr>
-                <a:t>17/01/2022</a:t>
+                <a:t>18/01/2022</a:t>
               </a:fld>
               <a:endParaRPr lang="en-GB" sz="1600" b="1" cap="small" dirty="0">
                 <a:latin typeface="+mj-lt"/>
@@ -15334,7 +18404,7 @@
                 <a:rPr lang="fr-FR" sz="1400" b="1" smtClean="0">
                   <a:latin typeface="+mj-lt"/>
                 </a:rPr>
-                <a:t>17/01/2022</a:t>
+                <a:t>18/01/2022</a:t>
               </a:fld>
               <a:endParaRPr lang="en-GB" sz="1600" b="1" cap="small" dirty="0">
                 <a:latin typeface="+mj-lt"/>
@@ -18103,7 +21173,7 @@
                 <a:rPr lang="fr-FR" sz="1400" b="1" smtClean="0">
                   <a:latin typeface="+mj-lt"/>
                 </a:rPr>
-                <a:t>17/01/2022</a:t>
+                <a:t>18/01/2022</a:t>
               </a:fld>
               <a:endParaRPr lang="en-GB" sz="1600" b="1" cap="small" dirty="0">
                 <a:latin typeface="+mj-lt"/>
@@ -19216,7 +22286,7 @@
                 <a:rPr lang="fr-FR" sz="1400" b="1" smtClean="0">
                   <a:latin typeface="+mj-lt"/>
                 </a:rPr>
-                <a:t>17/01/2022</a:t>
+                <a:t>18/01/2022</a:t>
               </a:fld>
               <a:endParaRPr lang="en-GB" sz="1600" b="1" cap="small" dirty="0">
                 <a:latin typeface="+mj-lt"/>
@@ -19826,6 +22896,914 @@
           </p:txBody>
         </p:sp>
       </p:grpSp>
+      <p:sp>
+        <p:nvSpPr>
+          <p:cNvPr id="5" name="Forme libre : forme 4">
+            <a:extLst>
+              <a:ext uri="{FF2B5EF4-FFF2-40B4-BE49-F238E27FC236}">
+                <a16:creationId xmlns:a16="http://schemas.microsoft.com/office/drawing/2014/main" id="{CDE5FEAE-8C91-4B07-B9C6-504754124DBA}"/>
+              </a:ext>
+            </a:extLst>
+          </p:cNvPr>
+          <p:cNvSpPr/>
+          <p:nvPr/>
+        </p:nvSpPr>
+        <p:spPr>
+          <a:xfrm>
+            <a:off x="2370338" y="3897297"/>
+            <a:ext cx="7421732" cy="124287"/>
+          </a:xfrm>
+          <a:custGeom>
+            <a:avLst/>
+            <a:gdLst>
+              <a:gd name="connsiteX0" fmla="*/ 0 w 7421732"/>
+              <a:gd name="connsiteY0" fmla="*/ 17755 h 124287"/>
+              <a:gd name="connsiteX1" fmla="*/ 44388 w 7421732"/>
+              <a:gd name="connsiteY1" fmla="*/ 35511 h 124287"/>
+              <a:gd name="connsiteX2" fmla="*/ 133165 w 7421732"/>
+              <a:gd name="connsiteY2" fmla="*/ 17755 h 124287"/>
+              <a:gd name="connsiteX3" fmla="*/ 257452 w 7421732"/>
+              <a:gd name="connsiteY3" fmla="*/ 8878 h 124287"/>
+              <a:gd name="connsiteX4" fmla="*/ 275208 w 7421732"/>
+              <a:gd name="connsiteY4" fmla="*/ 44388 h 124287"/>
+              <a:gd name="connsiteX5" fmla="*/ 355107 w 7421732"/>
+              <a:gd name="connsiteY5" fmla="*/ 17755 h 124287"/>
+              <a:gd name="connsiteX6" fmla="*/ 514905 w 7421732"/>
+              <a:gd name="connsiteY6" fmla="*/ 17755 h 124287"/>
+              <a:gd name="connsiteX7" fmla="*/ 568171 w 7421732"/>
+              <a:gd name="connsiteY7" fmla="*/ 44388 h 124287"/>
+              <a:gd name="connsiteX8" fmla="*/ 754602 w 7421732"/>
+              <a:gd name="connsiteY8" fmla="*/ 26633 h 124287"/>
+              <a:gd name="connsiteX9" fmla="*/ 825623 w 7421732"/>
+              <a:gd name="connsiteY9" fmla="*/ 44388 h 124287"/>
+              <a:gd name="connsiteX10" fmla="*/ 941033 w 7421732"/>
+              <a:gd name="connsiteY10" fmla="*/ 35511 h 124287"/>
+              <a:gd name="connsiteX11" fmla="*/ 1136342 w 7421732"/>
+              <a:gd name="connsiteY11" fmla="*/ 79899 h 124287"/>
+              <a:gd name="connsiteX12" fmla="*/ 1162975 w 7421732"/>
+              <a:gd name="connsiteY12" fmla="*/ 26633 h 124287"/>
+              <a:gd name="connsiteX13" fmla="*/ 1233996 w 7421732"/>
+              <a:gd name="connsiteY13" fmla="*/ 106532 h 124287"/>
+              <a:gd name="connsiteX14" fmla="*/ 1305017 w 7421732"/>
+              <a:gd name="connsiteY14" fmla="*/ 79899 h 124287"/>
+              <a:gd name="connsiteX15" fmla="*/ 1367161 w 7421732"/>
+              <a:gd name="connsiteY15" fmla="*/ 88777 h 124287"/>
+              <a:gd name="connsiteX16" fmla="*/ 1447060 w 7421732"/>
+              <a:gd name="connsiteY16" fmla="*/ 62144 h 124287"/>
+              <a:gd name="connsiteX17" fmla="*/ 1491448 w 7421732"/>
+              <a:gd name="connsiteY17" fmla="*/ 44388 h 124287"/>
+              <a:gd name="connsiteX18" fmla="*/ 1509204 w 7421732"/>
+              <a:gd name="connsiteY18" fmla="*/ 71021 h 124287"/>
+              <a:gd name="connsiteX19" fmla="*/ 1677879 w 7421732"/>
+              <a:gd name="connsiteY19" fmla="*/ 44388 h 124287"/>
+              <a:gd name="connsiteX20" fmla="*/ 1713390 w 7421732"/>
+              <a:gd name="connsiteY20" fmla="*/ 71021 h 124287"/>
+              <a:gd name="connsiteX21" fmla="*/ 1775534 w 7421732"/>
+              <a:gd name="connsiteY21" fmla="*/ 79899 h 124287"/>
+              <a:gd name="connsiteX22" fmla="*/ 1828800 w 7421732"/>
+              <a:gd name="connsiteY22" fmla="*/ 62144 h 124287"/>
+              <a:gd name="connsiteX23" fmla="*/ 1873188 w 7421732"/>
+              <a:gd name="connsiteY23" fmla="*/ 71021 h 124287"/>
+              <a:gd name="connsiteX24" fmla="*/ 1935332 w 7421732"/>
+              <a:gd name="connsiteY24" fmla="*/ 62144 h 124287"/>
+              <a:gd name="connsiteX25" fmla="*/ 2148396 w 7421732"/>
+              <a:gd name="connsiteY25" fmla="*/ 0 h 124287"/>
+              <a:gd name="connsiteX26" fmla="*/ 2272683 w 7421732"/>
+              <a:gd name="connsiteY26" fmla="*/ 35511 h 124287"/>
+              <a:gd name="connsiteX27" fmla="*/ 2361460 w 7421732"/>
+              <a:gd name="connsiteY27" fmla="*/ 8878 h 124287"/>
+              <a:gd name="connsiteX28" fmla="*/ 2459114 w 7421732"/>
+              <a:gd name="connsiteY28" fmla="*/ 44388 h 124287"/>
+              <a:gd name="connsiteX29" fmla="*/ 2503503 w 7421732"/>
+              <a:gd name="connsiteY29" fmla="*/ 35511 h 124287"/>
+              <a:gd name="connsiteX30" fmla="*/ 2574524 w 7421732"/>
+              <a:gd name="connsiteY30" fmla="*/ 79899 h 124287"/>
+              <a:gd name="connsiteX31" fmla="*/ 2681056 w 7421732"/>
+              <a:gd name="connsiteY31" fmla="*/ 44388 h 124287"/>
+              <a:gd name="connsiteX32" fmla="*/ 2778711 w 7421732"/>
+              <a:gd name="connsiteY32" fmla="*/ 79899 h 124287"/>
+              <a:gd name="connsiteX33" fmla="*/ 2831977 w 7421732"/>
+              <a:gd name="connsiteY33" fmla="*/ 53266 h 124287"/>
+              <a:gd name="connsiteX34" fmla="*/ 2911876 w 7421732"/>
+              <a:gd name="connsiteY34" fmla="*/ 71021 h 124287"/>
+              <a:gd name="connsiteX35" fmla="*/ 2991775 w 7421732"/>
+              <a:gd name="connsiteY35" fmla="*/ 44388 h 124287"/>
+              <a:gd name="connsiteX36" fmla="*/ 3071674 w 7421732"/>
+              <a:gd name="connsiteY36" fmla="*/ 79899 h 124287"/>
+              <a:gd name="connsiteX37" fmla="*/ 3151573 w 7421732"/>
+              <a:gd name="connsiteY37" fmla="*/ 62144 h 124287"/>
+              <a:gd name="connsiteX38" fmla="*/ 3195961 w 7421732"/>
+              <a:gd name="connsiteY38" fmla="*/ 71021 h 124287"/>
+              <a:gd name="connsiteX39" fmla="*/ 3249227 w 7421732"/>
+              <a:gd name="connsiteY39" fmla="*/ 44388 h 124287"/>
+              <a:gd name="connsiteX40" fmla="*/ 3293615 w 7421732"/>
+              <a:gd name="connsiteY40" fmla="*/ 35511 h 124287"/>
+              <a:gd name="connsiteX41" fmla="*/ 3462291 w 7421732"/>
+              <a:gd name="connsiteY41" fmla="*/ 17755 h 124287"/>
+              <a:gd name="connsiteX42" fmla="*/ 3559945 w 7421732"/>
+              <a:gd name="connsiteY42" fmla="*/ 35511 h 124287"/>
+              <a:gd name="connsiteX43" fmla="*/ 3657600 w 7421732"/>
+              <a:gd name="connsiteY43" fmla="*/ 0 h 124287"/>
+              <a:gd name="connsiteX44" fmla="*/ 3746377 w 7421732"/>
+              <a:gd name="connsiteY44" fmla="*/ 44388 h 124287"/>
+              <a:gd name="connsiteX45" fmla="*/ 3773010 w 7421732"/>
+              <a:gd name="connsiteY45" fmla="*/ 35511 h 124287"/>
+              <a:gd name="connsiteX46" fmla="*/ 3888419 w 7421732"/>
+              <a:gd name="connsiteY46" fmla="*/ 71021 h 124287"/>
+              <a:gd name="connsiteX47" fmla="*/ 3959441 w 7421732"/>
+              <a:gd name="connsiteY47" fmla="*/ 26633 h 124287"/>
+              <a:gd name="connsiteX48" fmla="*/ 3994951 w 7421732"/>
+              <a:gd name="connsiteY48" fmla="*/ 35511 h 124287"/>
+              <a:gd name="connsiteX49" fmla="*/ 4074850 w 7421732"/>
+              <a:gd name="connsiteY49" fmla="*/ 8878 h 124287"/>
+              <a:gd name="connsiteX50" fmla="*/ 4136994 w 7421732"/>
+              <a:gd name="connsiteY50" fmla="*/ 44388 h 124287"/>
+              <a:gd name="connsiteX51" fmla="*/ 4190260 w 7421732"/>
+              <a:gd name="connsiteY51" fmla="*/ 53266 h 124287"/>
+              <a:gd name="connsiteX52" fmla="*/ 4358936 w 7421732"/>
+              <a:gd name="connsiteY52" fmla="*/ 53266 h 124287"/>
+              <a:gd name="connsiteX53" fmla="*/ 4421079 w 7421732"/>
+              <a:gd name="connsiteY53" fmla="*/ 44388 h 124287"/>
+              <a:gd name="connsiteX54" fmla="*/ 4500979 w 7421732"/>
+              <a:gd name="connsiteY54" fmla="*/ 53266 h 124287"/>
+              <a:gd name="connsiteX55" fmla="*/ 4572000 w 7421732"/>
+              <a:gd name="connsiteY55" fmla="*/ 26633 h 124287"/>
+              <a:gd name="connsiteX56" fmla="*/ 4669654 w 7421732"/>
+              <a:gd name="connsiteY56" fmla="*/ 53266 h 124287"/>
+              <a:gd name="connsiteX57" fmla="*/ 4714043 w 7421732"/>
+              <a:gd name="connsiteY57" fmla="*/ 44388 h 124287"/>
+              <a:gd name="connsiteX58" fmla="*/ 4935984 w 7421732"/>
+              <a:gd name="connsiteY58" fmla="*/ 35511 h 124287"/>
+              <a:gd name="connsiteX59" fmla="*/ 4989250 w 7421732"/>
+              <a:gd name="connsiteY59" fmla="*/ 8878 h 124287"/>
+              <a:gd name="connsiteX60" fmla="*/ 5033639 w 7421732"/>
+              <a:gd name="connsiteY60" fmla="*/ 26633 h 124287"/>
+              <a:gd name="connsiteX61" fmla="*/ 5095782 w 7421732"/>
+              <a:gd name="connsiteY61" fmla="*/ 35511 h 124287"/>
+              <a:gd name="connsiteX62" fmla="*/ 5175681 w 7421732"/>
+              <a:gd name="connsiteY62" fmla="*/ 124287 h 124287"/>
+              <a:gd name="connsiteX63" fmla="*/ 5228947 w 7421732"/>
+              <a:gd name="connsiteY63" fmla="*/ 115410 h 124287"/>
+              <a:gd name="connsiteX64" fmla="*/ 5282213 w 7421732"/>
+              <a:gd name="connsiteY64" fmla="*/ 44388 h 124287"/>
+              <a:gd name="connsiteX65" fmla="*/ 5388745 w 7421732"/>
+              <a:gd name="connsiteY65" fmla="*/ 53266 h 124287"/>
+              <a:gd name="connsiteX66" fmla="*/ 5575177 w 7421732"/>
+              <a:gd name="connsiteY66" fmla="*/ 62144 h 124287"/>
+              <a:gd name="connsiteX67" fmla="*/ 5885895 w 7421732"/>
+              <a:gd name="connsiteY67" fmla="*/ 35511 h 124287"/>
+              <a:gd name="connsiteX68" fmla="*/ 5974672 w 7421732"/>
+              <a:gd name="connsiteY68" fmla="*/ 53266 h 124287"/>
+              <a:gd name="connsiteX69" fmla="*/ 6019060 w 7421732"/>
+              <a:gd name="connsiteY69" fmla="*/ 44388 h 124287"/>
+              <a:gd name="connsiteX70" fmla="*/ 6116714 w 7421732"/>
+              <a:gd name="connsiteY70" fmla="*/ 62144 h 124287"/>
+              <a:gd name="connsiteX71" fmla="*/ 6187736 w 7421732"/>
+              <a:gd name="connsiteY71" fmla="*/ 44388 h 124287"/>
+              <a:gd name="connsiteX72" fmla="*/ 6232124 w 7421732"/>
+              <a:gd name="connsiteY72" fmla="*/ 35511 h 124287"/>
+              <a:gd name="connsiteX73" fmla="*/ 6383045 w 7421732"/>
+              <a:gd name="connsiteY73" fmla="*/ 44388 h 124287"/>
+              <a:gd name="connsiteX74" fmla="*/ 6462944 w 7421732"/>
+              <a:gd name="connsiteY74" fmla="*/ 62144 h 124287"/>
+              <a:gd name="connsiteX75" fmla="*/ 6551720 w 7421732"/>
+              <a:gd name="connsiteY75" fmla="*/ 17755 h 124287"/>
+              <a:gd name="connsiteX76" fmla="*/ 6747029 w 7421732"/>
+              <a:gd name="connsiteY76" fmla="*/ 26633 h 124287"/>
+              <a:gd name="connsiteX77" fmla="*/ 6782540 w 7421732"/>
+              <a:gd name="connsiteY77" fmla="*/ 35511 h 124287"/>
+              <a:gd name="connsiteX78" fmla="*/ 6889072 w 7421732"/>
+              <a:gd name="connsiteY78" fmla="*/ 71021 h 124287"/>
+              <a:gd name="connsiteX79" fmla="*/ 6968971 w 7421732"/>
+              <a:gd name="connsiteY79" fmla="*/ 26633 h 124287"/>
+              <a:gd name="connsiteX80" fmla="*/ 7031114 w 7421732"/>
+              <a:gd name="connsiteY80" fmla="*/ 35511 h 124287"/>
+              <a:gd name="connsiteX81" fmla="*/ 7173157 w 7421732"/>
+              <a:gd name="connsiteY81" fmla="*/ 44388 h 124287"/>
+              <a:gd name="connsiteX82" fmla="*/ 7350711 w 7421732"/>
+              <a:gd name="connsiteY82" fmla="*/ 71021 h 124287"/>
+              <a:gd name="connsiteX83" fmla="*/ 7386221 w 7421732"/>
+              <a:gd name="connsiteY83" fmla="*/ 35511 h 124287"/>
+              <a:gd name="connsiteX84" fmla="*/ 7421732 w 7421732"/>
+              <a:gd name="connsiteY84" fmla="*/ 35511 h 124287"/>
+            </a:gdLst>
+            <a:ahLst/>
+            <a:cxnLst>
+              <a:cxn ang="0">
+                <a:pos x="connsiteX0" y="connsiteY0"/>
+              </a:cxn>
+              <a:cxn ang="0">
+                <a:pos x="connsiteX1" y="connsiteY1"/>
+              </a:cxn>
+              <a:cxn ang="0">
+                <a:pos x="connsiteX2" y="connsiteY2"/>
+              </a:cxn>
+              <a:cxn ang="0">
+                <a:pos x="connsiteX3" y="connsiteY3"/>
+              </a:cxn>
+              <a:cxn ang="0">
+                <a:pos x="connsiteX4" y="connsiteY4"/>
+              </a:cxn>
+              <a:cxn ang="0">
+                <a:pos x="connsiteX5" y="connsiteY5"/>
+              </a:cxn>
+              <a:cxn ang="0">
+                <a:pos x="connsiteX6" y="connsiteY6"/>
+              </a:cxn>
+              <a:cxn ang="0">
+                <a:pos x="connsiteX7" y="connsiteY7"/>
+              </a:cxn>
+              <a:cxn ang="0">
+                <a:pos x="connsiteX8" y="connsiteY8"/>
+              </a:cxn>
+              <a:cxn ang="0">
+                <a:pos x="connsiteX9" y="connsiteY9"/>
+              </a:cxn>
+              <a:cxn ang="0">
+                <a:pos x="connsiteX10" y="connsiteY10"/>
+              </a:cxn>
+              <a:cxn ang="0">
+                <a:pos x="connsiteX11" y="connsiteY11"/>
+              </a:cxn>
+              <a:cxn ang="0">
+                <a:pos x="connsiteX12" y="connsiteY12"/>
+              </a:cxn>
+              <a:cxn ang="0">
+                <a:pos x="connsiteX13" y="connsiteY13"/>
+              </a:cxn>
+              <a:cxn ang="0">
+                <a:pos x="connsiteX14" y="connsiteY14"/>
+              </a:cxn>
+              <a:cxn ang="0">
+                <a:pos x="connsiteX15" y="connsiteY15"/>
+              </a:cxn>
+              <a:cxn ang="0">
+                <a:pos x="connsiteX16" y="connsiteY16"/>
+              </a:cxn>
+              <a:cxn ang="0">
+                <a:pos x="connsiteX17" y="connsiteY17"/>
+              </a:cxn>
+              <a:cxn ang="0">
+                <a:pos x="connsiteX18" y="connsiteY18"/>
+              </a:cxn>
+              <a:cxn ang="0">
+                <a:pos x="connsiteX19" y="connsiteY19"/>
+              </a:cxn>
+              <a:cxn ang="0">
+                <a:pos x="connsiteX20" y="connsiteY20"/>
+              </a:cxn>
+              <a:cxn ang="0">
+                <a:pos x="connsiteX21" y="connsiteY21"/>
+              </a:cxn>
+              <a:cxn ang="0">
+                <a:pos x="connsiteX22" y="connsiteY22"/>
+              </a:cxn>
+              <a:cxn ang="0">
+                <a:pos x="connsiteX23" y="connsiteY23"/>
+              </a:cxn>
+              <a:cxn ang="0">
+                <a:pos x="connsiteX24" y="connsiteY24"/>
+              </a:cxn>
+              <a:cxn ang="0">
+                <a:pos x="connsiteX25" y="connsiteY25"/>
+              </a:cxn>
+              <a:cxn ang="0">
+                <a:pos x="connsiteX26" y="connsiteY26"/>
+              </a:cxn>
+              <a:cxn ang="0">
+                <a:pos x="connsiteX27" y="connsiteY27"/>
+              </a:cxn>
+              <a:cxn ang="0">
+                <a:pos x="connsiteX28" y="connsiteY28"/>
+              </a:cxn>
+              <a:cxn ang="0">
+                <a:pos x="connsiteX29" y="connsiteY29"/>
+              </a:cxn>
+              <a:cxn ang="0">
+                <a:pos x="connsiteX30" y="connsiteY30"/>
+              </a:cxn>
+              <a:cxn ang="0">
+                <a:pos x="connsiteX31" y="connsiteY31"/>
+              </a:cxn>
+              <a:cxn ang="0">
+                <a:pos x="connsiteX32" y="connsiteY32"/>
+              </a:cxn>
+              <a:cxn ang="0">
+                <a:pos x="connsiteX33" y="connsiteY33"/>
+              </a:cxn>
+              <a:cxn ang="0">
+                <a:pos x="connsiteX34" y="connsiteY34"/>
+              </a:cxn>
+              <a:cxn ang="0">
+                <a:pos x="connsiteX35" y="connsiteY35"/>
+              </a:cxn>
+              <a:cxn ang="0">
+                <a:pos x="connsiteX36" y="connsiteY36"/>
+              </a:cxn>
+              <a:cxn ang="0">
+                <a:pos x="connsiteX37" y="connsiteY37"/>
+              </a:cxn>
+              <a:cxn ang="0">
+                <a:pos x="connsiteX38" y="connsiteY38"/>
+              </a:cxn>
+              <a:cxn ang="0">
+                <a:pos x="connsiteX39" y="connsiteY39"/>
+              </a:cxn>
+              <a:cxn ang="0">
+                <a:pos x="connsiteX40" y="connsiteY40"/>
+              </a:cxn>
+              <a:cxn ang="0">
+                <a:pos x="connsiteX41" y="connsiteY41"/>
+              </a:cxn>
+              <a:cxn ang="0">
+                <a:pos x="connsiteX42" y="connsiteY42"/>
+              </a:cxn>
+              <a:cxn ang="0">
+                <a:pos x="connsiteX43" y="connsiteY43"/>
+              </a:cxn>
+              <a:cxn ang="0">
+                <a:pos x="connsiteX44" y="connsiteY44"/>
+              </a:cxn>
+              <a:cxn ang="0">
+                <a:pos x="connsiteX45" y="connsiteY45"/>
+              </a:cxn>
+              <a:cxn ang="0">
+                <a:pos x="connsiteX46" y="connsiteY46"/>
+              </a:cxn>
+              <a:cxn ang="0">
+                <a:pos x="connsiteX47" y="connsiteY47"/>
+              </a:cxn>
+              <a:cxn ang="0">
+                <a:pos x="connsiteX48" y="connsiteY48"/>
+              </a:cxn>
+              <a:cxn ang="0">
+                <a:pos x="connsiteX49" y="connsiteY49"/>
+              </a:cxn>
+              <a:cxn ang="0">
+                <a:pos x="connsiteX50" y="connsiteY50"/>
+              </a:cxn>
+              <a:cxn ang="0">
+                <a:pos x="connsiteX51" y="connsiteY51"/>
+              </a:cxn>
+              <a:cxn ang="0">
+                <a:pos x="connsiteX52" y="connsiteY52"/>
+              </a:cxn>
+              <a:cxn ang="0">
+                <a:pos x="connsiteX53" y="connsiteY53"/>
+              </a:cxn>
+              <a:cxn ang="0">
+                <a:pos x="connsiteX54" y="connsiteY54"/>
+              </a:cxn>
+              <a:cxn ang="0">
+                <a:pos x="connsiteX55" y="connsiteY55"/>
+              </a:cxn>
+              <a:cxn ang="0">
+                <a:pos x="connsiteX56" y="connsiteY56"/>
+              </a:cxn>
+              <a:cxn ang="0">
+                <a:pos x="connsiteX57" y="connsiteY57"/>
+              </a:cxn>
+              <a:cxn ang="0">
+                <a:pos x="connsiteX58" y="connsiteY58"/>
+              </a:cxn>
+              <a:cxn ang="0">
+                <a:pos x="connsiteX59" y="connsiteY59"/>
+              </a:cxn>
+              <a:cxn ang="0">
+                <a:pos x="connsiteX60" y="connsiteY60"/>
+              </a:cxn>
+              <a:cxn ang="0">
+                <a:pos x="connsiteX61" y="connsiteY61"/>
+              </a:cxn>
+              <a:cxn ang="0">
+                <a:pos x="connsiteX62" y="connsiteY62"/>
+              </a:cxn>
+              <a:cxn ang="0">
+                <a:pos x="connsiteX63" y="connsiteY63"/>
+              </a:cxn>
+              <a:cxn ang="0">
+                <a:pos x="connsiteX64" y="connsiteY64"/>
+              </a:cxn>
+              <a:cxn ang="0">
+                <a:pos x="connsiteX65" y="connsiteY65"/>
+              </a:cxn>
+              <a:cxn ang="0">
+                <a:pos x="connsiteX66" y="connsiteY66"/>
+              </a:cxn>
+              <a:cxn ang="0">
+                <a:pos x="connsiteX67" y="connsiteY67"/>
+              </a:cxn>
+              <a:cxn ang="0">
+                <a:pos x="connsiteX68" y="connsiteY68"/>
+              </a:cxn>
+              <a:cxn ang="0">
+                <a:pos x="connsiteX69" y="connsiteY69"/>
+              </a:cxn>
+              <a:cxn ang="0">
+                <a:pos x="connsiteX70" y="connsiteY70"/>
+              </a:cxn>
+              <a:cxn ang="0">
+                <a:pos x="connsiteX71" y="connsiteY71"/>
+              </a:cxn>
+              <a:cxn ang="0">
+                <a:pos x="connsiteX72" y="connsiteY72"/>
+              </a:cxn>
+              <a:cxn ang="0">
+                <a:pos x="connsiteX73" y="connsiteY73"/>
+              </a:cxn>
+              <a:cxn ang="0">
+                <a:pos x="connsiteX74" y="connsiteY74"/>
+              </a:cxn>
+              <a:cxn ang="0">
+                <a:pos x="connsiteX75" y="connsiteY75"/>
+              </a:cxn>
+              <a:cxn ang="0">
+                <a:pos x="connsiteX76" y="connsiteY76"/>
+              </a:cxn>
+              <a:cxn ang="0">
+                <a:pos x="connsiteX77" y="connsiteY77"/>
+              </a:cxn>
+              <a:cxn ang="0">
+                <a:pos x="connsiteX78" y="connsiteY78"/>
+              </a:cxn>
+              <a:cxn ang="0">
+                <a:pos x="connsiteX79" y="connsiteY79"/>
+              </a:cxn>
+              <a:cxn ang="0">
+                <a:pos x="connsiteX80" y="connsiteY80"/>
+              </a:cxn>
+              <a:cxn ang="0">
+                <a:pos x="connsiteX81" y="connsiteY81"/>
+              </a:cxn>
+              <a:cxn ang="0">
+                <a:pos x="connsiteX82" y="connsiteY82"/>
+              </a:cxn>
+              <a:cxn ang="0">
+                <a:pos x="connsiteX83" y="connsiteY83"/>
+              </a:cxn>
+              <a:cxn ang="0">
+                <a:pos x="connsiteX84" y="connsiteY84"/>
+              </a:cxn>
+            </a:cxnLst>
+            <a:rect l="l" t="t" r="r" b="b"/>
+            <a:pathLst>
+              <a:path w="7421732" h="124287">
+                <a:moveTo>
+                  <a:pt x="0" y="17755"/>
+                </a:moveTo>
+                <a:cubicBezTo>
+                  <a:pt x="14796" y="23674"/>
+                  <a:pt x="28518" y="34068"/>
+                  <a:pt x="44388" y="35511"/>
+                </a:cubicBezTo>
+                <a:cubicBezTo>
+                  <a:pt x="80159" y="38763"/>
+                  <a:pt x="100208" y="21417"/>
+                  <a:pt x="133165" y="17755"/>
+                </a:cubicBezTo>
+                <a:cubicBezTo>
+                  <a:pt x="174446" y="13168"/>
+                  <a:pt x="216023" y="11837"/>
+                  <a:pt x="257452" y="8878"/>
+                </a:cubicBezTo>
+                <a:cubicBezTo>
+                  <a:pt x="263371" y="20715"/>
+                  <a:pt x="265850" y="35030"/>
+                  <a:pt x="275208" y="44388"/>
+                </a:cubicBezTo>
+                <a:cubicBezTo>
+                  <a:pt x="303335" y="72514"/>
+                  <a:pt x="336811" y="29952"/>
+                  <a:pt x="355107" y="17755"/>
+                </a:cubicBezTo>
+                <a:cubicBezTo>
+                  <a:pt x="455575" y="78036"/>
+                  <a:pt x="331827" y="17755"/>
+                  <a:pt x="514905" y="17755"/>
+                </a:cubicBezTo>
+                <a:cubicBezTo>
+                  <a:pt x="534756" y="17755"/>
+                  <a:pt x="550416" y="35510"/>
+                  <a:pt x="568171" y="44388"/>
+                </a:cubicBezTo>
+                <a:cubicBezTo>
+                  <a:pt x="630315" y="38470"/>
+                  <a:pt x="692177" y="26633"/>
+                  <a:pt x="754602" y="26633"/>
+                </a:cubicBezTo>
+                <a:cubicBezTo>
+                  <a:pt x="779004" y="26633"/>
+                  <a:pt x="801248" y="43227"/>
+                  <a:pt x="825623" y="44388"/>
+                </a:cubicBezTo>
+                <a:cubicBezTo>
+                  <a:pt x="864163" y="46223"/>
+                  <a:pt x="902563" y="38470"/>
+                  <a:pt x="941033" y="35511"/>
+                </a:cubicBezTo>
+                <a:cubicBezTo>
+                  <a:pt x="1005203" y="67596"/>
+                  <a:pt x="1050978" y="97870"/>
+                  <a:pt x="1136342" y="79899"/>
+                </a:cubicBezTo>
+                <a:cubicBezTo>
+                  <a:pt x="1155767" y="75809"/>
+                  <a:pt x="1154097" y="44388"/>
+                  <a:pt x="1162975" y="26633"/>
+                </a:cubicBezTo>
+                <a:cubicBezTo>
+                  <a:pt x="1186649" y="53266"/>
+                  <a:pt x="1200631" y="94020"/>
+                  <a:pt x="1233996" y="106532"/>
+                </a:cubicBezTo>
+                <a:cubicBezTo>
+                  <a:pt x="1257670" y="115410"/>
+                  <a:pt x="1279955" y="83241"/>
+                  <a:pt x="1305017" y="79899"/>
+                </a:cubicBezTo>
+                <a:lnTo>
+                  <a:pt x="1367161" y="88777"/>
+                </a:lnTo>
+                <a:cubicBezTo>
+                  <a:pt x="1393794" y="79899"/>
+                  <a:pt x="1420622" y="71586"/>
+                  <a:pt x="1447060" y="62144"/>
+                </a:cubicBezTo>
+                <a:cubicBezTo>
+                  <a:pt x="1462067" y="56784"/>
+                  <a:pt x="1475672" y="42135"/>
+                  <a:pt x="1491448" y="44388"/>
+                </a:cubicBezTo>
+                <a:cubicBezTo>
+                  <a:pt x="1502011" y="45897"/>
+                  <a:pt x="1503285" y="62143"/>
+                  <a:pt x="1509204" y="71021"/>
+                </a:cubicBezTo>
+                <a:cubicBezTo>
+                  <a:pt x="1565429" y="62143"/>
+                  <a:pt x="1620957" y="44388"/>
+                  <a:pt x="1677879" y="44388"/>
+                </a:cubicBezTo>
+                <a:cubicBezTo>
+                  <a:pt x="1692675" y="44388"/>
+                  <a:pt x="1699485" y="65964"/>
+                  <a:pt x="1713390" y="71021"/>
+                </a:cubicBezTo>
+                <a:cubicBezTo>
+                  <a:pt x="1733055" y="78172"/>
+                  <a:pt x="1754819" y="76940"/>
+                  <a:pt x="1775534" y="79899"/>
+                </a:cubicBezTo>
+                <a:cubicBezTo>
+                  <a:pt x="1793289" y="73981"/>
+                  <a:pt x="1810161" y="63839"/>
+                  <a:pt x="1828800" y="62144"/>
+                </a:cubicBezTo>
+                <a:cubicBezTo>
+                  <a:pt x="1843827" y="60778"/>
+                  <a:pt x="1858099" y="71021"/>
+                  <a:pt x="1873188" y="71021"/>
+                </a:cubicBezTo>
+                <a:cubicBezTo>
+                  <a:pt x="1894113" y="71021"/>
+                  <a:pt x="1914617" y="65103"/>
+                  <a:pt x="1935332" y="62144"/>
+                </a:cubicBezTo>
+                <a:cubicBezTo>
+                  <a:pt x="2008431" y="25594"/>
+                  <a:pt x="2048854" y="0"/>
+                  <a:pt x="2148396" y="0"/>
+                </a:cubicBezTo>
+                <a:cubicBezTo>
+                  <a:pt x="2191483" y="0"/>
+                  <a:pt x="2231254" y="23674"/>
+                  <a:pt x="2272683" y="35511"/>
+                </a:cubicBezTo>
+                <a:cubicBezTo>
+                  <a:pt x="2302275" y="26633"/>
+                  <a:pt x="2330875" y="13247"/>
+                  <a:pt x="2361460" y="8878"/>
+                </a:cubicBezTo>
+                <a:cubicBezTo>
+                  <a:pt x="2379392" y="6316"/>
+                  <a:pt x="2458610" y="44172"/>
+                  <a:pt x="2459114" y="44388"/>
+                </a:cubicBezTo>
+                <a:cubicBezTo>
+                  <a:pt x="2473910" y="41429"/>
+                  <a:pt x="2489081" y="31073"/>
+                  <a:pt x="2503503" y="35511"/>
+                </a:cubicBezTo>
+                <a:cubicBezTo>
+                  <a:pt x="2530186" y="43721"/>
+                  <a:pt x="2546642" y="78505"/>
+                  <a:pt x="2574524" y="79899"/>
+                </a:cubicBezTo>
+                <a:cubicBezTo>
+                  <a:pt x="2611909" y="81768"/>
+                  <a:pt x="2645545" y="56225"/>
+                  <a:pt x="2681056" y="44388"/>
+                </a:cubicBezTo>
+                <a:cubicBezTo>
+                  <a:pt x="2715482" y="70207"/>
+                  <a:pt x="2727128" y="87835"/>
+                  <a:pt x="2778711" y="79899"/>
+                </a:cubicBezTo>
+                <a:cubicBezTo>
+                  <a:pt x="2798331" y="76881"/>
+                  <a:pt x="2814222" y="62144"/>
+                  <a:pt x="2831977" y="53266"/>
+                </a:cubicBezTo>
+                <a:cubicBezTo>
+                  <a:pt x="2858610" y="59184"/>
+                  <a:pt x="2884635" y="72534"/>
+                  <a:pt x="2911876" y="71021"/>
+                </a:cubicBezTo>
+                <a:cubicBezTo>
+                  <a:pt x="2939906" y="69464"/>
+                  <a:pt x="2991775" y="44388"/>
+                  <a:pt x="2991775" y="44388"/>
+                </a:cubicBezTo>
+                <a:cubicBezTo>
+                  <a:pt x="3018408" y="56225"/>
+                  <a:pt x="3042707" y="76680"/>
+                  <a:pt x="3071674" y="79899"/>
+                </a:cubicBezTo>
+                <a:cubicBezTo>
+                  <a:pt x="3098790" y="82912"/>
+                  <a:pt x="3124360" y="64088"/>
+                  <a:pt x="3151573" y="62144"/>
+                </a:cubicBezTo>
+                <a:cubicBezTo>
+                  <a:pt x="3166624" y="61069"/>
+                  <a:pt x="3181165" y="68062"/>
+                  <a:pt x="3195961" y="71021"/>
+                </a:cubicBezTo>
+                <a:cubicBezTo>
+                  <a:pt x="3213716" y="62143"/>
+                  <a:pt x="3230571" y="51172"/>
+                  <a:pt x="3249227" y="44388"/>
+                </a:cubicBezTo>
+                <a:cubicBezTo>
+                  <a:pt x="3263408" y="39232"/>
+                  <a:pt x="3278643" y="37383"/>
+                  <a:pt x="3293615" y="35511"/>
+                </a:cubicBezTo>
+                <a:cubicBezTo>
+                  <a:pt x="3349714" y="28499"/>
+                  <a:pt x="3406066" y="23674"/>
+                  <a:pt x="3462291" y="17755"/>
+                </a:cubicBezTo>
+                <a:cubicBezTo>
+                  <a:pt x="3489006" y="24434"/>
+                  <a:pt x="3535621" y="37382"/>
+                  <a:pt x="3559945" y="35511"/>
+                </a:cubicBezTo>
+                <a:cubicBezTo>
+                  <a:pt x="3574054" y="34426"/>
+                  <a:pt x="3642047" y="6221"/>
+                  <a:pt x="3657600" y="0"/>
+                </a:cubicBezTo>
+                <a:cubicBezTo>
+                  <a:pt x="3687192" y="14796"/>
+                  <a:pt x="3714755" y="34658"/>
+                  <a:pt x="3746377" y="44388"/>
+                </a:cubicBezTo>
+                <a:cubicBezTo>
+                  <a:pt x="3755321" y="47140"/>
+                  <a:pt x="3763699" y="34580"/>
+                  <a:pt x="3773010" y="35511"/>
+                </a:cubicBezTo>
+                <a:cubicBezTo>
+                  <a:pt x="3789364" y="37146"/>
+                  <a:pt x="3870128" y="64924"/>
+                  <a:pt x="3888419" y="71021"/>
+                </a:cubicBezTo>
+                <a:cubicBezTo>
+                  <a:pt x="3902477" y="59775"/>
+                  <a:pt x="3933420" y="26633"/>
+                  <a:pt x="3959441" y="26633"/>
+                </a:cubicBezTo>
+                <a:cubicBezTo>
+                  <a:pt x="3971642" y="26633"/>
+                  <a:pt x="3983114" y="32552"/>
+                  <a:pt x="3994951" y="35511"/>
+                </a:cubicBezTo>
+                <a:cubicBezTo>
+                  <a:pt x="3998940" y="33915"/>
+                  <a:pt x="4063483" y="5778"/>
+                  <a:pt x="4074850" y="8878"/>
+                </a:cubicBezTo>
+                <a:cubicBezTo>
+                  <a:pt x="4097867" y="15155"/>
+                  <a:pt x="4114726" y="35824"/>
+                  <a:pt x="4136994" y="44388"/>
+                </a:cubicBezTo>
+                <a:cubicBezTo>
+                  <a:pt x="4153794" y="50850"/>
+                  <a:pt x="4172505" y="50307"/>
+                  <a:pt x="4190260" y="53266"/>
+                </a:cubicBezTo>
+                <a:cubicBezTo>
+                  <a:pt x="4272790" y="12002"/>
+                  <a:pt x="4189084" y="45546"/>
+                  <a:pt x="4358936" y="53266"/>
+                </a:cubicBezTo>
+                <a:cubicBezTo>
+                  <a:pt x="4379839" y="54216"/>
+                  <a:pt x="4400365" y="47347"/>
+                  <a:pt x="4421079" y="44388"/>
+                </a:cubicBezTo>
+                <a:cubicBezTo>
+                  <a:pt x="4482200" y="24016"/>
+                  <a:pt x="4405370" y="43706"/>
+                  <a:pt x="4500979" y="53266"/>
+                </a:cubicBezTo>
+                <a:cubicBezTo>
+                  <a:pt x="4521123" y="55280"/>
+                  <a:pt x="4556169" y="34548"/>
+                  <a:pt x="4572000" y="26633"/>
+                </a:cubicBezTo>
+                <a:cubicBezTo>
+                  <a:pt x="4601050" y="36317"/>
+                  <a:pt x="4643619" y="51263"/>
+                  <a:pt x="4669654" y="53266"/>
+                </a:cubicBezTo>
+                <a:cubicBezTo>
+                  <a:pt x="4684699" y="54423"/>
+                  <a:pt x="4699247" y="47347"/>
+                  <a:pt x="4714043" y="44388"/>
+                </a:cubicBezTo>
+                <a:cubicBezTo>
+                  <a:pt x="4817908" y="51807"/>
+                  <a:pt x="4840020" y="63736"/>
+                  <a:pt x="4935984" y="35511"/>
+                </a:cubicBezTo>
+                <a:cubicBezTo>
+                  <a:pt x="4955028" y="29910"/>
+                  <a:pt x="4971495" y="17756"/>
+                  <a:pt x="4989250" y="8878"/>
+                </a:cubicBezTo>
+                <a:cubicBezTo>
+                  <a:pt x="5004046" y="14796"/>
+                  <a:pt x="5018179" y="22768"/>
+                  <a:pt x="5033639" y="26633"/>
+                </a:cubicBezTo>
+                <a:cubicBezTo>
+                  <a:pt x="5053939" y="31708"/>
+                  <a:pt x="5078539" y="23657"/>
+                  <a:pt x="5095782" y="35511"/>
+                </a:cubicBezTo>
+                <a:cubicBezTo>
+                  <a:pt x="5128589" y="58066"/>
+                  <a:pt x="5149048" y="94695"/>
+                  <a:pt x="5175681" y="124287"/>
+                </a:cubicBezTo>
+                <a:cubicBezTo>
+                  <a:pt x="5193436" y="121328"/>
+                  <a:pt x="5214547" y="126210"/>
+                  <a:pt x="5228947" y="115410"/>
+                </a:cubicBezTo>
+                <a:cubicBezTo>
+                  <a:pt x="5252621" y="97655"/>
+                  <a:pt x="5254633" y="55114"/>
+                  <a:pt x="5282213" y="44388"/>
+                </a:cubicBezTo>
+                <a:cubicBezTo>
+                  <a:pt x="5315424" y="31473"/>
+                  <a:pt x="5353234" y="50307"/>
+                  <a:pt x="5388745" y="53266"/>
+                </a:cubicBezTo>
+                <a:cubicBezTo>
+                  <a:pt x="5592699" y="30604"/>
+                  <a:pt x="5323621" y="53160"/>
+                  <a:pt x="5575177" y="62144"/>
+                </a:cubicBezTo>
+                <a:cubicBezTo>
+                  <a:pt x="5635372" y="64294"/>
+                  <a:pt x="5834825" y="40887"/>
+                  <a:pt x="5885895" y="35511"/>
+                </a:cubicBezTo>
+                <a:cubicBezTo>
+                  <a:pt x="5969731" y="14551"/>
+                  <a:pt x="5863203" y="32999"/>
+                  <a:pt x="5974672" y="53266"/>
+                </a:cubicBezTo>
+                <a:cubicBezTo>
+                  <a:pt x="5989518" y="55965"/>
+                  <a:pt x="6004264" y="47347"/>
+                  <a:pt x="6019060" y="44388"/>
+                </a:cubicBezTo>
+                <a:cubicBezTo>
+                  <a:pt x="6051611" y="50307"/>
+                  <a:pt x="6083629" y="62144"/>
+                  <a:pt x="6116714" y="62144"/>
+                </a:cubicBezTo>
+                <a:cubicBezTo>
+                  <a:pt x="6141117" y="62144"/>
+                  <a:pt x="6163958" y="49875"/>
+                  <a:pt x="6187736" y="44388"/>
+                </a:cubicBezTo>
+                <a:cubicBezTo>
+                  <a:pt x="6202439" y="40995"/>
+                  <a:pt x="6217328" y="38470"/>
+                  <a:pt x="6232124" y="35511"/>
+                </a:cubicBezTo>
+                <a:cubicBezTo>
+                  <a:pt x="6341420" y="57370"/>
+                  <a:pt x="6291026" y="57534"/>
+                  <a:pt x="6383045" y="44388"/>
+                </a:cubicBezTo>
+                <a:cubicBezTo>
+                  <a:pt x="6409678" y="50307"/>
+                  <a:pt x="6435995" y="66399"/>
+                  <a:pt x="6462944" y="62144"/>
+                </a:cubicBezTo>
+                <a:cubicBezTo>
+                  <a:pt x="6495624" y="56984"/>
+                  <a:pt x="6551720" y="17755"/>
+                  <a:pt x="6551720" y="17755"/>
+                </a:cubicBezTo>
+                <a:cubicBezTo>
+                  <a:pt x="6674115" y="52726"/>
+                  <a:pt x="6556280" y="26633"/>
+                  <a:pt x="6747029" y="26633"/>
+                </a:cubicBezTo>
+                <a:cubicBezTo>
+                  <a:pt x="6759230" y="26633"/>
+                  <a:pt x="6770894" y="31872"/>
+                  <a:pt x="6782540" y="35511"/>
+                </a:cubicBezTo>
+                <a:cubicBezTo>
+                  <a:pt x="6818268" y="46676"/>
+                  <a:pt x="6853561" y="59184"/>
+                  <a:pt x="6889072" y="71021"/>
+                </a:cubicBezTo>
+                <a:cubicBezTo>
+                  <a:pt x="6915705" y="56225"/>
+                  <a:pt x="6939414" y="34022"/>
+                  <a:pt x="6968971" y="26633"/>
+                </a:cubicBezTo>
+                <a:cubicBezTo>
+                  <a:pt x="6989271" y="21558"/>
+                  <a:pt x="7010268" y="33698"/>
+                  <a:pt x="7031114" y="35511"/>
+                </a:cubicBezTo>
+                <a:cubicBezTo>
+                  <a:pt x="7078376" y="39621"/>
+                  <a:pt x="7125809" y="41429"/>
+                  <a:pt x="7173157" y="44388"/>
+                </a:cubicBezTo>
+                <a:cubicBezTo>
+                  <a:pt x="7232342" y="53266"/>
+                  <a:pt x="7290916" y="73512"/>
+                  <a:pt x="7350711" y="71021"/>
+                </a:cubicBezTo>
+                <a:cubicBezTo>
+                  <a:pt x="7367436" y="70324"/>
+                  <a:pt x="7371249" y="42997"/>
+                  <a:pt x="7386221" y="35511"/>
+                </a:cubicBezTo>
+                <a:cubicBezTo>
+                  <a:pt x="7396808" y="30217"/>
+                  <a:pt x="7409895" y="35511"/>
+                  <a:pt x="7421732" y="35511"/>
+                </a:cubicBezTo>
+              </a:path>
+            </a:pathLst>
+          </a:custGeom>
+          <a:noFill/>
+          <a:ln>
+            <a:solidFill>
+              <a:srgbClr val="FF0000"/>
+            </a:solidFill>
+          </a:ln>
+        </p:spPr>
+        <p:style>
+          <a:lnRef idx="2">
+            <a:schemeClr val="accent1">
+              <a:shade val="50000"/>
+            </a:schemeClr>
+          </a:lnRef>
+          <a:fillRef idx="1">
+            <a:schemeClr val="accent1"/>
+          </a:fillRef>
+          <a:effectRef idx="0">
+            <a:schemeClr val="accent1"/>
+          </a:effectRef>
+          <a:fontRef idx="minor">
+            <a:schemeClr val="lt1"/>
+          </a:fontRef>
+        </p:style>
+        <p:txBody>
+          <a:bodyPr rtlCol="0" anchor="ctr"/>
+          <a:lstStyle/>
+          <a:p>
+            <a:pPr algn="ctr"/>
+            <a:endParaRPr lang="en-GB"/>
+          </a:p>
+        </p:txBody>
+      </p:sp>
     </p:spTree>
     <p:extLst>
       <p:ext uri="{BB962C8B-B14F-4D97-AF65-F5344CB8AC3E}">
@@ -20179,7 +24157,7 @@
                 <a:rPr lang="fr-FR" sz="1400" b="1" smtClean="0">
                   <a:latin typeface="+mj-lt"/>
                 </a:rPr>
-                <a:t>17/01/2022</a:t>
+                <a:t>18/01/2022</a:t>
               </a:fld>
               <a:endParaRPr lang="en-GB" sz="1600" b="1" cap="small" dirty="0">
                 <a:latin typeface="+mj-lt"/>
@@ -20996,7 +24974,7 @@
         <p:spPr>
           <a:xfrm>
             <a:off x="331514" y="985910"/>
-            <a:ext cx="3625864" cy="523220"/>
+            <a:ext cx="3068853" cy="523220"/>
           </a:xfrm>
           <a:prstGeom prst="rect">
             <a:avLst/>
@@ -21013,7 +24991,7 @@
               <a:rPr lang="fr-FR" sz="2800" b="1" cap="small" dirty="0">
                 <a:latin typeface="+mj-lt"/>
               </a:rPr>
-              <a:t>Présentation des données</a:t>
+              <a:t>Deux jeux de données</a:t>
             </a:r>
             <a:endParaRPr lang="en-GB" sz="2800" b="1" cap="small" dirty="0">
               <a:latin typeface="+mj-lt"/>
@@ -21457,7 +25435,7 @@
                 <a:rPr lang="fr-FR" sz="1400" b="1" smtClean="0">
                   <a:latin typeface="+mj-lt"/>
                 </a:rPr>
-                <a:t>17/01/2022</a:t>
+                <a:t>18/01/2022</a:t>
               </a:fld>
               <a:endParaRPr lang="en-GB" sz="1600" b="1" cap="small" dirty="0">
                 <a:latin typeface="+mj-lt"/>
